--- a/safeguarding/en/lessons/report_mechanism.pptx
+++ b/safeguarding/en/lessons/report_mechanism.pptx
@@ -5,7 +5,7 @@
     <p:sldMasterId id="2147483648" r:id="rId1"/>
   </p:sldMasterIdLst>
   <p:notesMasterIdLst>
-    <p:notesMasterId r:id="rId11"/>
+    <p:notesMasterId r:id="rId8"/>
   </p:notesMasterIdLst>
   <p:sldIdLst>
     <p:sldId id="343" r:id="rId2"/>
@@ -13,15 +13,12 @@
     <p:sldId id="348" r:id="rId4"/>
     <p:sldId id="353" r:id="rId5"/>
     <p:sldId id="354" r:id="rId6"/>
-    <p:sldId id="356" r:id="rId7"/>
-    <p:sldId id="355" r:id="rId8"/>
-    <p:sldId id="357" r:id="rId9"/>
-    <p:sldId id="351" r:id="rId10"/>
+    <p:sldId id="351" r:id="rId7"/>
   </p:sldIdLst>
   <p:sldSz cx="12192000" cy="6858000"/>
   <p:notesSz cx="6858000" cy="9144000"/>
   <p:custDataLst>
-    <p:tags r:id="rId12"/>
+    <p:tags r:id="rId9"/>
   </p:custDataLst>
   <p:defaultTextStyle>
     <a:defPPr>
@@ -264,7 +261,7 @@
           <a:p>
             <a:fld id="{CD4A716A-96FF-444E-85A3-889DB32D1FBA}" type="datetimeFigureOut">
               <a:rPr lang="ru-RU" smtClean="0"/>
-              <a:t>16.09.2024</a:t>
+              <a:t>19.09.2024</a:t>
             </a:fld>
             <a:endParaRPr lang="ru-RU"/>
           </a:p>
@@ -995,7 +992,7 @@
           <a:bodyPr/>
           <a:lstStyle/>
           <a:p>
-            <a:endParaRPr lang="en-US" dirty="0"/>
+            <a:endParaRPr lang="en-US"/>
           </a:p>
         </p:txBody>
       </p:sp>
@@ -1017,258 +1014,6 @@
             <a:fld id="{95E4AF92-FB35-FC4B-A1DD-7C909C20A5EE}" type="slidenum">
               <a:rPr lang="ru-RU" smtClean="0"/>
               <a:t>6</a:t>
-            </a:fld>
-            <a:endParaRPr lang="ru-RU"/>
-          </a:p>
-        </p:txBody>
-      </p:sp>
-    </p:spTree>
-    <p:extLst>
-      <p:ext uri="{BB962C8B-B14F-4D97-AF65-F5344CB8AC3E}">
-        <p14:creationId xmlns:p14="http://schemas.microsoft.com/office/powerpoint/2010/main" val="3818879615"/>
-      </p:ext>
-    </p:extLst>
-  </p:cSld>
-  <p:clrMapOvr>
-    <a:masterClrMapping/>
-  </p:clrMapOvr>
-</p:notes>
-</file>
-
-<file path=ppt/notesSlides/notesSlide7.xml><?xml version="1.0" encoding="utf-8"?>
-<p:notes xmlns:a="http://schemas.openxmlformats.org/drawingml/2006/main" xmlns:r="http://schemas.openxmlformats.org/officeDocument/2006/relationships" xmlns:p="http://schemas.openxmlformats.org/presentationml/2006/main">
-  <p:cSld>
-    <p:spTree>
-      <p:nvGrpSpPr>
-        <p:cNvPr id="1" name=""/>
-        <p:cNvGrpSpPr/>
-        <p:nvPr/>
-      </p:nvGrpSpPr>
-      <p:grpSpPr>
-        <a:xfrm>
-          <a:off x="0" y="0"/>
-          <a:ext cx="0" cy="0"/>
-          <a:chOff x="0" y="0"/>
-          <a:chExt cx="0" cy="0"/>
-        </a:xfrm>
-      </p:grpSpPr>
-      <p:sp>
-        <p:nvSpPr>
-          <p:cNvPr id="2" name="Slide Image Placeholder 1"/>
-          <p:cNvSpPr>
-            <a:spLocks noGrp="1" noRot="1" noChangeAspect="1"/>
-          </p:cNvSpPr>
-          <p:nvPr>
-            <p:ph type="sldImg"/>
-          </p:nvPr>
-        </p:nvSpPr>
-        <p:spPr/>
-      </p:sp>
-      <p:sp>
-        <p:nvSpPr>
-          <p:cNvPr id="3" name="Notes Placeholder 2"/>
-          <p:cNvSpPr>
-            <a:spLocks noGrp="1"/>
-          </p:cNvSpPr>
-          <p:nvPr>
-            <p:ph type="body" idx="1"/>
-          </p:nvPr>
-        </p:nvSpPr>
-        <p:spPr/>
-        <p:txBody>
-          <a:bodyPr/>
-          <a:lstStyle/>
-          <a:p>
-            <a:endParaRPr lang="en-US" dirty="0"/>
-          </a:p>
-        </p:txBody>
-      </p:sp>
-      <p:sp>
-        <p:nvSpPr>
-          <p:cNvPr id="4" name="Slide Number Placeholder 3"/>
-          <p:cNvSpPr>
-            <a:spLocks noGrp="1"/>
-          </p:cNvSpPr>
-          <p:nvPr>
-            <p:ph type="sldNum" sz="quarter" idx="5"/>
-          </p:nvPr>
-        </p:nvSpPr>
-        <p:spPr/>
-        <p:txBody>
-          <a:bodyPr/>
-          <a:lstStyle/>
-          <a:p>
-            <a:fld id="{95E4AF92-FB35-FC4B-A1DD-7C909C20A5EE}" type="slidenum">
-              <a:rPr lang="ru-RU" smtClean="0"/>
-              <a:t>7</a:t>
-            </a:fld>
-            <a:endParaRPr lang="ru-RU"/>
-          </a:p>
-        </p:txBody>
-      </p:sp>
-    </p:spTree>
-    <p:extLst>
-      <p:ext uri="{BB962C8B-B14F-4D97-AF65-F5344CB8AC3E}">
-        <p14:creationId xmlns:p14="http://schemas.microsoft.com/office/powerpoint/2010/main" val="2321820729"/>
-      </p:ext>
-    </p:extLst>
-  </p:cSld>
-  <p:clrMapOvr>
-    <a:masterClrMapping/>
-  </p:clrMapOvr>
-</p:notes>
-</file>
-
-<file path=ppt/notesSlides/notesSlide8.xml><?xml version="1.0" encoding="utf-8"?>
-<p:notes xmlns:a="http://schemas.openxmlformats.org/drawingml/2006/main" xmlns:r="http://schemas.openxmlformats.org/officeDocument/2006/relationships" xmlns:p="http://schemas.openxmlformats.org/presentationml/2006/main">
-  <p:cSld>
-    <p:spTree>
-      <p:nvGrpSpPr>
-        <p:cNvPr id="1" name=""/>
-        <p:cNvGrpSpPr/>
-        <p:nvPr/>
-      </p:nvGrpSpPr>
-      <p:grpSpPr>
-        <a:xfrm>
-          <a:off x="0" y="0"/>
-          <a:ext cx="0" cy="0"/>
-          <a:chOff x="0" y="0"/>
-          <a:chExt cx="0" cy="0"/>
-        </a:xfrm>
-      </p:grpSpPr>
-      <p:sp>
-        <p:nvSpPr>
-          <p:cNvPr id="2" name="Slide Image Placeholder 1"/>
-          <p:cNvSpPr>
-            <a:spLocks noGrp="1" noRot="1" noChangeAspect="1"/>
-          </p:cNvSpPr>
-          <p:nvPr>
-            <p:ph type="sldImg"/>
-          </p:nvPr>
-        </p:nvSpPr>
-        <p:spPr/>
-      </p:sp>
-      <p:sp>
-        <p:nvSpPr>
-          <p:cNvPr id="3" name="Notes Placeholder 2"/>
-          <p:cNvSpPr>
-            <a:spLocks noGrp="1"/>
-          </p:cNvSpPr>
-          <p:nvPr>
-            <p:ph type="body" idx="1"/>
-          </p:nvPr>
-        </p:nvSpPr>
-        <p:spPr/>
-        <p:txBody>
-          <a:bodyPr/>
-          <a:lstStyle/>
-          <a:p>
-            <a:endParaRPr lang="en-US" dirty="0"/>
-          </a:p>
-        </p:txBody>
-      </p:sp>
-      <p:sp>
-        <p:nvSpPr>
-          <p:cNvPr id="4" name="Slide Number Placeholder 3"/>
-          <p:cNvSpPr>
-            <a:spLocks noGrp="1"/>
-          </p:cNvSpPr>
-          <p:nvPr>
-            <p:ph type="sldNum" sz="quarter" idx="5"/>
-          </p:nvPr>
-        </p:nvSpPr>
-        <p:spPr/>
-        <p:txBody>
-          <a:bodyPr/>
-          <a:lstStyle/>
-          <a:p>
-            <a:fld id="{95E4AF92-FB35-FC4B-A1DD-7C909C20A5EE}" type="slidenum">
-              <a:rPr lang="ru-RU" smtClean="0"/>
-              <a:t>8</a:t>
-            </a:fld>
-            <a:endParaRPr lang="ru-RU"/>
-          </a:p>
-        </p:txBody>
-      </p:sp>
-    </p:spTree>
-    <p:extLst>
-      <p:ext uri="{BB962C8B-B14F-4D97-AF65-F5344CB8AC3E}">
-        <p14:creationId xmlns:p14="http://schemas.microsoft.com/office/powerpoint/2010/main" val="493016817"/>
-      </p:ext>
-    </p:extLst>
-  </p:cSld>
-  <p:clrMapOvr>
-    <a:masterClrMapping/>
-  </p:clrMapOvr>
-</p:notes>
-</file>
-
-<file path=ppt/notesSlides/notesSlide9.xml><?xml version="1.0" encoding="utf-8"?>
-<p:notes xmlns:a="http://schemas.openxmlformats.org/drawingml/2006/main" xmlns:r="http://schemas.openxmlformats.org/officeDocument/2006/relationships" xmlns:p="http://schemas.openxmlformats.org/presentationml/2006/main">
-  <p:cSld>
-    <p:spTree>
-      <p:nvGrpSpPr>
-        <p:cNvPr id="1" name=""/>
-        <p:cNvGrpSpPr/>
-        <p:nvPr/>
-      </p:nvGrpSpPr>
-      <p:grpSpPr>
-        <a:xfrm>
-          <a:off x="0" y="0"/>
-          <a:ext cx="0" cy="0"/>
-          <a:chOff x="0" y="0"/>
-          <a:chExt cx="0" cy="0"/>
-        </a:xfrm>
-      </p:grpSpPr>
-      <p:sp>
-        <p:nvSpPr>
-          <p:cNvPr id="2" name="Slide Image Placeholder 1"/>
-          <p:cNvSpPr>
-            <a:spLocks noGrp="1" noRot="1" noChangeAspect="1"/>
-          </p:cNvSpPr>
-          <p:nvPr>
-            <p:ph type="sldImg"/>
-          </p:nvPr>
-        </p:nvSpPr>
-        <p:spPr/>
-      </p:sp>
-      <p:sp>
-        <p:nvSpPr>
-          <p:cNvPr id="3" name="Notes Placeholder 2"/>
-          <p:cNvSpPr>
-            <a:spLocks noGrp="1"/>
-          </p:cNvSpPr>
-          <p:nvPr>
-            <p:ph type="body" idx="1"/>
-          </p:nvPr>
-        </p:nvSpPr>
-        <p:spPr/>
-        <p:txBody>
-          <a:bodyPr/>
-          <a:lstStyle/>
-          <a:p>
-            <a:endParaRPr lang="en-US"/>
-          </a:p>
-        </p:txBody>
-      </p:sp>
-      <p:sp>
-        <p:nvSpPr>
-          <p:cNvPr id="4" name="Slide Number Placeholder 3"/>
-          <p:cNvSpPr>
-            <a:spLocks noGrp="1"/>
-          </p:cNvSpPr>
-          <p:nvPr>
-            <p:ph type="sldNum" sz="quarter" idx="5"/>
-          </p:nvPr>
-        </p:nvSpPr>
-        <p:spPr/>
-        <p:txBody>
-          <a:bodyPr/>
-          <a:lstStyle/>
-          <a:p>
-            <a:fld id="{95E4AF92-FB35-FC4B-A1DD-7C909C20A5EE}" type="slidenum">
-              <a:rPr lang="ru-RU" smtClean="0"/>
-              <a:t>9</a:t>
             </a:fld>
             <a:endParaRPr lang="ru-RU"/>
           </a:p>
@@ -1434,7 +1179,7 @@
           <a:p>
             <a:fld id="{4507D0C9-DCEA-F448-A25E-CBBFA477327C}" type="datetimeFigureOut">
               <a:rPr lang="ru-RU" smtClean="0"/>
-              <a:t>16.09.2024</a:t>
+              <a:t>19.09.2024</a:t>
             </a:fld>
             <a:endParaRPr lang="ru-RU"/>
           </a:p>
@@ -1547,7 +1292,7 @@
           <a:p>
             <a:fld id="{4507D0C9-DCEA-F448-A25E-CBBFA477327C}" type="datetimeFigureOut">
               <a:rPr lang="ru-RU" smtClean="0"/>
-              <a:t>16.09.2024</a:t>
+              <a:t>19.09.2024</a:t>
             </a:fld>
             <a:endParaRPr lang="ru-RU"/>
           </a:p>
@@ -1795,7 +1540,7 @@
           <a:p>
             <a:fld id="{4507D0C9-DCEA-F448-A25E-CBBFA477327C}" type="datetimeFigureOut">
               <a:rPr lang="ru-RU" smtClean="0"/>
-              <a:t>16.09.2024</a:t>
+              <a:t>19.09.2024</a:t>
             </a:fld>
             <a:endParaRPr lang="ru-RU"/>
           </a:p>
@@ -2390,6 +2135,14 @@
   <p:clrMapOvr>
     <a:masterClrMapping/>
   </p:clrMapOvr>
+  <mc:AlternateContent xmlns:mc="http://schemas.openxmlformats.org/markup-compatibility/2006">
+    <mc:Choice xmlns:p14="http://schemas.microsoft.com/office/powerpoint/2010/main" Requires="p14">
+      <p:transition spd="slow" p14:dur="2000" advClick="0"/>
+    </mc:Choice>
+    <mc:Fallback>
+      <p:transition spd="slow" advClick="0"/>
+    </mc:Fallback>
+  </mc:AlternateContent>
   <p:timing>
     <p:tnLst>
       <p:par>
@@ -2710,6 +2463,14 @@
   <p:clrMapOvr>
     <a:masterClrMapping/>
   </p:clrMapOvr>
+  <mc:AlternateContent xmlns:mc="http://schemas.openxmlformats.org/markup-compatibility/2006">
+    <mc:Choice xmlns:p14="http://schemas.microsoft.com/office/powerpoint/2010/main" Requires="p14">
+      <p:transition spd="slow" p14:dur="2000" advClick="0"/>
+    </mc:Choice>
+    <mc:Fallback>
+      <p:transition spd="slow" advClick="0"/>
+    </mc:Fallback>
+  </mc:AlternateContent>
   <p:timing>
     <p:tnLst>
       <p:par>
@@ -2929,6 +2690,14 @@
   <p:clrMapOvr>
     <a:masterClrMapping/>
   </p:clrMapOvr>
+  <mc:AlternateContent xmlns:mc="http://schemas.openxmlformats.org/markup-compatibility/2006">
+    <mc:Choice xmlns:p14="http://schemas.microsoft.com/office/powerpoint/2010/main" Requires="p14">
+      <p:transition spd="slow" p14:dur="2000" advClick="0"/>
+    </mc:Choice>
+    <mc:Fallback>
+      <p:transition spd="slow" advClick="0"/>
+    </mc:Fallback>
+  </mc:AlternateContent>
   <p:timing>
     <p:tnLst>
       <p:par>
@@ -3080,7 +2849,31 @@
                   <a:schemeClr val="tx1"/>
                 </a:solidFill>
               </a:rPr>
-              <a:t>Let’s not try to understand the difference between reporting and referral.</a:t>
+              <a:t>Before proceeding, it is very </a:t>
+            </a:r>
+            <a:r>
+              <a:rPr lang="en-US" sz="2800" dirty="0" smtClean="0">
+                <a:solidFill>
+                  <a:schemeClr val="tx1"/>
+                </a:solidFill>
+              </a:rPr>
+              <a:t>important </a:t>
+            </a:r>
+            <a:r>
+              <a:rPr lang="en-US" sz="2800" dirty="0" smtClean="0">
+                <a:solidFill>
+                  <a:schemeClr val="tx1"/>
+                </a:solidFill>
+              </a:rPr>
+              <a:t>to </a:t>
+            </a:r>
+            <a:r>
+              <a:rPr lang="en-US" sz="2800" dirty="0">
+                <a:solidFill>
+                  <a:schemeClr val="tx1"/>
+                </a:solidFill>
+              </a:rPr>
+              <a:t>understand the difference between reporting and referral.</a:t>
             </a:r>
           </a:p>
           <a:p>
@@ -3097,8 +2890,38 @@
                   <a:schemeClr val="tx1"/>
                 </a:solidFill>
               </a:rPr>
-              <a:t>When there is a misconduct by a staff and you inform the organization, this is called reporting. If the person who survived the misconduct requires support, we refer him/her to the services. Let’s see together what that means!</a:t>
-            </a:r>
+              <a:t>Reporting: Informing the organization when a misconduct is done by an aid worker</a:t>
+            </a:r>
+            <a:r>
+              <a:rPr lang="en-US" sz="2800" dirty="0" smtClean="0">
+                <a:solidFill>
+                  <a:schemeClr val="tx1"/>
+                </a:solidFill>
+              </a:rPr>
+              <a:t>.</a:t>
+            </a:r>
+          </a:p>
+          <a:p>
+            <a:endParaRPr lang="en-US" sz="2800" dirty="0" smtClean="0">
+              <a:solidFill>
+                <a:schemeClr val="tx1"/>
+              </a:solidFill>
+            </a:endParaRPr>
+          </a:p>
+          <a:p>
+            <a:r>
+              <a:rPr lang="en-US" sz="2800" dirty="0">
+                <a:solidFill>
+                  <a:schemeClr val="tx1"/>
+                </a:solidFill>
+              </a:rPr>
+              <a:t>Note: We report with or without the details of the survivor based on his/her preferences.</a:t>
+            </a:r>
+            <a:endParaRPr lang="en-US" sz="2800" dirty="0">
+              <a:solidFill>
+                <a:schemeClr val="tx1"/>
+              </a:solidFill>
+            </a:endParaRPr>
           </a:p>
         </p:txBody>
       </p:sp>
@@ -3482,11 +3305,11 @@
   <p:clrMapOvr>
     <a:masterClrMapping/>
   </p:clrMapOvr>
-  <mc:AlternateContent xmlns:mc="http://schemas.openxmlformats.org/markup-compatibility/2006">
-    <mc:Choice xmlns:p14="http://schemas.microsoft.com/office/powerpoint/2010/main" Requires="p14">
+  <mc:AlternateContent xmlns:mc="http://schemas.openxmlformats.org/markup-compatibility/2006" xmlns:p14="http://schemas.microsoft.com/office/powerpoint/2010/main">
+    <mc:Choice Requires="p14">
       <p:transition spd="slow" p14:dur="2000" advClick="0"/>
     </mc:Choice>
-    <mc:Fallback>
+    <mc:Fallback xmlns="">
       <p:transition spd="slow" advClick="0"/>
     </mc:Fallback>
   </mc:AlternateContent>
@@ -3501,615 +3324,6 @@
 </file>
 
 <file path=ppt/slides/slide6.xml><?xml version="1.0" encoding="utf-8"?>
-<p:sld xmlns:a="http://schemas.openxmlformats.org/drawingml/2006/main" xmlns:r="http://schemas.openxmlformats.org/officeDocument/2006/relationships" xmlns:p="http://schemas.openxmlformats.org/presentationml/2006/main">
-  <p:cSld>
-    <p:spTree>
-      <p:nvGrpSpPr>
-        <p:cNvPr id="1" name=""/>
-        <p:cNvGrpSpPr/>
-        <p:nvPr/>
-      </p:nvGrpSpPr>
-      <p:grpSpPr>
-        <a:xfrm>
-          <a:off x="0" y="0"/>
-          <a:ext cx="0" cy="0"/>
-          <a:chOff x="0" y="0"/>
-          <a:chExt cx="0" cy="0"/>
-        </a:xfrm>
-      </p:grpSpPr>
-      <p:pic>
-        <p:nvPicPr>
-          <p:cNvPr id="2" name="Picture Background">
-            <a:extLst>
-              <a:ext uri="{FF2B5EF4-FFF2-40B4-BE49-F238E27FC236}">
-                <a16:creationId xmlns:a16="http://schemas.microsoft.com/office/drawing/2014/main" id="{F0AE7FE6-9C80-7DA4-C3D2-BE3B9D03D0C3}"/>
-              </a:ext>
-            </a:extLst>
-          </p:cNvPr>
-          <p:cNvPicPr>
-            <a:picLocks noChangeAspect="1"/>
-          </p:cNvPicPr>
-          <p:nvPr/>
-        </p:nvPicPr>
-        <p:blipFill>
-          <a:blip r:embed="rId5"/>
-          <a:stretch>
-            <a:fillRect/>
-          </a:stretch>
-        </p:blipFill>
-        <p:spPr>
-          <a:xfrm>
-            <a:off x="0" y="0"/>
-            <a:ext cx="12192000" cy="6858000"/>
-          </a:xfrm>
-          <a:prstGeom prst="rect">
-            <a:avLst/>
-          </a:prstGeom>
-        </p:spPr>
-      </p:pic>
-      <p:pic>
-        <p:nvPicPr>
-          <p:cNvPr id="4" name="Picture 3">
-            <a:extLst>
-              <a:ext uri="{FF2B5EF4-FFF2-40B4-BE49-F238E27FC236}">
-                <a16:creationId xmlns:a16="http://schemas.microsoft.com/office/drawing/2014/main" id="{EFDAAC91-7072-92DE-8D20-A223CC05B78D}"/>
-              </a:ext>
-            </a:extLst>
-          </p:cNvPr>
-          <p:cNvPicPr>
-            <a:picLocks noChangeAspect="1"/>
-          </p:cNvPicPr>
-          <p:nvPr>
-            <p:custDataLst>
-              <p:tags r:id="rId2"/>
-            </p:custDataLst>
-          </p:nvPr>
-        </p:nvPicPr>
-        <p:blipFill>
-          <a:blip r:embed="rId6"/>
-          <a:stretch>
-            <a:fillRect/>
-          </a:stretch>
-        </p:blipFill>
-        <p:spPr>
-          <a:xfrm>
-            <a:off x="8328978" y="253277"/>
-            <a:ext cx="3607780" cy="12149843"/>
-          </a:xfrm>
-          <a:prstGeom prst="rect">
-            <a:avLst/>
-          </a:prstGeom>
-        </p:spPr>
-      </p:pic>
-      <p:sp>
-        <p:nvSpPr>
-          <p:cNvPr id="10" name="Rectangle: Rounded Corners 9">
-            <a:extLst>
-              <a:ext uri="{FF2B5EF4-FFF2-40B4-BE49-F238E27FC236}">
-                <a16:creationId xmlns:a16="http://schemas.microsoft.com/office/drawing/2014/main" id="{5D335765-A9E1-D06A-602C-53303AF812BF}"/>
-              </a:ext>
-            </a:extLst>
-          </p:cNvPr>
-          <p:cNvSpPr/>
-          <p:nvPr/>
-        </p:nvSpPr>
-        <p:spPr>
-          <a:xfrm>
-            <a:off x="460919" y="805296"/>
-            <a:ext cx="7186559" cy="5247408"/>
-          </a:xfrm>
-          <a:prstGeom prst="roundRect">
-            <a:avLst>
-              <a:gd name="adj" fmla="val 9503"/>
-            </a:avLst>
-          </a:prstGeom>
-          <a:solidFill>
-            <a:schemeClr val="bg1"/>
-          </a:solidFill>
-          <a:ln w="38100">
-            <a:solidFill>
-              <a:schemeClr val="accent2">
-                <a:lumMod val="60000"/>
-                <a:lumOff val="40000"/>
-              </a:schemeClr>
-            </a:solidFill>
-          </a:ln>
-        </p:spPr>
-        <p:style>
-          <a:lnRef idx="2">
-            <a:schemeClr val="accent1">
-              <a:shade val="15000"/>
-            </a:schemeClr>
-          </a:lnRef>
-          <a:fillRef idx="1">
-            <a:schemeClr val="accent1"/>
-          </a:fillRef>
-          <a:effectRef idx="0">
-            <a:schemeClr val="accent1"/>
-          </a:effectRef>
-          <a:fontRef idx="minor">
-            <a:schemeClr val="lt1"/>
-          </a:fontRef>
-        </p:style>
-        <p:txBody>
-          <a:bodyPr rtlCol="0" anchor="ctr"/>
-          <a:lstStyle/>
-          <a:p>
-            <a:r>
-              <a:rPr lang="en-US" sz="2800" dirty="0">
-                <a:solidFill>
-                  <a:schemeClr val="tx1"/>
-                </a:solidFill>
-              </a:rPr>
-              <a:t>On another side, every survivor has the right to receive services of: </a:t>
-            </a:r>
-          </a:p>
-          <a:p>
-            <a:pPr marL="514350" indent="-514350">
-              <a:buAutoNum type="arabicParenBoth"/>
-            </a:pPr>
-            <a:r>
-              <a:rPr lang="en-US" sz="2800" dirty="0">
-                <a:solidFill>
-                  <a:schemeClr val="tx1"/>
-                </a:solidFill>
-              </a:rPr>
-              <a:t>Safety and protection, </a:t>
-            </a:r>
-          </a:p>
-          <a:p>
-            <a:pPr marL="514350" indent="-514350">
-              <a:buAutoNum type="arabicParenBoth"/>
-            </a:pPr>
-            <a:r>
-              <a:rPr lang="en-US" sz="2800" dirty="0">
-                <a:solidFill>
-                  <a:schemeClr val="tx1"/>
-                </a:solidFill>
-              </a:rPr>
-              <a:t>Medical care, </a:t>
-            </a:r>
-          </a:p>
-          <a:p>
-            <a:pPr marL="514350" indent="-514350">
-              <a:buAutoNum type="arabicParenBoth"/>
-            </a:pPr>
-            <a:r>
-              <a:rPr lang="en-US" sz="2800" dirty="0">
-                <a:solidFill>
-                  <a:schemeClr val="tx1"/>
-                </a:solidFill>
-              </a:rPr>
-              <a:t>Psychosocial support, </a:t>
-            </a:r>
-          </a:p>
-          <a:p>
-            <a:pPr marL="514350" indent="-514350">
-              <a:buAutoNum type="arabicParenBoth"/>
-            </a:pPr>
-            <a:r>
-              <a:rPr lang="en-US" sz="2800" dirty="0">
-                <a:solidFill>
-                  <a:schemeClr val="tx1"/>
-                </a:solidFill>
-              </a:rPr>
-              <a:t>Education, </a:t>
-            </a:r>
-          </a:p>
-          <a:p>
-            <a:pPr marL="514350" indent="-514350">
-              <a:buAutoNum type="arabicParenBoth"/>
-            </a:pPr>
-            <a:r>
-              <a:rPr lang="en-US" sz="2800" dirty="0">
-                <a:solidFill>
-                  <a:schemeClr val="tx1"/>
-                </a:solidFill>
-              </a:rPr>
-              <a:t>Legal services, and/or </a:t>
-            </a:r>
-          </a:p>
-          <a:p>
-            <a:pPr marL="514350" indent="-514350">
-              <a:buAutoNum type="arabicParenBoth"/>
-            </a:pPr>
-            <a:r>
-              <a:rPr lang="en-US" sz="2800" dirty="0">
-                <a:solidFill>
-                  <a:schemeClr val="tx1"/>
-                </a:solidFill>
-              </a:rPr>
-              <a:t>Support for children born as a result of sexual exploitation and abuse.</a:t>
-            </a:r>
-          </a:p>
-        </p:txBody>
-      </p:sp>
-    </p:spTree>
-    <p:custDataLst>
-      <p:tags r:id="rId1"/>
-    </p:custDataLst>
-    <p:extLst>
-      <p:ext uri="{BB962C8B-B14F-4D97-AF65-F5344CB8AC3E}">
-        <p14:creationId xmlns:p14="http://schemas.microsoft.com/office/powerpoint/2010/main" val="1849147001"/>
-      </p:ext>
-    </p:extLst>
-  </p:cSld>
-  <p:clrMapOvr>
-    <a:masterClrMapping/>
-  </p:clrMapOvr>
-  <mc:AlternateContent xmlns:mc="http://schemas.openxmlformats.org/markup-compatibility/2006">
-    <mc:Choice xmlns:p14="http://schemas.microsoft.com/office/powerpoint/2010/main" Requires="p14">
-      <p:transition spd="slow" p14:dur="2000" advClick="0"/>
-    </mc:Choice>
-    <mc:Fallback>
-      <p:transition spd="slow" advClick="0"/>
-    </mc:Fallback>
-  </mc:AlternateContent>
-  <p:timing>
-    <p:tnLst>
-      <p:par>
-        <p:cTn id="1" dur="indefinite" restart="never" nodeType="tmRoot"/>
-      </p:par>
-    </p:tnLst>
-  </p:timing>
-</p:sld>
-</file>
-
-<file path=ppt/slides/slide7.xml><?xml version="1.0" encoding="utf-8"?>
-<p:sld xmlns:a="http://schemas.openxmlformats.org/drawingml/2006/main" xmlns:r="http://schemas.openxmlformats.org/officeDocument/2006/relationships" xmlns:p="http://schemas.openxmlformats.org/presentationml/2006/main">
-  <p:cSld>
-    <p:spTree>
-      <p:nvGrpSpPr>
-        <p:cNvPr id="1" name=""/>
-        <p:cNvGrpSpPr/>
-        <p:nvPr/>
-      </p:nvGrpSpPr>
-      <p:grpSpPr>
-        <a:xfrm>
-          <a:off x="0" y="0"/>
-          <a:ext cx="0" cy="0"/>
-          <a:chOff x="0" y="0"/>
-          <a:chExt cx="0" cy="0"/>
-        </a:xfrm>
-      </p:grpSpPr>
-      <p:pic>
-        <p:nvPicPr>
-          <p:cNvPr id="2" name="Picture Background">
-            <a:extLst>
-              <a:ext uri="{FF2B5EF4-FFF2-40B4-BE49-F238E27FC236}">
-                <a16:creationId xmlns:a16="http://schemas.microsoft.com/office/drawing/2014/main" id="{F0AE7FE6-9C80-7DA4-C3D2-BE3B9D03D0C3}"/>
-              </a:ext>
-            </a:extLst>
-          </p:cNvPr>
-          <p:cNvPicPr>
-            <a:picLocks noChangeAspect="1"/>
-          </p:cNvPicPr>
-          <p:nvPr/>
-        </p:nvPicPr>
-        <p:blipFill>
-          <a:blip r:embed="rId5"/>
-          <a:stretch>
-            <a:fillRect/>
-          </a:stretch>
-        </p:blipFill>
-        <p:spPr>
-          <a:xfrm>
-            <a:off x="0" y="0"/>
-            <a:ext cx="12192000" cy="6858000"/>
-          </a:xfrm>
-          <a:prstGeom prst="rect">
-            <a:avLst/>
-          </a:prstGeom>
-        </p:spPr>
-      </p:pic>
-      <p:pic>
-        <p:nvPicPr>
-          <p:cNvPr id="4" name="Picture 3">
-            <a:extLst>
-              <a:ext uri="{FF2B5EF4-FFF2-40B4-BE49-F238E27FC236}">
-                <a16:creationId xmlns:a16="http://schemas.microsoft.com/office/drawing/2014/main" id="{EFDAAC91-7072-92DE-8D20-A223CC05B78D}"/>
-              </a:ext>
-            </a:extLst>
-          </p:cNvPr>
-          <p:cNvPicPr>
-            <a:picLocks noChangeAspect="1"/>
-          </p:cNvPicPr>
-          <p:nvPr>
-            <p:custDataLst>
-              <p:tags r:id="rId2"/>
-            </p:custDataLst>
-          </p:nvPr>
-        </p:nvPicPr>
-        <p:blipFill>
-          <a:blip r:embed="rId6"/>
-          <a:stretch>
-            <a:fillRect/>
-          </a:stretch>
-        </p:blipFill>
-        <p:spPr>
-          <a:xfrm>
-            <a:off x="8328978" y="253277"/>
-            <a:ext cx="3607780" cy="12149843"/>
-          </a:xfrm>
-          <a:prstGeom prst="rect">
-            <a:avLst/>
-          </a:prstGeom>
-        </p:spPr>
-      </p:pic>
-      <p:sp>
-        <p:nvSpPr>
-          <p:cNvPr id="10" name="Rectangle: Rounded Corners 9">
-            <a:extLst>
-              <a:ext uri="{FF2B5EF4-FFF2-40B4-BE49-F238E27FC236}">
-                <a16:creationId xmlns:a16="http://schemas.microsoft.com/office/drawing/2014/main" id="{5D335765-A9E1-D06A-602C-53303AF812BF}"/>
-              </a:ext>
-            </a:extLst>
-          </p:cNvPr>
-          <p:cNvSpPr/>
-          <p:nvPr/>
-        </p:nvSpPr>
-        <p:spPr>
-          <a:xfrm>
-            <a:off x="450759" y="1513840"/>
-            <a:ext cx="7186559" cy="3500350"/>
-          </a:xfrm>
-          <a:prstGeom prst="roundRect">
-            <a:avLst>
-              <a:gd name="adj" fmla="val 9503"/>
-            </a:avLst>
-          </a:prstGeom>
-          <a:solidFill>
-            <a:schemeClr val="bg1"/>
-          </a:solidFill>
-          <a:ln w="38100">
-            <a:solidFill>
-              <a:schemeClr val="accent2">
-                <a:lumMod val="60000"/>
-                <a:lumOff val="40000"/>
-              </a:schemeClr>
-            </a:solidFill>
-          </a:ln>
-        </p:spPr>
-        <p:style>
-          <a:lnRef idx="2">
-            <a:schemeClr val="accent1">
-              <a:shade val="15000"/>
-            </a:schemeClr>
-          </a:lnRef>
-          <a:fillRef idx="1">
-            <a:schemeClr val="accent1"/>
-          </a:fillRef>
-          <a:effectRef idx="0">
-            <a:schemeClr val="accent1"/>
-          </a:effectRef>
-          <a:fontRef idx="minor">
-            <a:schemeClr val="lt1"/>
-          </a:fontRef>
-        </p:style>
-        <p:txBody>
-          <a:bodyPr rtlCol="0" anchor="ctr"/>
-          <a:lstStyle/>
-          <a:p>
-            <a:r>
-              <a:rPr lang="en-US" sz="2800" dirty="0">
-                <a:solidFill>
-                  <a:schemeClr val="tx1"/>
-                </a:solidFill>
-              </a:rPr>
-              <a:t>These are not provided with every complaint. The provision of services is based on the needs of every person even before the outcome of the investigation.</a:t>
-            </a:r>
-          </a:p>
-        </p:txBody>
-      </p:sp>
-    </p:spTree>
-    <p:custDataLst>
-      <p:tags r:id="rId1"/>
-    </p:custDataLst>
-    <p:extLst>
-      <p:ext uri="{BB962C8B-B14F-4D97-AF65-F5344CB8AC3E}">
-        <p14:creationId xmlns:p14="http://schemas.microsoft.com/office/powerpoint/2010/main" val="3771875334"/>
-      </p:ext>
-    </p:extLst>
-  </p:cSld>
-  <p:clrMapOvr>
-    <a:masterClrMapping/>
-  </p:clrMapOvr>
-  <mc:AlternateContent xmlns:mc="http://schemas.openxmlformats.org/markup-compatibility/2006">
-    <mc:Choice xmlns:p14="http://schemas.microsoft.com/office/powerpoint/2010/main" Requires="p14">
-      <p:transition spd="slow" p14:dur="2000" advClick="0"/>
-    </mc:Choice>
-    <mc:Fallback>
-      <p:transition spd="slow" advClick="0"/>
-    </mc:Fallback>
-  </mc:AlternateContent>
-  <p:timing>
-    <p:tnLst>
-      <p:par>
-        <p:cTn id="1" dur="indefinite" restart="never" nodeType="tmRoot"/>
-      </p:par>
-    </p:tnLst>
-  </p:timing>
-</p:sld>
-</file>
-
-<file path=ppt/slides/slide8.xml><?xml version="1.0" encoding="utf-8"?>
-<p:sld xmlns:a="http://schemas.openxmlformats.org/drawingml/2006/main" xmlns:r="http://schemas.openxmlformats.org/officeDocument/2006/relationships" xmlns:p="http://schemas.openxmlformats.org/presentationml/2006/main">
-  <p:cSld>
-    <p:spTree>
-      <p:nvGrpSpPr>
-        <p:cNvPr id="1" name=""/>
-        <p:cNvGrpSpPr/>
-        <p:nvPr/>
-      </p:nvGrpSpPr>
-      <p:grpSpPr>
-        <a:xfrm>
-          <a:off x="0" y="0"/>
-          <a:ext cx="0" cy="0"/>
-          <a:chOff x="0" y="0"/>
-          <a:chExt cx="0" cy="0"/>
-        </a:xfrm>
-      </p:grpSpPr>
-      <p:pic>
-        <p:nvPicPr>
-          <p:cNvPr id="2" name="Picture Background">
-            <a:extLst>
-              <a:ext uri="{FF2B5EF4-FFF2-40B4-BE49-F238E27FC236}">
-                <a16:creationId xmlns:a16="http://schemas.microsoft.com/office/drawing/2014/main" id="{F0AE7FE6-9C80-7DA4-C3D2-BE3B9D03D0C3}"/>
-              </a:ext>
-            </a:extLst>
-          </p:cNvPr>
-          <p:cNvPicPr>
-            <a:picLocks noChangeAspect="1"/>
-          </p:cNvPicPr>
-          <p:nvPr/>
-        </p:nvPicPr>
-        <p:blipFill>
-          <a:blip r:embed="rId5"/>
-          <a:stretch>
-            <a:fillRect/>
-          </a:stretch>
-        </p:blipFill>
-        <p:spPr>
-          <a:xfrm>
-            <a:off x="0" y="0"/>
-            <a:ext cx="12192000" cy="6858000"/>
-          </a:xfrm>
-          <a:prstGeom prst="rect">
-            <a:avLst/>
-          </a:prstGeom>
-        </p:spPr>
-      </p:pic>
-      <p:pic>
-        <p:nvPicPr>
-          <p:cNvPr id="4" name="Picture 3">
-            <a:extLst>
-              <a:ext uri="{FF2B5EF4-FFF2-40B4-BE49-F238E27FC236}">
-                <a16:creationId xmlns:a16="http://schemas.microsoft.com/office/drawing/2014/main" id="{EFDAAC91-7072-92DE-8D20-A223CC05B78D}"/>
-              </a:ext>
-            </a:extLst>
-          </p:cNvPr>
-          <p:cNvPicPr>
-            <a:picLocks noChangeAspect="1"/>
-          </p:cNvPicPr>
-          <p:nvPr>
-            <p:custDataLst>
-              <p:tags r:id="rId2"/>
-            </p:custDataLst>
-          </p:nvPr>
-        </p:nvPicPr>
-        <p:blipFill>
-          <a:blip r:embed="rId6"/>
-          <a:stretch>
-            <a:fillRect/>
-          </a:stretch>
-        </p:blipFill>
-        <p:spPr>
-          <a:xfrm>
-            <a:off x="8328978" y="253277"/>
-            <a:ext cx="3607780" cy="12149843"/>
-          </a:xfrm>
-          <a:prstGeom prst="rect">
-            <a:avLst/>
-          </a:prstGeom>
-        </p:spPr>
-      </p:pic>
-      <p:sp>
-        <p:nvSpPr>
-          <p:cNvPr id="10" name="Rectangle: Rounded Corners 9">
-            <a:extLst>
-              <a:ext uri="{FF2B5EF4-FFF2-40B4-BE49-F238E27FC236}">
-                <a16:creationId xmlns:a16="http://schemas.microsoft.com/office/drawing/2014/main" id="{5D335765-A9E1-D06A-602C-53303AF812BF}"/>
-              </a:ext>
-            </a:extLst>
-          </p:cNvPr>
-          <p:cNvSpPr/>
-          <p:nvPr/>
-        </p:nvSpPr>
-        <p:spPr>
-          <a:xfrm>
-            <a:off x="345828" y="1386600"/>
-            <a:ext cx="7186559" cy="4084800"/>
-          </a:xfrm>
-          <a:prstGeom prst="roundRect">
-            <a:avLst>
-              <a:gd name="adj" fmla="val 9503"/>
-            </a:avLst>
-          </a:prstGeom>
-          <a:solidFill>
-            <a:schemeClr val="bg1"/>
-          </a:solidFill>
-          <a:ln w="38100">
-            <a:solidFill>
-              <a:schemeClr val="accent2">
-                <a:lumMod val="60000"/>
-                <a:lumOff val="40000"/>
-              </a:schemeClr>
-            </a:solidFill>
-          </a:ln>
-        </p:spPr>
-        <p:style>
-          <a:lnRef idx="2">
-            <a:schemeClr val="accent1">
-              <a:shade val="15000"/>
-            </a:schemeClr>
-          </a:lnRef>
-          <a:fillRef idx="1">
-            <a:schemeClr val="accent1"/>
-          </a:fillRef>
-          <a:effectRef idx="0">
-            <a:schemeClr val="accent1"/>
-          </a:effectRef>
-          <a:fontRef idx="minor">
-            <a:schemeClr val="lt1"/>
-          </a:fontRef>
-        </p:style>
-        <p:txBody>
-          <a:bodyPr rtlCol="0" anchor="ctr"/>
-          <a:lstStyle/>
-          <a:p>
-            <a:r>
-              <a:rPr lang="en-US" sz="2800" dirty="0">
-                <a:solidFill>
-                  <a:schemeClr val="tx1"/>
-                </a:solidFill>
-              </a:rPr>
-              <a:t>Example: if a woman comes forward to inform you she was raped. You cannot wait for the outcome of the investigation before referring her to post-rape care. However, if she does not need education, you do not provide it. You only refer her to the care needed. </a:t>
-            </a:r>
-          </a:p>
-        </p:txBody>
-      </p:sp>
-    </p:spTree>
-    <p:custDataLst>
-      <p:tags r:id="rId1"/>
-    </p:custDataLst>
-    <p:extLst>
-      <p:ext uri="{BB962C8B-B14F-4D97-AF65-F5344CB8AC3E}">
-        <p14:creationId xmlns:p14="http://schemas.microsoft.com/office/powerpoint/2010/main" val="861859429"/>
-      </p:ext>
-    </p:extLst>
-  </p:cSld>
-  <p:clrMapOvr>
-    <a:masterClrMapping/>
-  </p:clrMapOvr>
-  <mc:AlternateContent xmlns:mc="http://schemas.openxmlformats.org/markup-compatibility/2006">
-    <mc:Choice xmlns:p14="http://schemas.microsoft.com/office/powerpoint/2010/main" Requires="p14">
-      <p:transition spd="slow" p14:dur="2000" advClick="0"/>
-    </mc:Choice>
-    <mc:Fallback>
-      <p:transition spd="slow" advClick="0"/>
-    </mc:Fallback>
-  </mc:AlternateContent>
-  <p:timing>
-    <p:tnLst>
-      <p:par>
-        <p:cTn id="1" dur="indefinite" restart="never" nodeType="tmRoot"/>
-      </p:par>
-    </p:tnLst>
-  </p:timing>
-</p:sld>
-</file>
-
-<file path=ppt/slides/slide9.xml><?xml version="1.0" encoding="utf-8"?>
 <p:sld xmlns:a="http://schemas.openxmlformats.org/drawingml/2006/main" xmlns:r="http://schemas.openxmlformats.org/officeDocument/2006/relationships" xmlns:p="http://schemas.openxmlformats.org/presentationml/2006/main">
   <p:cSld>
     <p:spTree>
@@ -4286,11 +3500,11 @@
   <p:clrMapOvr>
     <a:masterClrMapping/>
   </p:clrMapOvr>
-  <mc:AlternateContent xmlns:mc="http://schemas.openxmlformats.org/markup-compatibility/2006">
-    <mc:Choice xmlns:p14="http://schemas.microsoft.com/office/powerpoint/2010/main" Requires="p14">
+  <mc:AlternateContent xmlns:mc="http://schemas.openxmlformats.org/markup-compatibility/2006" xmlns:p14="http://schemas.microsoft.com/office/powerpoint/2010/main">
+    <mc:Choice Requires="p14">
       <p:transition spd="slow" p14:dur="2000" advClick="0"/>
     </mc:Choice>
-    <mc:Fallback>
+    <mc:Fallback xmlns="">
       <p:transition spd="slow" advClick="0"/>
     </mc:Fallback>
   </mc:AlternateContent>
@@ -4324,14 +3538,14 @@
   <p:tag name="ISPRING_WEBLINKS_TARGET" val="_self"/>
   <p:tag name="ISPRING_WEBLINKS_TARGETMJT" val="_self"/>
   <p:tag name="ISPRING_SCORM_PASSING_SCORE" val="80.000000"/>
-  <p:tag name="ISPRING_SCREEN_RECS_UPDATED" val="C:\Users\pc\Desktop\Nabad\safeguarding\en\lessons\report_mechanism\"/>
   <p:tag name="ISPRING-SUITE_ISPRING_PLAYERS_CUSTOMIZATION_2" val="{&quot;universal&quot;:{&quot;skinSettings&quot;:{&quot;borderRadius&quot;:10,&quot;colors&quot;:{&quot;asideBackground&quot;:{&quot;color&quot;:&quot;#EA7540&quot;,&quot;opacity&quot;:1,&quot;type&quot;:&quot;SOLID&quot;},&quot;asideElementBackgroundActive&quot;:{&quot;color&quot;:&quot;#414141&quot;,&quot;opacity&quot;:1,&quot;type&quot;:&quot;SOLID&quot;},&quot;asideElementBackgroundHover&quot;:{&quot;color&quot;:&quot;#FDAA84&quot;,&quot;opacity&quot;:1,&quot;type&quot;:&quot;SOLID&quot;},&quot;asideElementText&quot;:{&quot;color&quot;:&quot;#261813&quot;,&quot;opacity&quot;:1,&quot;type&quot;:&quot;SOLID&quot;},&quot;asideElementTextActive&quot;:{&quot;color&quot;:&quot;#FFFFFF&quot;,&quot;opacity&quot;:1,&quot;type&quot;:&quot;SOLID&quot;},&quot;asideElementTextHover&quot;:{&quot;color&quot;:&quot;#261813&quot;,&quot;opacity&quot;:1,&quot;type&quot;:&quot;SOLID&quot;},&quot;asideLogoBackground&quot;:{&quot;color&quot;:&quot;#EFF1F2&quot;,&quot;opacity&quot;:1,&quot;type&quot;:&quot;SOLID&quot;},&quot;pageBackground&quot;:{&quot;color&quot;:&quot;#F4E9E5&quot;,&quot;opacity&quot;:1,&quot;type&quot;:&quot;SOLID&quot;},&quot;playerBackground&quot;:{&quot;color&quot;:&quot;#FFFFFF&quot;,&quot;opacity&quot;:1,&quot;type&quot;:&quot;SOLID&quot;},&quot;playerText&quot;:{&quot;color&quot;:&quot;#616870&quot;,&quot;opacity&quot;:1,&quot;type&quot;:&quot;SOLID&quot;},&quot;primaryButtonBackground&quot;:{&quot;color&quot;:&quot;#374B5B&quot;,&quot;opacity&quot;:1,&quot;type&quot;:&quot;SOLID&quot;},&quot;primaryButtonBackgroundHover&quot;:{&quot;color&quot;:&quot;#EA7540&quot;,&quot;opacity&quot;:1,&quot;type&quot;:&quot;SOLID&quot;},&quot;primaryButtonBorder&quot;:{&quot;color&quot;:&quot;#374B5B&quot;,&quot;opacity&quot;:1,&quot;type&quot;:&quot;SOLID&quot;},&quot;primaryButtonBorderHover&quot;:{&quot;color&quot;:&quot;#EA7540&quot;,&quot;opacity&quot;:1,&quot;type&quot;:&quot;SOLID&quot;},&quot;primaryButtonText&quot;:{&quot;color&quot;:&quot;#FFFFFF&quot;,&quot;opacity&quot;:1,&quot;type&quot;:&quot;SOLID&quot;},&quot;primaryButtonTextHover&quot;:{&quot;color&quot;:&quot;#FFFFFF&quot;,&quot;opacity&quot;:1,&quot;type&quot;:&quot;SOLID&quot;},&quot;secondaryButtonBackground&quot;:{&quot;color&quot;:&quot;#F1F2F4&quot;,&quot;opacity&quot;:1,&quot;type&quot;:&quot;SOLID&quot;},&quot;secondaryButtonBackgroundHover&quot;:{&quot;color&quot;:&quot;#E5E5E5&quot;,&quot;opacity&quot;:1,&quot;type&quot;:&quot;SOLID&quot;},&quot;secondaryButtonBorder&quot;:{&quot;color&quot;:&quot;#F1F2F4&quot;,&quot;opacity&quot;:1,&quot;type&quot;:&quot;SOLID&quot;},&quot;secondaryButtonBorderHover&quot;:{&quot;color&quot;:&quot;#E5E5E5&quot;,&quot;opacity&quot;:1,&quot;type&quot;:&quot;SOLID&quot;},&quot;secondaryButtonText&quot;:{&quot;color&quot;:&quot;#616870&quot;,&quot;opacity&quot;:1,&quot;type&quot;:&quot;SOLID&quot;},&quot;secondaryButtonTextHover&quot;:{&quot;color&quot;:&quot;#616870&quot;,&quot;opacity&quot;:1,&quot;type&quot;:&quot;SOLID&quot;}},&quot;controlPanel&quot;:{&quot;navigationMode&quot;:&quot;bySlides&quot;,&quot;progressBar&quot;:{&quot;enabled&quot;:true,&quot;mode&quot;:&quot;presentationTimeline&quot;,&quot;showLabels&quot;:true,&quot;visible&quot;:false},&quot;showCCButton&quot;:false,&quot;showNextButton&quot;:true,&quot;showOutline&quot;:false,&quot;showPlayPause&quot;:false,&quot;showPlaybackRateButton&quot;:false,&quot;showPrevButton&quot;:true,&quot;showRewind&quot;:false,&quot;showSlideNumbers&quot;:true,&quot;showSlideOnlyButton&quot;:true,&quot;showTimer&quot;:true,&quot;showVolumeControl&quot;:false,&quot;visible&quot;:true},&quot;fontFamily&quot;:&quot;Arial&quot;,&quot;miniskinCustomizationEnabled&quot;:false,&quot;outlinePanel&quot;:{&quot;highlightViewedEntries&quot;:false,&quot;multilevel&quot;:true,&quot;numberEntries&quot;:true,&quot;search&quot;:true,&quot;thumbnails&quot;:true},&quot;sidePanel&quot;:{&quot;showAtLeft&quot;:false,&quot;showLogo&quot;:false,&quot;showNotes&quot;:false,&quot;showOutline&quot;:false,&quot;showPresenterInfo&quot;:false,&quot;showPresenterVideo&quot;:false,&quot;visible&quot;:false},&quot;titlePanel&quot;:{&quot;buttons&quot;:[&quot;attachments&quot;,&quot;markerTools&quot;,&quot;presenterInfo&quot;],&quot;buttonsAtLeft&quot;:true,&quot;courseTitleVisible&quot;:true,&quot;showLogo&quot;:false,&quot;visible&quot;:false},&quot;version&quot;:&quot;1.1&quot;},&quot;skinMessages&quot;:{&quot;PB_ACCESSIBLE_ARIA_LABEL_BACK_TO_BEGIN&quot;:&quot;Go to the beginning of the slide&quot;,&quot;PB_ACCESSIBLE_ARIA_LABEL_BOTTOM_PANEL&quot;:&quot;Bottom Bar&quot;,&quot;PB_ACCESSIBLE_ARIA_LABEL_NAVIGATION_BUTTONS&quot;:&quot;Navigation buttons&quot;,&quot;PB_ACCESSIBLE_ARIA_LABEL_SETTINGS&quot;:&quot;Accessibility Settings&quot;,&quot;PB_ACCESSIBLE_ARIA_LABEL_SLIDE&quot;:&quot;Slide&quot;,&quot;PB_ACCESSIBLE_ARIA_LABEL_TOP_PANEL&quot;:&quot;Top Bar&quot;,&quot;PB_ACCESSIBLE_AUDIO_NARRATION_LABEL&quot;:&quot;Audio narration&quot;,&quot;PB_ACCESSIBLE_NAVIGATION_NEXT_BUTTON&quot;:&quot;Next&quot;,&quot;PB_ACCESSIBLE_NAVIGATION_PREV_BUTTON&quot;:&quot;Previous&quot;,&quot;PB_ACCESSIBLE_SKIN_ENABLE_ACCESSIBILITY_MODE&quot;:&quot;Turn on accessibility mode&quot;,&quot;PB_ACCESSIBLE_SKIN_ENABLE_NORMAL_MODE&quot;:&quot;Turn off accessibility mode&quot;,&quot;PB_ACCESSIBLE_SKIN_PRESENTER_PHOTO&quot;:&quot;Presenter photo&quot;,&quot;PB_ACCESSIBLE_SLIDE_N_OF_COUNT&quot;:&quot;Slide %SLIDE_NUMBER% of %TOTAL_SLIDES%&quot;,&quot;PB_ACCESSIBLE_VIDEO_NARRATION_LABEL&quot;:&quot;Video narration&quot;,&quot;PB_ACCESSIBLE_WATERMARK_SKIN_CREATED_WITH&quot;:&quot;Created with iSpring evaluation version&quot;,&quot;PB_ATTACHMENT_DOCUMENT_SUBTITLE&quot;:&quot;Document&quot;,&quot;PB_ATTACHMENT_FILE_SUBTITLE&quot;:&quot;File&quot;,&quot;PB_ATTACHMENT_IMAGE_SUBTITLE&quot;:&quot;Picture&quot;,&quot;PB_ATTACHMENT_LINK_SUBTITLE&quot;:&quot;Link&quot;,&quot;PB_ATTACHMENT_VIDEO_SUBTITLE&quot;:&quot;Video&quot;,&quot;PB_BACK_TO_APP_BUTTON_LABEL&quot;:&quot;Go back&quot;,&quot;PB_CC_MENU_OFF&quot;:&quot;Off&quot;,&quot;PB_CC_MENU_ON&quot;:&quot;On&quot;,&quot;PB_CC_MENU_TITLE&quot;:&quot;Notes&quot;,&quot;PB_CONTROL_PANEL_CLOSED_CAPTIONS&quot;:&quot;Notes&quot;,&quot;PB_CONTROL_PANEL_EXIT_FULL_SCREEN&quot;:&quot;Exit full screen&quot;,&quot;PB_CONTROL_PANEL_FULL_SCREEN&quot;:&quot;Full screen&quot;,&quot;PB_CONTROL_PANEL_NEXT&quot;:&quot;Next&quot;,&quot;PB_CONTROL_PANEL_OUTLINE&quot;:&quot;Outline&quot;,&quot;PB_CONTROL_PANEL_PREV&quot;:&quot;&quot;,&quot;PB_CONTROL_PANEL_REPLAY&quot;:&quot;Replay&quot;,&quot;PB_CONTROL_PANEL_SLIDE_COUNTER&quot;:&quot;%SLIDE_NUMBER% of %TOTAL_SLIDES%&quot;,&quot;PB_CONTROL_PANEL_VOLUME_CONTROL&quot;:&quot;Volume&quot;,&quot;PB_CURRENT_SLIDE_IS_NOT_COMPLETED&quot;:&quot;Complete the slide to go to the next one.&quot;,&quot;PB_DOMAIN_RESTRICTION&quot;:&quot;Sorry, the content author has prohibited sharing the presentation on this domain.&quot;,&quot;PB_DRAWING_TOOLS_END_DRAWING&quot;:&quot;Finish drawing&quot;,&quot;PB_DRAWING_TOOLS_ERASER&quot;:&quot;Eraser&quot;,&quot;PB_DRAWING_TOOLS_ERASE_ALL&quot;:&quot;Erase all&quot;,&quot;PB_DRAWING_TOOLS_HIGHLIGHTER&quot;:&quot;Highlighter&quot;,&quot;PB_DRAWING_TOOLS_PEN&quot;:&quot;Pen&quot;,&quot;PB_ENTER_PASSWORD&quot;:&quot;Enter the password to view this presentation.&quot;,&quot;PB_INCORRECT_PASSWORD&quot;:&quot;Incorrect password.&quot;,&quot;PB_INTERACTION_SLIDE_WINDOW_TEXT&quot;:&quot;To advance to the next slide, complete this interaction.&quot;,&quot;PB_MESSAGE_BOX_NO&quot;:&quot;No&quot;,&quot;PB_MESSAGE_BOX_OK&quot;:&quot;OK&quot;,&quot;PB_MESSAGE_BOX_YES&quot;:&quot;Yes&quot;,&quot;PB_NAVIGATION_IS_RESTRICTED&quot;:&quot;You can only view slides in order.&quot;,&quot;PB_NAVIGATION_IS_SEQUENTIAL&quot;:&quot;You can only view slides in order.&quot;,&quot;PB_PLAYBACK_RATE_MENU_CAPTION&quot;:&quot;Speed&quot;,&quot;PB_PRECEDING_QUIZ_FAILED_WINDOW_TEXT&quot;:&quot;You haven't passed the quiz on slide %SLIDE_INDEX% and can't advance to the next slide.&quot;,&quot;PB_PRECEDING_QUIZ_NOT_COMPLETED_WINDOW_TEXT&quot;:&quot;To advance to this slide, complete the quiz on slide %SLIDE_INDEX%.&quot;,&quot;PB_PRECEDING_QUIZ_NOT_PASSED_WINDOW_TEXT&quot;:&quot;To advance to this slide, you need to pass the quiz on slide %SLIDE_INDEX%.&quot;,&quot;PB_PRECEDING_SCENARIO_FAILED_WINDOW_TEXT&quot;:&quot;You haven't passed the role-play on slide %SLIDE_INDEX% and can't advance to the next slide.&quot;,&quot;PB_PRECEDING_SCENARIO_NOT_COMPLETED_WINDOW_TEXT&quot;:&quot;To advance to this slide, complete the role-play on slide %SLIDE_INDEX%.&quot;,&quot;PB_PRECEDING_SCENARIO_NOT_PASSED_WINDOW_TEXT&quot;:&quot;To advance to this slide, you need to pass the role-play on slide %SLIDE_INDEX%.&quot;,&quot;PB_PRESENTER_COLLAPSE_BIO&quot;:&quot;Show less&quot;,&quot;PB_PRESENTER_EMAIL&quot;:&quot;Email&quot;,&quot;PB_PRESENTER_EXPAND_BIO&quot;:&quot;Show more&quot;,&quot;PB_PRESENTER_NO_INFO&quot;:&quot;No presenter info.&quot;,&quot;PB_PRESENTER_WEBSITE&quot;:&quot;Website&quot;,&quot;PB_QUIZ_SLIDE_WINDOW_TEXT&quot;:&quot;To advance to the next slide, complete this quiz.&quot;,&quot;PB_RATE_MENU_CAPTION&quot;:&quot;Speed&quot;,&quot;PB_RATE_MENU_DEFAULT_RATE&quot;:&quot;Normal&quot;,&quot;PB_RESUME_PRESENTATION_WINDOW_TEXT&quot;:&quot;Do you want to resume where you left off?&quot;,&quot;PB_SCENARIO_SLIDE_WINDOW_TEXT&quot;:&quot;To advance to the next slide, complete this role-play.&quot;,&quot;PB_SEARCH_CANCEL&quot;:&quot;Cancel&quot;,&quot;PB_SEARCH_NO_RESULTS_LABEL&quot;:&quot;No matches found.&quot;,&quot;PB_SEARCH_PANEL_DEFAULT_TEXT&quot;:&quot;Search…&quot;,&quot;PB_SEARCH_RESULTS_LABEL&quot;:&quot;Search results&quot;,&quot;PB_SEARCH_RESULT_IN_NOTES&quot;:&quot;in notes&quot;,&quot;PB_SEARCH_RESULT_IN_TEXT_LABEL&quot;:&quot;in slide&quot;,&quot;PB_SUBTITLES_MENU_CAPTION&quot;:&quot;Subtitles&quot;,&quot;PB_SUBTITLES_OFF&quot;:&quot;Off&quot;,&quot;PB_TAB_NOTES_LABEL&quot;:&quot;Notes&quot;,&quot;PB_TAB_OUTLINE_LABEL&quot;:&quot;Slides&quot;,&quot;PB_TIME_RESTRICTION&quot;:&quot;Sorry, the content author has prohibited viewing the presentation at this time.&quot;,&quot;PB_TITLE_PANEL_ATTACHMENTS&quot;:&quot;Resources&quot;,&quot;PB_TITLE_PANEL_MARKER_TOOLS&quot;:&quot;Drawing&quot;,&quot;PB_TITLE_PANEL_NOTES&quot;:&quot;Notes&quot;,&quot;PB_TITLE_PANEL_OUTLINE&quot;:&quot;Outline&quot;,&quot;PB_TITLE_PANEL_PRESENTER_INFO&quot;:&quot;Presenter Info&quot;,&quot;PB_TREE_CONTROL_LOADING&quot;:&quot;Loading…&quot;,&quot;PB_VIDEO_WINDOW_NO_VIDEO_LABEL&quot;:&quot;No video&quot;},&quot;playbackAndNavigationSettings&quot;:{&quot;autoStart&quot;:true,&quot;saveAnimationStates&quot;:true,&quot;loopPresentation&quot;:false,&quot;autoPlayAnimations&quot;:false,&quot;autoPlayAnimationsTime&quot;:1,&quot;navigationType&quot;:&quot;LIMITED&quot;,&quot;resumeMode&quot;:&quot;PROMPT&quot;,&quot;enableKeyboardNavigation&quot;:true},&quot;keyboardSettings&quot;:&quot;&quot;,&quot;skinVersion&quot;:3,&quot;skinCompatibleVersion&quot;:0,&quot;publishSettings&quot;:{&quot;backgroundColor&quot;:&quot;#F4E9E5&quot;,&quot;playerDimensions&quot;:{&quot;height&quot;:92,&quot;width&quot;:16},&quot;playerModule&quot;:&quot;UniversalHtml&quot;,&quot;presentationContent&quot;:{&quot;metadata&quot;:{&quot;references&quot;:false,&quot;texts&quot;:[&quot;DT_HYPERLINK_TOOLTIP&quot;]},&quot;resources&quot;:{&quot;attachments&quot;:false,&quot;fonts&quot;:[{&quot;charsets&quot;:{&quot;dynamicFormatted&quot;:[&quot;DCT_INTERACTIVITY_TEXT&quot;,&quot;DCT_INTERACTIVITY_SEMIBOLD_TEXT&quot;],&quot;dynamicPlain&quot;:[&quot;DCT_HYPERLINK_TOOLTIP&quot;],&quot;static&quot;:[&quot;Next&quot;,&quot;Full screen&quot;,&quot;Exit full screen&quot;,&quot;%SLIDE_NUMBER% of %TOTAL_SLIDES%&quot;,&quot;Yes&quot;,&quot;No&quot;,&quot;OK&quot;,&quot;Do you want to resume where you left off?&quot;,&quot;Complete the slide to go to the next one.&quot;,&quot;You can only view slides in order.&quot;,&quot;To advance to the next slide, complete this quiz.&quot;,&quot;To advance to this slide, you need to pass the quiz on slide %SLIDE_INDEX%.&quot;,&quot;To advance to this slide, complete the quiz on slide %SLIDE_INDEX%.&quot;,&quot;You haven't passed the quiz on slide %SLIDE_INDEX% and can't advance to the next slide.&quot;,&quot;To advance to the next slide, complete this interaction.&quot;,&quot;To advance to the next slide, complete this role-play.&quot;,&quot;To advance to this slide, you need to pass the role-play on slide %SLIDE_INDEX%.&quot;,&quot;To advance to this slide, complete the role-play on slide %SLIDE_INDEX%.&quot;,&quot;You haven't passed the role-play on slide %SLIDE_INDEX% and can't advance to the next slide.&quot;,&quot;Enter the password to view this presentation.&quot;,&quot;Incorrect password.&quot;,&quot;Sorry, the content author has prohibited sharing the presentation on this domain.&quot;,&quot;Sorry, the content author has prohibited viewing the presentation at this time.&quot;,&quot;Go back&quot;]},&quot;embedName&quot;:&quot;PFn&quot;,&quot;fontFamily&quot;:&quot;Arial&quot;,&quot;isBold&quot;:false,&quot;isItalic&quot;:false,&quot;isSemibold&quot;:false,&quot;substituteFontFamily&quot;:&quot;Arial&quot;},{&quot;charsets&quot;:{&quot;dynamicFormatted&quot;:[&quot;DCT_INTERACTIVITY_TEXT&quot;,&quot;DCT_INTERACTIVITY_SEMIBOLD_TEXT&quot;],&quot;dynamicPlain&quot;:[&quot;DCT_HYPERLINK_TOOLTIP&quot;],&quot;static&quot;:[&quot;Next&quot;,&quot;Full screen&quot;,&quot;Exit full screen&quot;,&quot;%SLIDE_NUMBER% of %TOTAL_SLIDES%&quot;,&quot;Yes&quot;,&quot;No&quot;,&quot;OK&quot;,&quot;Do you want to resume where you left off?&quot;,&quot;Complete the slide to go to the next one.&quot;,&quot;You can only view slides in order.&quot;,&quot;To advance to the next slide, complete this quiz.&quot;,&quot;To advance to this slide, you need to pass the quiz on slide %SLIDE_INDEX%.&quot;,&quot;To advance to this slide, complete the quiz on slide %SLIDE_INDEX%.&quot;,&quot;You haven't passed the quiz on slide %SLIDE_INDEX% and can't advance to the next slide.&quot;,&quot;To advance to the next slide, complete this interaction.&quot;,&quot;To advance to the next slide, complete this role-play.&quot;,&quot;To advance to this slide, you need to pass the role-play on slide %SLIDE_INDEX%.&quot;,&quot;To advance to this slide, complete the role-play on slide %SLIDE_INDEX%.&quot;,&quot;You haven't passed the role-play on slide %SLIDE_INDEX% and can't advance to the next slide.&quot;,&quot;Enter the password to view this presentation.&quot;,&quot;Incorrect password.&quot;,&quot;Sorry, the content author has prohibited sharing the presentation on this domain.&quot;,&quot;Sorry, the content author has prohibited viewing the presentation at this time.&quot;,&quot;Go back&quot;]},&quot;embedName&quot;:&quot;PFnb&quot;,&quot;fontFamily&quot;:&quot;Arial&quot;,&quot;isBold&quot;:true,&quot;isItalic&quot;:false,&quot;isSemibold&quot;:false,&quot;substituteFontFamily&quot;:&quot;Arial&quot;},{&quot;charsets&quot;:{&quot;dynamicFormatted&quot;:[&quot;DCT_INTERACTIVITY_TEXT&quot;,&quot;DCT_INTERACTIVITY_SEMIBOLD_TEXT&quot;],&quot;dynamicPlain&quot;:[&quot;DCT_HYPERLINK_TOOLTIP&quot;],&quot;static&quot;:[&quot;Next&quot;,&quot;Full screen&quot;,&quot;Exit full screen&quot;,&quot;%SLIDE_NUMBER% of %TOTAL_SLIDES%&quot;,&quot;Yes&quot;,&quot;No&quot;,&quot;OK&quot;,&quot;Do you want to resume where you left off?&quot;,&quot;Complete the slide to go to the next one.&quot;,&quot;You can only view slides in order.&quot;,&quot;To advance to the next slide, complete this quiz.&quot;,&quot;To advance to this slide, you need to pass the quiz on slide %SLIDE_INDEX%.&quot;,&quot;To advance to this slide, complete the quiz on slide %SLIDE_INDEX%.&quot;,&quot;You haven't passed the quiz on slide %SLIDE_INDEX% and can't advance to the next slide.&quot;,&quot;To advance to the next slide, complete this interaction.&quot;,&quot;To advance to the next slide, complete this role-play.&quot;,&quot;To advance to this slide, you need to pass the role-play on slide %SLIDE_INDEX%.&quot;,&quot;To advance to this slide, complete the role-play on slide %SLIDE_INDEX%.&quot;,&quot;You haven't passed the role-play on slide %SLIDE_INDEX% and can't advance to the next slide.&quot;,&quot;Enter the password to view this presentation.&quot;,&quot;Incorrect password.&quot;,&quot;Sorry, the content author has prohibited sharing the presentation on this domain.&quot;,&quot;Sorry, the content author has prohibited viewing the presentation at this time.&quot;,&quot;Go back&quot;]},&quot;embedName&quot;:&quot;PFni&quot;,&quot;fontFamily&quot;:&quot;Arial&quot;,&quot;isBold&quot;:false,&quot;isItalic&quot;:true,&quot;isSemibold&quot;:false,&quot;substituteFontFamily&quot;:&quot;Arial&quot;},{&quot;charsets&quot;:{&quot;dynamicFormatted&quot;:[&quot;DCT_INTERACTIVITY_TEXT&quot;,&quot;DCT_INTERACTIVITY_SEMIBOLD_TEXT&quot;],&quot;dynamicPlain&quot;:[&quot;DCT_HYPERLINK_TOOLTIP&quot;],&quot;static&quot;:[&quot;Next&quot;,&quot;Full screen&quot;,&quot;Exit full screen&quot;,&quot;%SLIDE_NUMBER% of %TOTAL_SLIDES%&quot;,&quot;Yes&quot;,&quot;No&quot;,&quot;OK&quot;,&quot;Do you want to resume where you left off?&quot;,&quot;Complete the slide to go to the next one.&quot;,&quot;You can only view slides in order.&quot;,&quot;To advance to the next slide, complete this quiz.&quot;,&quot;To advance to this slide, you need to pass the quiz on slide %SLIDE_INDEX%.&quot;,&quot;To advance to this slide, complete the quiz on slide %SLIDE_INDEX%.&quot;,&quot;You haven't passed the quiz on slide %SLIDE_INDEX% and can't advance to the next slide.&quot;,&quot;To advance to the next slide, complete this interaction.&quot;,&quot;To advance to the next slide, complete this role-play.&quot;,&quot;To advance to this slide, you need to pass the role-play on slide %SLIDE_INDEX%.&quot;,&quot;To advance to this slide, complete the role-play on slide %SLIDE_INDEX%.&quot;,&quot;You haven't passed the role-play on slide %SLIDE_INDEX% and can't advance to the next slide.&quot;,&quot;Enter the password to view this presentation.&quot;,&quot;Incorrect password.&quot;,&quot;Sorry, the content author has prohibited sharing the presentation on this domain.&quot;,&quot;Sorry, the content author has prohibited viewing the presentation at this time.&quot;,&quot;Go back&quot;]},&quot;embedName&quot;:&quot;PFnbi&quot;,&quot;fontFamily&quot;:&quot;Arial&quot;,&quot;isBold&quot;:true,&quot;isItalic&quot;:true,&quot;isSemibold&quot;:false,&quot;substituteFontFamily&quot;:&quot;Arial&quot;},{&quot;charsets&quot;:{&quot;dynamicFormatted&quot;:[&quot;DCT_INTERACTIVITY_TEXT&quot;,&quot;DCT_INTERACTIVITY_SEMIBOLD_TEXT&quot;],&quot;dynamicPlain&quot;:[&quot;DCT_HYPERLINK_TOOLTIP&quot;],&quot;static&quot;:[&quot;Next&quot;,&quot;Full screen&quot;,&quot;Exit full screen&quot;,&quot;%SLIDE_NUMBER% of %TOTAL_SLIDES%&quot;,&quot;Yes&quot;,&quot;No&quot;,&quot;OK&quot;,&quot;Do you want to resume where you left off?&quot;,&quot;Complete the slide to go to the next one.&quot;,&quot;You can only view slides in order.&quot;,&quot;To advance to the next slide, complete this quiz.&quot;,&quot;To advance to this slide, you need to pass the quiz on slide %SLIDE_INDEX%.&quot;,&quot;To advance to this slide, complete the quiz on slide %SLIDE_INDEX%.&quot;,&quot;You haven't passed the quiz on slide %SLIDE_INDEX% and can't advance to the next slide.&quot;,&quot;To advance to the next slide, complete this interaction.&quot;,&quot;To advance to the next slide, complete this role-play.&quot;,&quot;To advance to this slide, you need to pass the role-play on slide %SLIDE_INDEX%.&quot;,&quot;To advance to this slide, complete the role-play on slide %SLIDE_INDEX%.&quot;,&quot;You haven't passed the role-play on slide %SLIDE_INDEX% and can't advance to the next slide.&quot;,&quot;Enter the password to view this presentation.&quot;,&quot;Incorrect password.&quot;,&quot;Sorry, the content author has prohibited sharing the presentation on this domain.&quot;,&quot;Sorry, the content author has prohibited viewing the presentation at this time.&quot;,&quot;Go back&quot;]},&quot;embedName&quot;:&quot;PFnsb&quot;,&quot;fontFamily&quot;:&quot;Arial&quot;,&quot;isBold&quot;:false,&quot;isItalic&quot;:false,&quot;isSemibold&quot;:true,&quot;substituteFontFamily&quot;:&quot;Arial&quot;},{&quot;charsets&quot;:{&quot;dynamicFormatted&quot;:[&quot;DCT_INTERACTIVITY_TEXT&quot;,&quot;DCT_INTERACTIVITY_SEMIBOLD_TEXT&quot;],&quot;dynamicPlain&quot;:[&quot;DCT_HYPERLINK_TOOLTIP&quot;],&quot;static&quot;:[&quot;Next&quot;,&quot;Full screen&quot;,&quot;Exit full screen&quot;,&quot;%SLIDE_NUMBER% of %TOTAL_SLIDES%&quot;,&quot;Yes&quot;,&quot;No&quot;,&quot;OK&quot;,&quot;Do you want to resume where you left off?&quot;,&quot;Complete the slide to go to the next one.&quot;,&quot;You can only view slides in order.&quot;,&quot;To advance to the next slide, complete this quiz.&quot;,&quot;To advance to this slide, you need to pass the quiz on slide %SLIDE_INDEX%.&quot;,&quot;To advance to this slide, complete the quiz on slide %SLIDE_INDEX%.&quot;,&quot;You haven't passed the quiz on slide %SLIDE_INDEX% and can't advance to the next slide.&quot;,&quot;To advance to the next slide, complete this interaction.&quot;,&quot;To advance to the next slide, complete this role-play.&quot;,&quot;To advance to this slide, you need to pass the role-play on slide %SLIDE_INDEX%.&quot;,&quot;To advance to this slide, complete the role-play on slide %SLIDE_INDEX%.&quot;,&quot;You haven't passed the role-play on slide %SLIDE_INDEX% and can't advance to the next slide.&quot;,&quot;Enter the password to view this presentation.&quot;,&quot;Incorrect password.&quot;,&quot;Sorry, the content author has prohibited sharing the presentation on this domain.&quot;,&quot;Sorry, the content author has prohibited viewing the presentation at this time.&quot;,&quot;Go back&quot;]},&quot;embedName&quot;:&quot;PFnsbi&quot;,&quot;fontFamily&quot;:&quot;Arial&quot;,&quot;isBold&quot;:false,&quot;isItalic&quot;:true,&quot;isSemibold&quot;:true,&quot;substituteFontFamily&quot;:&quot;Arial&quot;}],&quot;interactivity&quot;:{&quot;fullSupport&quot;:true}}}},&quot;ceipData&quot;:{&quot;enableMiniSkinCustomization&quot;:false,&quot;playerLayout&quot;:&quot;custom&quot;,&quot;playerLayoutFooter&quot;:&quot;fullscreen,timer,slideNumber,goToPrev,goToNext&quot;,&quot;playerLayoutHeader&quot;:&quot;&quot;,&quot;playerLayoutHeaderButtonsPosition&quot;:&quot;&quot;,&quot;playerLayoutOutline&quot;:&quot;&quot;,&quot;playerLayoutProgress&quot;:&quot;&quot;,&quot;playerLayoutProgressMode&quot;:&quot;&quot;,&quot;playerLayoutSidebar&quot;:&quot;&quot;,&quot;playerLayoutSidebarPosition&quot;:&quot;&quot;,&quot;playerMessages&quot;:&quot;builtin.en&quot;,&quot;playerNavigationAutoStart&quot;:true,&quot;playerNavigationEnableKeyboardNavigation&quot;:true,&quot;playerNavigationMode&quot;:&quot;bySlides&quot;,&quot;playerNavigationOnRestart&quot;:&quot;prompt&quot;,&quot;playerNavigationSaveAnimationStates&quot;:true,&quot;playerNavigationType&quot;:&quot;restricted&quot;,&quot;playerTheme&quot;:&quot;custom&quot;,&quot;playerThemeBorderRadius&quot;:10,&quot;playerThemeColorScheme&quot;:&quot;builtin.lightOrange&quot;,&quot;playerThemeFont&quot;:&quot;Arial&quot;}},&quot;none&quot;:{&quot;skinSettings&quot;:{&quot;borderRadius&quot;:10,&quot;colors&quot;:{&quot;asideBackground&quot;:{&quot;color&quot;:&quot;#FFFFFF&quot;,&quot;opacity&quot;:1,&quot;type&quot;:&quot;SOLID&quot;},&quot;pageBackground&quot;:{&quot;color&quot;:&quot;#DCDEE0&quot;,&quot;opacity&quot;:1,&quot;type&quot;:&quot;SOLID&quot;},&quot;playerText&quot;:{&quot;color&quot;:&quot;#34383D&quot;,&quot;opacity&quot;:1,&quot;type&quot;:&quot;SOLID&quot;},&quot;primaryButtonBackground&quot;:{&quot;color&quot;:&quot;#5F8BD9&quot;,&quot;opacity&quot;:1,&quot;type&quot;:&quot;SOLID&quot;},&quot;primaryButtonBackgroundHover&quot;:{&quot;color&quot;:&quot;#5077BB&quot;,&quot;opacity&quot;:1,&quot;type&quot;:&quot;SOLID&quot;},&quot;primaryButtonBorder&quot;:{&quot;color&quot;:&quot;#5F8BD9&quot;,&quot;opacity&quot;:1,&quot;type&quot;:&quot;SOLID&quot;},&quot;primaryButtonBorderHover&quot;:{&quot;color&quot;:&quot;#5077BB&quot;,&quot;opacity&quot;:1,&quot;type&quot;:&quot;SOLID&quot;},&quot;primaryButtonText&quot;:{&quot;color&quot;:&quot;#FFFFFF&quot;,&quot;opacity&quot;:1,&quot;type&quot;:&quot;SOLID&quot;},&quot;primaryButtonTextHover&quot;:{&quot;color&quot;:&quot;#FFFFFF&quot;,&quot;opacity&quot;:1,&quot;type&quot;:&quot;SOLID&quot;}},&quot;enablePlaybackRateControl&quot;:true,&quot;fontFamily&quot;:&quot;Arial&quot;,&quot;version&quot;:&quot;1.0&quot;},&quot;skinMessages&quot;:{&quot;PB_ACCESSIBLE_ARIA_LABEL_BACK_TO_BEGIN&quot;:&quot;Go to the beginning of the slide&quot;,&quot;PB_ACCESSIBLE_ARIA_LABEL_BOTTOM_PANEL&quot;:&quot;Bottom Bar&quot;,&quot;PB_ACCESSIBLE_ARIA_LABEL_NAVIGATION_BUTTONS&quot;:&quot;Navigation buttons&quot;,&quot;PB_ACCESSIBLE_ARIA_LABEL_SETTINGS&quot;:&quot;Accessibility Settings&quot;,&quot;PB_ACCESSIBLE_ARIA_LABEL_SLIDE&quot;:&quot;Slide&quot;,&quot;PB_ACCESSIBLE_ARIA_LABEL_TOP_PANEL&quot;:&quot;Top Bar&quot;,&quot;PB_ACCESSIBLE_AUDIO_NARRATION_LABEL&quot;:&quot;Audio narration&quot;,&quot;PB_ACCESSIBLE_NAVIGATION_NEXT_BUTTON&quot;:&quot;Next&quot;,&quot;PB_ACCESSIBLE_NAVIGATION_PREV_BUTTON&quot;:&quot;Previous&quot;,&quot;PB_ACCESSIBLE_PLAYER_SCENARIO_NOT_SUPPORTED&quot;:&quot;The role-play is not supported in the accessibility mode&quot;,&quot;PB_ACCESSIBLE_SKIN_ENABLE_ACCESSIBILITY_MODE&quot;:&quot;Turn on accessibility mode&quot;,&quot;PB_ACCESSIBLE_SKIN_ENABLE_NORMAL_MODE&quot;:&quot;Turn off accessibility mode&quot;,&quot;PB_ACCESSIBLE_VIDEO_NARRATION_LABEL&quot;:&quot;Video narration&quot;,&quot;PB_ACCESSIBLE_WATERMARK_SKIN_CREATED_WITH&quot;:&quot;Created with iSpring evaluation version&quot;,&quot;PB_BACK_TO_APP_BUTTON_LABEL&quot;:&quot;Go back&quot;,&quot;PB_CONTROL_PANEL_NEXT&quot;:&quot;Next&quot;,&quot;PB_CONTROL_PANEL_PREV&quot;:&quot;&quot;,&quot;PB_CURRENT_SLIDE_IS_NOT_COMPLETED&quot;:&quot;Complete the slide to go to the next one.&quot;,&quot;PB_DOMAIN_RESTRICTION&quot;:&quot;Sorry, the content author has prohibited sharing the presentation on this domain.&quot;,&quot;PB_ENTER_PASSWORD&quot;:&quot;Enter the password to view this presentation.&quot;,&quot;PB_INCORRECT_PASSWORD&quot;:&quot;Incorrect password.&quot;,&quot;PB_INTERACTION_SLIDE_WINDOW_TEXT&quot;:&quot;To advance to the next slide, complete this interaction.&quot;,&quot;PB_MESSAGE_BOX_NO&quot;:&quot;No&quot;,&quot;PB_MESSAGE_BOX_OK&quot;:&quot;OK&quot;,&quot;PB_MESSAGE_BOX_YES&quot;:&quot;Yes&quot;,&quot;PB_NAVIGATION_IS_RESTRICTED&quot;:&quot;You can only view slides in order.&quot;,&quot;PB_NAVIGATION_IS_SEQUENTIAL&quot;:&quot;You can only view slides in order.&quot;,&quot;PB_PLAYBACK_RATE_MENU_CAPTION&quot;:&quot;Speed&quot;,&quot;PB_PRECEDING_QUIZ_FAILED_WINDOW_TEXT&quot;:&quot;You haven't passed the quiz on slide %SLIDE_INDEX% and can't advance to the next slide.&quot;,&quot;PB_PRECEDING_QUIZ_NOT_COMPLETED_WINDOW_TEXT&quot;:&quot;To advance to this slide, complete the quiz on slide %SLIDE_INDEX%.&quot;,&quot;PB_PRECEDING_QUIZ_NOT_PASSED_WINDOW_TEXT&quot;:&quot;To advance to this slide, you need to pass the quiz on slide %SLIDE_INDEX%.&quot;,&quot;PB_PRECEDING_SCENARIO_FAILED_WINDOW_TEXT&quot;:&quot;You haven't passed the role-play on slide %SLIDE_INDEX% and can't advance to the next slide.&quot;,&quot;PB_PRECEDING_SCENARIO_NOT_COMPLETED_WINDOW_TEXT&quot;:&quot;To advance to this slide, complete the role-play on slide %SLIDE_INDEX%.&quot;,&quot;PB_PRECEDING_SCENARIO_NOT_PASSED_WINDOW_TEXT&quot;:&quot;To advance to this slide, you need to pass the role-play on slide %SLIDE_INDEX%.&quot;,&quot;PB_QUIZ_SLIDE_WINDOW_TEXT&quot;:&quot;To advance to the next slide, complete this quiz.&quot;,&quot;PB_RESTRICTION_MESSAGE_BOX_TITLE&quot;:&quot;Navigation is limited&quot;,&quot;PB_RESUME_PRESENTATION_WINDOW_TEXT&quot;:&quot;Do you want to resume where you left off?&quot;,&quot;PB_RESUME_PRESENTATION_WINDOW_TITLE&quot;:&quot;Resume Presentation&quot;,&quot;PB_SCENARIO_SLIDE_WINDOW_TEXT&quot;:&quot;To advance to the next slide, complete this role-play.&quot;,&quot;PB_SUBTITLES_MENU_CAPTION&quot;:&quot;Subtitles&quot;,&quot;PB_SUBTITLES_OFF&quot;:&quot;Off&quot;,&quot;PB_TIME_RESTRICTION&quot;:&quot;Sorry, the content author has prohibited viewing the presentation at this time.&quot;},&quot;playbackAndNavigationSettings&quot;:{&quot;autoStart&quot;:true,&quot;saveAnimationStates&quot;:true,&quot;loopPresentation&quot;:false,&quot;autoPlayAnimations&quot;:false,&quot;autoPlayAnimationsTime&quot;:1,&quot;navigationType&quot;:&quot;FREE&quot;,&quot;resumeMode&quot;:&quot;PROMPT&quot;,&quot;enableKeyboardNavigation&quot;:true},&quot;keyboardSettings&quot;:&quot;&quot;,&quot;skinVersion&quot;:2,&quot;skinCompatibleVersion&quot;:0,&quot;publishSettings&quot;:{&quot;backgroundColor&quot;:&quot;#DCDEE0&quot;,&quot;playerDimensions&quot;:{&quot;height&quot;:0,&quot;width&quot;:0},&quot;playerModule&quot;:&quot;NoneHtml&quot;,&quot;presentationContent&quot;:{&quot;resources&quot;:{&quot;attachments&quot;:false,&quot;fonts&quot;:[{&quot;charsets&quot;:{&quot;dynamicFormatted&quot;:[&quot;DCT_INTERACTIVITY_TEXT&quot;,&quot;DCT_INTERACTIVITY_SEMIBOLD_TEXT&quot;],&quot;dynamicPlain&quot;:[&quot;DCT_HYPERLINK_TOOLTIP&quot;],&quot;static&quot;:[&quot;Next&quot;,&quot;0123456789.,x&quot;,&quot;Speed&quot;,&quot;Yes&quot;,&quot;No&quot;,&quot;OK&quot;,&quot;Do you want to resume where you left off?&quot;,&quot;Complete the slide to go to the next one.&quot;,&quot;You can only view slides in order.&quot;,&quot;To advance to the next slide, complete this quiz.&quot;,&quot;To advance to this slide, you need to pass the quiz on slide %SLIDE_INDEX%.&quot;,&quot;To advance to this slide, complete the quiz on slide %SLIDE_INDEX%.&quot;,&quot;You haven't passed the quiz on slide %SLIDE_INDEX% and can't advance to the next slide.&quot;,&quot;To advance to the next slide, complete this interaction.&quot;,&quot;To advance to the next slide, complete this role-play.&quot;,&quot;To advance to this slide, you need to pass the role-play on slide %SLIDE_INDEX%.&quot;,&quot;To advance to this slide, complete the role-play on slide %SLIDE_INDEX%.&quot;,&quot;You haven't passed the role-play on slide %SLIDE_INDEX% and can't advance to the next slide.&quot;,&quot;Enter the password to view this presentation.&quot;,&quot;Incorrect password.&quot;,&quot;Sorry, the content author has prohibited sharing the presentation on this domain.&quot;,&quot;Sorry, the content author has prohibited viewing the presentation at this time.&quot;,&quot;Go back&quot;]},&quot;embedName&quot;:&quot;nPFn&quot;,&quot;fontFamily&quot;:&quot;Arial&quot;,&quot;isBold&quot;:false,&quot;isItalic&quot;:false,&quot;isSemibold&quot;:false,&quot;substituteFontFamily&quot;:&quot;Arial&quot;},{&quot;charsets&quot;:{&quot;dynamicFormatted&quot;:[&quot;DCT_INTERACTIVITY_TEXT&quot;,&quot;DCT_INTERACTIVITY_SEMIBOLD_TEXT&quot;],&quot;dynamicPlain&quot;:[&quot;DCT_HYPERLINK_TOOLTIP&quot;],&quot;static&quot;:[&quot;Next&quot;,&quot;0123456789.,x&quot;,&quot;Speed&quot;,&quot;Yes&quot;,&quot;No&quot;,&quot;OK&quot;,&quot;Do you want to resume where you left off?&quot;,&quot;Complete the slide to go to the next one.&quot;,&quot;You can only view slides in order.&quot;,&quot;To advance to the next slide, complete this quiz.&quot;,&quot;To advance to this slide, you need to pass the quiz on slide %SLIDE_INDEX%.&quot;,&quot;To advance to this slide, complete the quiz on slide %SLIDE_INDEX%.&quot;,&quot;You haven't passed the quiz on slide %SLIDE_INDEX% and can't advance to the next slide.&quot;,&quot;To advance to the next slide, complete this interaction.&quot;,&quot;To advance to the next slide, complete this role-play.&quot;,&quot;To advance to this slide, you need to pass the role-play on slide %SLIDE_INDEX%.&quot;,&quot;To advance to this slide, complete the role-play on slide %SLIDE_INDEX%.&quot;,&quot;You haven't passed the role-play on slide %SLIDE_INDEX% and can't advance to the next slide.&quot;,&quot;Enter the password to view this presentation.&quot;,&quot;Incorrect password.&quot;,&quot;Sorry, the content author has prohibited sharing the presentation on this domain.&quot;,&quot;Sorry, the content author has prohibited viewing the presentation at this time.&quot;,&quot;Go back&quot;]},&quot;embedName&quot;:&quot;nPFnb&quot;,&quot;fontFamily&quot;:&quot;Arial&quot;,&quot;isBold&quot;:true,&quot;isItalic&quot;:false,&quot;isSemibold&quot;:false,&quot;substituteFontFamily&quot;:&quot;Arial&quot;},{&quot;charsets&quot;:{&quot;dynamicFormatted&quot;:[&quot;DCT_INTERACTIVITY_TEXT&quot;,&quot;DCT_INTERACTIVITY_SEMIBOLD_TEXT&quot;],&quot;dynamicPlain&quot;:[&quot;DCT_HYPERLINK_TOOLTIP&quot;],&quot;static&quot;:[&quot;Next&quot;,&quot;0123456789.,x&quot;,&quot;Speed&quot;,&quot;Yes&quot;,&quot;No&quot;,&quot;OK&quot;,&quot;Do you want to resume where you left off?&quot;,&quot;Complete the slide to go to the next one.&quot;,&quot;You can only view slides in order.&quot;,&quot;To advance to the next slide, complete this quiz.&quot;,&quot;To advance to this slide, you need to pass the quiz on slide %SLIDE_INDEX%.&quot;,&quot;To advance to this slide, complete the quiz on slide %SLIDE_INDEX%.&quot;,&quot;You haven't passed the quiz on slide %SLIDE_INDEX% and can't advance to the next slide.&quot;,&quot;To advance to the next slide, complete this interaction.&quot;,&quot;To advance to the next slide, complete this role-play.&quot;,&quot;To advance to this slide, you need to pass the role-play on slide %SLIDE_INDEX%.&quot;,&quot;To advance to this slide, complete the role-play on slide %SLIDE_INDEX%.&quot;,&quot;You haven't passed the role-play on slide %SLIDE_INDEX% and can't advance to the next slide.&quot;,&quot;Enter the password to view this presentation.&quot;,&quot;Incorrect password.&quot;,&quot;Sorry, the content author has prohibited sharing the presentation on this domain.&quot;,&quot;Sorry, the content author has prohibited viewing the presentation at this time.&quot;,&quot;Go back&quot;]},&quot;embedName&quot;:&quot;nPFni&quot;,&quot;fontFamily&quot;:&quot;Arial&quot;,&quot;isBold&quot;:false,&quot;isItalic&quot;:true,&quot;isSemibold&quot;:false,&quot;substituteFontFamily&quot;:&quot;Arial&quot;},{&quot;charsets&quot;:{&quot;dynamicFormatted&quot;:[&quot;DCT_INTERACTIVITY_TEXT&quot;,&quot;DCT_INTERACTIVITY_SEMIBOLD_TEXT&quot;],&quot;dynamicPlain&quot;:[&quot;DCT_HYPERLINK_TOOLTIP&quot;],&quot;static&quot;:[&quot;Next&quot;,&quot;0123456789.,x&quot;,&quot;Speed&quot;,&quot;Yes&quot;,&quot;No&quot;,&quot;OK&quot;,&quot;Do you want to resume where you left off?&quot;,&quot;Complete the slide to go to the next one.&quot;,&quot;You can only view slides in order.&quot;,&quot;To advance to the next slide, complete this quiz.&quot;,&quot;To advance to this slide, you need to pass the quiz on slide %SLIDE_INDEX%.&quot;,&quot;To advance to this slide, complete the quiz on slide %SLIDE_INDEX%.&quot;,&quot;You haven't passed the quiz on slide %SLIDE_INDEX% and can't advance to the next slide.&quot;,&quot;To advance to the next slide, complete this interaction.&quot;,&quot;To advance to the next slide, complete this role-play.&quot;,&quot;To advance to this slide, you need to pass the role-play on slide %SLIDE_INDEX%.&quot;,&quot;To advance to this slide, complete the role-play on slide %SLIDE_INDEX%.&quot;,&quot;You haven't passed the role-play on slide %SLIDE_INDEX% and can't advance to the next slide.&quot;,&quot;Enter the password to view this presentation.&quot;,&quot;Incorrect password.&quot;,&quot;Sorry, the content author has prohibited sharing the presentation on this domain.&quot;,&quot;Sorry, the content author has prohibited viewing the presentation at this time.&quot;,&quot;Go back&quot;]},&quot;embedName&quot;:&quot;nPFnbi&quot;,&quot;fontFamily&quot;:&quot;Arial&quot;,&quot;isBold&quot;:true,&quot;isItalic&quot;:true,&quot;isSemibold&quot;:false,&quot;substituteFontFamily&quot;:&quot;Arial&quot;},{&quot;charsets&quot;:{&quot;dynamicFormatted&quot;:[&quot;DCT_INTERACTIVITY_TEXT&quot;,&quot;DCT_INTERACTIVITY_SEMIBOLD_TEXT&quot;],&quot;dynamicPlain&quot;:[&quot;DCT_HYPERLINK_TOOLTIP&quot;],&quot;static&quot;:[&quot;Next&quot;,&quot;0123456789.,x&quot;,&quot;Speed&quot;,&quot;Yes&quot;,&quot;No&quot;,&quot;OK&quot;,&quot;Do you want to resume where you left off?&quot;,&quot;Complete the slide to go to the next one.&quot;,&quot;You can only view slides in order.&quot;,&quot;To advance to the next slide, complete this quiz.&quot;,&quot;To advance to this slide, you need to pass the quiz on slide %SLIDE_INDEX%.&quot;,&quot;To advance to this slide, complete the quiz on slide %SLIDE_INDEX%.&quot;,&quot;You haven't passed the quiz on slide %SLIDE_INDEX% and can't advance to the next slide.&quot;,&quot;To advance to the next slide, complete this interaction.&quot;,&quot;To advance to the next slide, complete this role-play.&quot;,&quot;To advance to this slide, you need to pass the role-play on slide %SLIDE_INDEX%.&quot;,&quot;To advance to this slide, complete the role-play on slide %SLIDE_INDEX%.&quot;,&quot;You haven't passed the role-play on slide %SLIDE_INDEX% and can't advance to the next slide.&quot;,&quot;Enter the password to view this presentation.&quot;,&quot;Incorrect password.&quot;,&quot;Sorry, the content author has prohibited sharing the presentation on this domain.&quot;,&quot;Sorry, the content author has prohibited viewing the presentation at this time.&quot;,&quot;Go back&quot;]},&quot;embedName&quot;:&quot;nPFnsb&quot;,&quot;fontFamily&quot;:&quot;Arial&quot;,&quot;isBold&quot;:false,&quot;isItalic&quot;:false,&quot;isSemibold&quot;:true,&quot;substituteFontFamily&quot;:&quot;Arial&quot;},{&quot;charsets&quot;:{&quot;dynamicFormatted&quot;:[&quot;DCT_INTERACTIVITY_TEXT&quot;,&quot;DCT_INTERACTIVITY_SEMIBOLD_TEXT&quot;],&quot;dynamicPlain&quot;:[&quot;DCT_HYPERLINK_TOOLTIP&quot;],&quot;static&quot;:[&quot;Next&quot;,&quot;0123456789.,x&quot;,&quot;Speed&quot;,&quot;Yes&quot;,&quot;No&quot;,&quot;OK&quot;,&quot;Do you want to resume where you left off?&quot;,&quot;Complete the slide to go to the next one.&quot;,&quot;You can only view slides in order.&quot;,&quot;To advance to the next slide, complete this quiz.&quot;,&quot;To advance to this slide, you need to pass the quiz on slide %SLIDE_INDEX%.&quot;,&quot;To advance to this slide, complete the quiz on slide %SLIDE_INDEX%.&quot;,&quot;You haven't passed the quiz on slide %SLIDE_INDEX% and can't advance to the next slide.&quot;,&quot;To advance to the next slide, complete this interaction.&quot;,&quot;To advance to the next slide, complete this role-play.&quot;,&quot;To advance to this slide, you need to pass the role-play on slide %SLIDE_INDEX%.&quot;,&quot;To advance to this slide, complete the role-play on slide %SLIDE_INDEX%.&quot;,&quot;You haven't passed the role-play on slide %SLIDE_INDEX% and can't advance to the next slide.&quot;,&quot;Enter the password to view this presentation.&quot;,&quot;Incorrect password.&quot;,&quot;Sorry, the content author has prohibited sharing the presentation on this domain.&quot;,&quot;Sorry, the content author has prohibited viewing the presentation at this time.&quot;,&quot;Go back&quot;]},&quot;embedName&quot;:&quot;nPFnsbi&quot;,&quot;fontFamily&quot;:&quot;Arial&quot;,&quot;isBold&quot;:false,&quot;isItalic&quot;:true,&quot;isSemibold&quot;:true,&quot;substituteFontFamily&quot;:&quot;Arial&quot;}],&quot;interactivity&quot;:{&quot;fullSupport&quot;:true}}}},&quot;ceipData&quot;:{&quot;playerMessages&quot;:&quot;builtin.en&quot;,&quot;playerNavigationAcceleration&quot;:true,&quot;playerNavigationAutoStart&quot;:true,&quot;playerNavigationEnableKeyboardNavigation&quot;:true,&quot;playerNavigationOnRestart&quot;:&quot;prompt&quot;,&quot;playerNavigationSaveAnimationStates&quot;:true,&quot;playerNavigationType&quot;:&quot;free&quot;,&quot;playerTheme&quot;:&quot;builtin.lightBlue&quot;,&quot;playerThemeBorderRadius&quot;:10,&quot;playerThemeColorScheme&quot;:&quot;builtin.lightBlue&quot;,&quot;playerThemeFont&quot;:&quot;Arial&quot;}}}"/>
   <p:tag name="ISPRING_ULTRA_SCORM_COURCE_TITLE" val="report_mechanism"/>
   <p:tag name="ISPRING_PRESENTATION_TITLE" val="report_mechanism"/>
   <p:tag name="ISPRING_RESOURCE_FOLDER" val="C:\Users\hp\Desktop\Projects\Nabad\Nabad\safeguarding\en\lessons\report_mechanism"/>
   <p:tag name="ISPRING_PRESENTATION_PATH" val="C:\Users\hp\Desktop\Projects\Nabad\Nabad\safeguarding\en\lessons\report_mechanism.pptx"/>
+  <p:tag name="ISPRING_OUTPUT_FOLDER" val="[[&quot;\uFFFD\uFFFDzV{57C549E0-46E2-4BE2-A8C6-FFFABDEA4AE1}&quot;,&quot;C:\\Users\\hp\\Desktop\\Projects\\Nabad\\Nabad\\safeguarding\\en\\lessons&quot;],[&quot;N\uFFFD\u0018\u0012{FE710B7D-E998-49F5-8687-981FF794AE92}&quot;,&quot;C:\\Users\\pc\\Desktop\\Nabad\\safeguarding\\en\\lessons&quot;]]"/>
+  <p:tag name="ISPRING_SCREEN_RECS_UPDATED" val="C:\Users\hp\Desktop\Projects\Nabad\Nabad\safeguarding\en\lessons\report_mechanism"/>
   <p:tag name="ISPRING_SCORM_ENDPOINT" val="&lt;endpoint&gt;&lt;enable&gt;0&lt;/enable&gt;&lt;lrs&gt;https://&lt;/lrs&gt;&lt;auth&gt;0&lt;/auth&gt;&lt;login&gt;&lt;/login&gt;&lt;password&gt;&lt;/password&gt;&lt;key&gt;&lt;/key&gt;&lt;name&gt;&lt;/name&gt;&lt;email&gt;&lt;/email&gt;&lt;/endpoint&gt;&#10;"/>
-  <p:tag name="ISPRING_OUTPUT_FOLDER" val="[[&quot;\uFFFD\uFFFDzV{57C549E0-46E2-4BE2-A8C6-FFFABDEA4AE1}&quot;,&quot;C:\\Users\\hp\\Desktop\\Projects\\Nabad\\Nabad\\safeguarding\\en\\lessons&quot;],[&quot;N\uFFFD\u0018\u0012{FE710B7D-E998-49F5-8687-981FF794AE92}&quot;,&quot;C:\\Users\\pc\\Desktop\\Nabad\\safeguarding\\en\\lessons&quot;]]"/>
 </p:tagLst>
 </file>
 
@@ -4364,67 +3578,13 @@
   <p:tag name="ISPRING_CUSTOM_TIMING_USED" val="1"/>
   <p:tag name="ISPRING_SLIDE_ID_2" val="{42707736-AD57-4B34-8145-5B9D71B23F3E}"/>
   <p:tag name="GENSWF_ADVANCE_TIME" val="0.000"/>
-  <p:tag name="ISPRING_PLAYER_LAYOUT_TYPE" val="Full"/>
-  <p:tag name="GENSWF_SLIDE_UID" val="{ABD2D3FA-2BDC-4300-8269-2CE38AD23B34}:356"/>
-  <p:tag name="ISPRING_SLIDE_BRANCHING_PROPERTIES" val="&lt;BranchingProperties&gt;&lt;nextAction&gt;&lt;action&gt;0&lt;/action&gt;&lt;/nextAction&gt;&lt;prevAction&gt;&lt;action&gt;0&lt;/action&gt;&lt;/prevAction&gt;&lt;lock&gt;0&lt;/lock&gt;&lt;/BranchingProperties&gt;&#10;"/>
-</p:tagLst>
-</file>
-
-<file path=ppt/tags/tag13.xml><?xml version="1.0" encoding="utf-8"?>
-<p:tagLst xmlns:a="http://schemas.openxmlformats.org/drawingml/2006/main" xmlns:r="http://schemas.openxmlformats.org/officeDocument/2006/relationships" xmlns:p="http://schemas.openxmlformats.org/presentationml/2006/main">
-  <p:tag name="ISPRING_CONTENTLIB_ASSET_META" val="{&quot;ai&quot;:&quot;jJkzN7hbHMn9UivIMVUVdg&quot;,&quot;gi&quot;:&quot;OuzJKe1qyA-ZGuPX76F_JQ&quot;,&quot;ti&quot;:&quot;characters&quot;,&quot;vs&quot;:{&quot;f&quot;:[3839,1404],&quot;i&quot;:{&quot;d&quot;:&quot;jJkzN7hbHMn9UivIMVUVdg&quot;,&quot;p&quot;:true}},&quot;at&quot;:&quot;DEFAULT&quot;}"/>
-</p:tagLst>
-</file>
-
-<file path=ppt/tags/tag14.xml><?xml version="1.0" encoding="utf-8"?>
-<p:tagLst xmlns:a="http://schemas.openxmlformats.org/drawingml/2006/main" xmlns:r="http://schemas.openxmlformats.org/officeDocument/2006/relationships" xmlns:p="http://schemas.openxmlformats.org/presentationml/2006/main">
-  <p:tag name="ISPRING_SLIDE_INDENT_LEVEL" val="0"/>
-  <p:tag name="ISPRING_CUSTOM_TIMING_USED" val="1"/>
-  <p:tag name="ISPRING_SLIDE_ID_2" val="{42707736-AD57-4B34-8145-5B9D71B23F3E}"/>
-  <p:tag name="GENSWF_ADVANCE_TIME" val="0.000"/>
-  <p:tag name="ISPRING_PLAYER_LAYOUT_TYPE" val="Full"/>
-  <p:tag name="GENSWF_SLIDE_UID" val="{B300C4E7-9CE8-4F6B-873A-F99F72613F50}:355"/>
-  <p:tag name="ISPRING_SLIDE_BRANCHING_PROPERTIES" val="&lt;BranchingProperties&gt;&lt;nextAction&gt;&lt;action&gt;0&lt;/action&gt;&lt;/nextAction&gt;&lt;prevAction&gt;&lt;action&gt;0&lt;/action&gt;&lt;/prevAction&gt;&lt;lock&gt;0&lt;/lock&gt;&lt;/BranchingProperties&gt;&#10;"/>
-</p:tagLst>
-</file>
-
-<file path=ppt/tags/tag15.xml><?xml version="1.0" encoding="utf-8"?>
-<p:tagLst xmlns:a="http://schemas.openxmlformats.org/drawingml/2006/main" xmlns:r="http://schemas.openxmlformats.org/officeDocument/2006/relationships" xmlns:p="http://schemas.openxmlformats.org/presentationml/2006/main">
-  <p:tag name="ISPRING_CONTENTLIB_ASSET_META" val="{&quot;ai&quot;:&quot;jJkzN7hbHMn9UivIMVUVdg&quot;,&quot;gi&quot;:&quot;OuzJKe1qyA-ZGuPX76F_JQ&quot;,&quot;ti&quot;:&quot;characters&quot;,&quot;vs&quot;:{&quot;f&quot;:[3839,1404],&quot;i&quot;:{&quot;d&quot;:&quot;jJkzN7hbHMn9UivIMVUVdg&quot;,&quot;p&quot;:true}},&quot;at&quot;:&quot;DEFAULT&quot;}"/>
-</p:tagLst>
-</file>
-
-<file path=ppt/tags/tag16.xml><?xml version="1.0" encoding="utf-8"?>
-<p:tagLst xmlns:a="http://schemas.openxmlformats.org/drawingml/2006/main" xmlns:r="http://schemas.openxmlformats.org/officeDocument/2006/relationships" xmlns:p="http://schemas.openxmlformats.org/presentationml/2006/main">
-  <p:tag name="ISPRING_SLIDE_INDENT_LEVEL" val="0"/>
-  <p:tag name="ISPRING_CUSTOM_TIMING_USED" val="1"/>
-  <p:tag name="ISPRING_SLIDE_ID_2" val="{42707736-AD57-4B34-8145-5B9D71B23F3E}"/>
-  <p:tag name="GENSWF_ADVANCE_TIME" val="0.000"/>
-  <p:tag name="ISPRING_PLAYER_LAYOUT_TYPE" val="Full"/>
-  <p:tag name="GENSWF_SLIDE_UID" val="{2FECEA38-BE44-4D93-9723-CEE1D85C5F7C}:357"/>
-  <p:tag name="ISPRING_SLIDE_BRANCHING_PROPERTIES" val="&lt;BranchingProperties&gt;&lt;nextAction&gt;&lt;action&gt;0&lt;/action&gt;&lt;/nextAction&gt;&lt;prevAction&gt;&lt;action&gt;0&lt;/action&gt;&lt;/prevAction&gt;&lt;lock&gt;0&lt;/lock&gt;&lt;/BranchingProperties&gt;&#10;"/>
-</p:tagLst>
-</file>
-
-<file path=ppt/tags/tag17.xml><?xml version="1.0" encoding="utf-8"?>
-<p:tagLst xmlns:a="http://schemas.openxmlformats.org/drawingml/2006/main" xmlns:r="http://schemas.openxmlformats.org/officeDocument/2006/relationships" xmlns:p="http://schemas.openxmlformats.org/presentationml/2006/main">
-  <p:tag name="ISPRING_CONTENTLIB_ASSET_META" val="{&quot;ai&quot;:&quot;jJkzN7hbHMn9UivIMVUVdg&quot;,&quot;gi&quot;:&quot;OuzJKe1qyA-ZGuPX76F_JQ&quot;,&quot;ti&quot;:&quot;characters&quot;,&quot;vs&quot;:{&quot;f&quot;:[3839,1404],&quot;i&quot;:{&quot;d&quot;:&quot;jJkzN7hbHMn9UivIMVUVdg&quot;,&quot;p&quot;:true}},&quot;at&quot;:&quot;DEFAULT&quot;}"/>
-</p:tagLst>
-</file>
-
-<file path=ppt/tags/tag18.xml><?xml version="1.0" encoding="utf-8"?>
-<p:tagLst xmlns:a="http://schemas.openxmlformats.org/drawingml/2006/main" xmlns:r="http://schemas.openxmlformats.org/officeDocument/2006/relationships" xmlns:p="http://schemas.openxmlformats.org/presentationml/2006/main">
-  <p:tag name="ISPRING_SLIDE_INDENT_LEVEL" val="0"/>
-  <p:tag name="ISPRING_CUSTOM_TIMING_USED" val="1"/>
-  <p:tag name="ISPRING_SLIDE_ID_2" val="{42707736-AD57-4B34-8145-5B9D71B23F3E}"/>
-  <p:tag name="GENSWF_ADVANCE_TIME" val="0.000"/>
   <p:tag name="GENSWF_SLIDE_UID" val="{440B199F-0EF8-4677-B321-7E6C6A95C1B3}:351"/>
   <p:tag name="ISPRING_PLAYER_LAYOUT_TYPE" val="Full"/>
   <p:tag name="ISPRING_SLIDE_BRANCHING_PROPERTIES" val="&lt;BranchingProperties&gt;&lt;nextAction&gt;&lt;action&gt;1&lt;/action&gt;&lt;/nextAction&gt;&lt;prevAction&gt;&lt;action&gt;0&lt;/action&gt;&lt;/prevAction&gt;&lt;lock&gt;0&lt;/lock&gt;&lt;/BranchingProperties&gt;&#10;"/>
 </p:tagLst>
 </file>
 
-<file path=ppt/tags/tag19.xml><?xml version="1.0" encoding="utf-8"?>
+<file path=ppt/tags/tag13.xml><?xml version="1.0" encoding="utf-8"?>
 <p:tagLst xmlns:a="http://schemas.openxmlformats.org/drawingml/2006/main" xmlns:r="http://schemas.openxmlformats.org/officeDocument/2006/relationships" xmlns:p="http://schemas.openxmlformats.org/presentationml/2006/main">
   <p:tag name="ISPRING_CONTENTLIB_ASSET_META" val="{&quot;ai&quot;:&quot;jJkzN7hbHMn9UivIMVUVdg&quot;,&quot;gi&quot;:&quot;OuzJKe1qyA-ZGuPX76F_JQ&quot;,&quot;ti&quot;:&quot;characters&quot;,&quot;vs&quot;:{&quot;f&quot;:[3839,1404],&quot;i&quot;:{&quot;d&quot;:&quot;jJkzN7hbHMn9UivIMVUVdg&quot;,&quot;p&quot;:true}},&quot;at&quot;:&quot;DEFAULT&quot;}"/>
 </p:tagLst>

--- a/safeguarding/en/lessons/report_mechanism.pptx
+++ b/safeguarding/en/lessons/report_mechanism.pptx
@@ -261,7 +261,7 @@
           <a:p>
             <a:fld id="{CD4A716A-96FF-444E-85A3-889DB32D1FBA}" type="datetimeFigureOut">
               <a:rPr lang="ru-RU" smtClean="0"/>
-              <a:t>19.09.2024</a:t>
+              <a:t>22.09.2024</a:t>
             </a:fld>
             <a:endParaRPr lang="ru-RU"/>
           </a:p>
@@ -1179,7 +1179,7 @@
           <a:p>
             <a:fld id="{4507D0C9-DCEA-F448-A25E-CBBFA477327C}" type="datetimeFigureOut">
               <a:rPr lang="ru-RU" smtClean="0"/>
-              <a:t>19.09.2024</a:t>
+              <a:t>22.09.2024</a:t>
             </a:fld>
             <a:endParaRPr lang="ru-RU"/>
           </a:p>
@@ -1292,7 +1292,7 @@
           <a:p>
             <a:fld id="{4507D0C9-DCEA-F448-A25E-CBBFA477327C}" type="datetimeFigureOut">
               <a:rPr lang="ru-RU" smtClean="0"/>
-              <a:t>19.09.2024</a:t>
+              <a:t>22.09.2024</a:t>
             </a:fld>
             <a:endParaRPr lang="ru-RU"/>
           </a:p>
@@ -1540,7 +1540,7 @@
           <a:p>
             <a:fld id="{4507D0C9-DCEA-F448-A25E-CBBFA477327C}" type="datetimeFigureOut">
               <a:rPr lang="ru-RU" smtClean="0"/>
-              <a:t>19.09.2024</a:t>
+              <a:t>22.09.2024</a:t>
             </a:fld>
             <a:endParaRPr lang="ru-RU"/>
           </a:p>
@@ -2020,7 +2020,7 @@
         <p:spPr>
           <a:xfrm>
             <a:off x="443052" y="1911926"/>
-            <a:ext cx="7741578" cy="1299323"/>
+            <a:ext cx="8139874" cy="1299323"/>
           </a:xfrm>
           <a:prstGeom prst="rect">
             <a:avLst/>
@@ -2055,6 +2055,7 @@
                 <a:solidFill>
                   <a:srgbClr val="151824"/>
                 </a:solidFill>
+                <a:latin typeface="Open Sans" panose="020B0606030504020204" pitchFamily="34" charset="0"/>
                 <a:ea typeface="Open Sans" panose="020B0606030504020204" pitchFamily="34" charset="0"/>
                 <a:cs typeface="Open Sans" panose="020B0606030504020204" pitchFamily="34" charset="0"/>
               </a:rPr>
@@ -2079,7 +2080,7 @@
         </p:nvSpPr>
         <p:spPr>
           <a:xfrm>
-            <a:off x="443051" y="3085640"/>
+            <a:off x="562972" y="3211249"/>
             <a:ext cx="6979357" cy="561112"/>
           </a:xfrm>
           <a:prstGeom prst="rect">
@@ -2116,6 +2117,9 @@
                   <a:srgbClr val="000000"/>
                 </a:solidFill>
                 <a:effectLst/>
+                <a:latin typeface="Open Sans" panose="020B0606030504020204" pitchFamily="34" charset="0"/>
+                <a:ea typeface="Open Sans" panose="020B0606030504020204" pitchFamily="34" charset="0"/>
+                <a:cs typeface="Open Sans" panose="020B0606030504020204" pitchFamily="34" charset="0"/>
               </a:rPr>
               <a:t>How to report?</a:t>
             </a:r>
@@ -2135,11 +2139,11 @@
   <p:clrMapOvr>
     <a:masterClrMapping/>
   </p:clrMapOvr>
-  <mc:AlternateContent xmlns:mc="http://schemas.openxmlformats.org/markup-compatibility/2006">
-    <mc:Choice xmlns:p14="http://schemas.microsoft.com/office/powerpoint/2010/main" Requires="p14">
+  <mc:AlternateContent xmlns:mc="http://schemas.openxmlformats.org/markup-compatibility/2006" xmlns:p14="http://schemas.microsoft.com/office/powerpoint/2010/main">
+    <mc:Choice Requires="p14">
       <p:transition spd="slow" p14:dur="2000" advClick="0"/>
     </mc:Choice>
-    <mc:Fallback>
+    <mc:Fallback xmlns="">
       <p:transition spd="slow" advClick="0"/>
     </mc:Fallback>
   </mc:AlternateContent>
@@ -2248,8 +2252,8 @@
         </p:nvSpPr>
         <p:spPr>
           <a:xfrm>
-            <a:off x="502714" y="394855"/>
-            <a:ext cx="7711896" cy="5611089"/>
+            <a:off x="502714" y="734518"/>
+            <a:ext cx="7571022" cy="5271426"/>
           </a:xfrm>
           <a:prstGeom prst="roundRect">
             <a:avLst>
@@ -2293,6 +2297,9 @@
                 <a:solidFill>
                   <a:schemeClr val="tx1"/>
                 </a:solidFill>
+                <a:latin typeface="Open Sans" panose="020B0606030504020204" pitchFamily="34" charset="0"/>
+                <a:ea typeface="Open Sans" panose="020B0606030504020204" pitchFamily="34" charset="0"/>
+                <a:cs typeface="Open Sans" panose="020B0606030504020204" pitchFamily="34" charset="0"/>
               </a:rPr>
               <a:t>Reporting mechanisms at NABAD:</a:t>
             </a:r>
@@ -2303,6 +2310,9 @@
                 <a:solidFill>
                   <a:schemeClr val="tx1"/>
                 </a:solidFill>
+                <a:latin typeface="Open Sans" panose="020B0606030504020204" pitchFamily="34" charset="0"/>
+                <a:ea typeface="Open Sans" panose="020B0606030504020204" pitchFamily="34" charset="0"/>
+                <a:cs typeface="Open Sans" panose="020B0606030504020204" pitchFamily="34" charset="0"/>
               </a:rPr>
               <a:t>1- For staff:</a:t>
             </a:r>
@@ -2313,6 +2323,9 @@
                 <a:solidFill>
                   <a:schemeClr val="tx1"/>
                 </a:solidFill>
+                <a:latin typeface="Open Sans" panose="020B0606030504020204" pitchFamily="34" charset="0"/>
+                <a:ea typeface="Open Sans" panose="020B0606030504020204" pitchFamily="34" charset="0"/>
+                <a:cs typeface="Open Sans" panose="020B0606030504020204" pitchFamily="34" charset="0"/>
               </a:rPr>
               <a:t>      A. Focal points:</a:t>
             </a:r>
@@ -2323,6 +2336,9 @@
                 <a:solidFill>
                   <a:schemeClr val="tx1"/>
                 </a:solidFill>
+                <a:latin typeface="Open Sans" panose="020B0606030504020204" pitchFamily="34" charset="0"/>
+                <a:ea typeface="Open Sans" panose="020B0606030504020204" pitchFamily="34" charset="0"/>
+                <a:cs typeface="Open Sans" panose="020B0606030504020204" pitchFamily="34" charset="0"/>
               </a:rPr>
               <a:t>	- Mohamad Hawi reachable at 	</a:t>
             </a:r>
@@ -2331,6 +2347,9 @@
                 <a:solidFill>
                   <a:schemeClr val="tx1"/>
                 </a:solidFill>
+                <a:latin typeface="Open Sans" panose="020B0606030504020204" pitchFamily="34" charset="0"/>
+                <a:ea typeface="Open Sans" panose="020B0606030504020204" pitchFamily="34" charset="0"/>
+                <a:cs typeface="Open Sans" panose="020B0606030504020204" pitchFamily="34" charset="0"/>
                 <a:hlinkClick r:id="rId7"/>
               </a:rPr>
               <a:t>@mohamad.hawi@nabadassociation.org </a:t>
@@ -2339,6 +2358,9 @@
               <a:solidFill>
                 <a:schemeClr val="tx1"/>
               </a:solidFill>
+              <a:latin typeface="Open Sans" panose="020B0606030504020204" pitchFamily="34" charset="0"/>
+              <a:ea typeface="Open Sans" panose="020B0606030504020204" pitchFamily="34" charset="0"/>
+              <a:cs typeface="Open Sans" panose="020B0606030504020204" pitchFamily="34" charset="0"/>
             </a:endParaRPr>
           </a:p>
           <a:p>
@@ -2347,6 +2369,9 @@
                 <a:solidFill>
                   <a:schemeClr val="tx1"/>
                 </a:solidFill>
+                <a:latin typeface="Open Sans" panose="020B0606030504020204" pitchFamily="34" charset="0"/>
+                <a:ea typeface="Open Sans" panose="020B0606030504020204" pitchFamily="34" charset="0"/>
+                <a:cs typeface="Open Sans" panose="020B0606030504020204" pitchFamily="34" charset="0"/>
               </a:rPr>
               <a:t>	- Hussein Shouman reachable at 	</a:t>
             </a:r>
@@ -2355,6 +2380,9 @@
                 <a:solidFill>
                   <a:schemeClr val="tx1"/>
                 </a:solidFill>
+                <a:latin typeface="Open Sans" panose="020B0606030504020204" pitchFamily="34" charset="0"/>
+                <a:ea typeface="Open Sans" panose="020B0606030504020204" pitchFamily="34" charset="0"/>
+                <a:cs typeface="Open Sans" panose="020B0606030504020204" pitchFamily="34" charset="0"/>
                 <a:hlinkClick r:id="rId8"/>
               </a:rPr>
               <a:t>@hussein.shouman@nabadassociation.org </a:t>
@@ -2363,6 +2391,9 @@
               <a:solidFill>
                 <a:schemeClr val="tx1"/>
               </a:solidFill>
+              <a:latin typeface="Open Sans" panose="020B0606030504020204" pitchFamily="34" charset="0"/>
+              <a:ea typeface="Open Sans" panose="020B0606030504020204" pitchFamily="34" charset="0"/>
+              <a:cs typeface="Open Sans" panose="020B0606030504020204" pitchFamily="34" charset="0"/>
             </a:endParaRPr>
           </a:p>
           <a:p>
@@ -2371,6 +2402,9 @@
                 <a:solidFill>
                   <a:schemeClr val="tx1"/>
                 </a:solidFill>
+                <a:latin typeface="Open Sans" panose="020B0606030504020204" pitchFamily="34" charset="0"/>
+                <a:ea typeface="Open Sans" panose="020B0606030504020204" pitchFamily="34" charset="0"/>
+                <a:cs typeface="Open Sans" panose="020B0606030504020204" pitchFamily="34" charset="0"/>
               </a:rPr>
               <a:t>	- </a:t>
             </a:r>
@@ -2379,6 +2413,9 @@
                 <a:solidFill>
                   <a:schemeClr val="tx1"/>
                 </a:solidFill>
+                <a:latin typeface="Open Sans" panose="020B0606030504020204" pitchFamily="34" charset="0"/>
+                <a:ea typeface="Open Sans" panose="020B0606030504020204" pitchFamily="34" charset="0"/>
+                <a:cs typeface="Open Sans" panose="020B0606030504020204" pitchFamily="34" charset="0"/>
               </a:rPr>
               <a:t>Naji</a:t>
             </a:r>
@@ -2387,6 +2424,9 @@
                 <a:solidFill>
                   <a:schemeClr val="tx1"/>
                 </a:solidFill>
+                <a:latin typeface="Open Sans" panose="020B0606030504020204" pitchFamily="34" charset="0"/>
+                <a:ea typeface="Open Sans" panose="020B0606030504020204" pitchFamily="34" charset="0"/>
+                <a:cs typeface="Open Sans" panose="020B0606030504020204" pitchFamily="34" charset="0"/>
               </a:rPr>
               <a:t> Rifai reachable at 	</a:t>
             </a:r>
@@ -2395,6 +2435,9 @@
                 <a:solidFill>
                   <a:schemeClr val="tx1"/>
                 </a:solidFill>
+                <a:latin typeface="Open Sans" panose="020B0606030504020204" pitchFamily="34" charset="0"/>
+                <a:ea typeface="Open Sans" panose="020B0606030504020204" pitchFamily="34" charset="0"/>
+                <a:cs typeface="Open Sans" panose="020B0606030504020204" pitchFamily="34" charset="0"/>
                 <a:hlinkClick r:id="rId9"/>
               </a:rPr>
               <a:t>@naji.rifai@nabadassociation.org</a:t>
@@ -2403,6 +2446,9 @@
               <a:solidFill>
                 <a:schemeClr val="tx1"/>
               </a:solidFill>
+              <a:latin typeface="Open Sans" panose="020B0606030504020204" pitchFamily="34" charset="0"/>
+              <a:ea typeface="Open Sans" panose="020B0606030504020204" pitchFamily="34" charset="0"/>
+              <a:cs typeface="Open Sans" panose="020B0606030504020204" pitchFamily="34" charset="0"/>
             </a:endParaRPr>
           </a:p>
           <a:p>
@@ -2410,6 +2456,9 @@
               <a:solidFill>
                 <a:schemeClr val="tx1"/>
               </a:solidFill>
+              <a:latin typeface="Open Sans" panose="020B0606030504020204" pitchFamily="34" charset="0"/>
+              <a:ea typeface="Open Sans" panose="020B0606030504020204" pitchFamily="34" charset="0"/>
+              <a:cs typeface="Open Sans" panose="020B0606030504020204" pitchFamily="34" charset="0"/>
             </a:endParaRPr>
           </a:p>
           <a:p>
@@ -2419,6 +2468,9 @@
                 <a:solidFill>
                   <a:schemeClr val="tx1"/>
                 </a:solidFill>
+                <a:latin typeface="Open Sans" panose="020B0606030504020204" pitchFamily="34" charset="0"/>
+                <a:ea typeface="Open Sans" panose="020B0606030504020204" pitchFamily="34" charset="0"/>
+                <a:cs typeface="Open Sans" panose="020B0606030504020204" pitchFamily="34" charset="0"/>
               </a:rPr>
               <a:t>B. Anonymous reporting mechanism: </a:t>
             </a:r>
@@ -2430,6 +2482,9 @@
                 <a:solidFill>
                   <a:schemeClr val="tx1"/>
                 </a:solidFill>
+                <a:latin typeface="Open Sans" panose="020B0606030504020204" pitchFamily="34" charset="0"/>
+                <a:ea typeface="Open Sans" panose="020B0606030504020204" pitchFamily="34" charset="0"/>
+                <a:cs typeface="Open Sans" panose="020B0606030504020204" pitchFamily="34" charset="0"/>
               </a:rPr>
               <a:t>	</a:t>
             </a:r>
@@ -2438,6 +2493,9 @@
                 <a:solidFill>
                   <a:schemeClr val="tx1"/>
                 </a:solidFill>
+                <a:latin typeface="Open Sans" panose="020B0606030504020204" pitchFamily="34" charset="0"/>
+                <a:ea typeface="Open Sans" panose="020B0606030504020204" pitchFamily="34" charset="0"/>
+                <a:cs typeface="Open Sans" panose="020B0606030504020204" pitchFamily="34" charset="0"/>
                 <a:hlinkClick r:id="rId10"/>
               </a:rPr>
               <a:t>https://ee-eu.kobotoolbox.org/x/aidAFQvS </a:t>
@@ -2446,6 +2504,9 @@
               <a:solidFill>
                 <a:schemeClr val="tx1"/>
               </a:solidFill>
+              <a:latin typeface="Open Sans" panose="020B0606030504020204" pitchFamily="34" charset="0"/>
+              <a:ea typeface="Open Sans" panose="020B0606030504020204" pitchFamily="34" charset="0"/>
+              <a:cs typeface="Open Sans" panose="020B0606030504020204" pitchFamily="34" charset="0"/>
             </a:endParaRPr>
           </a:p>
         </p:txBody>
@@ -2463,11 +2524,11 @@
   <p:clrMapOvr>
     <a:masterClrMapping/>
   </p:clrMapOvr>
-  <mc:AlternateContent xmlns:mc="http://schemas.openxmlformats.org/markup-compatibility/2006">
-    <mc:Choice xmlns:p14="http://schemas.microsoft.com/office/powerpoint/2010/main" Requires="p14">
+  <mc:AlternateContent xmlns:mc="http://schemas.openxmlformats.org/markup-compatibility/2006" xmlns:p14="http://schemas.microsoft.com/office/powerpoint/2010/main">
+    <mc:Choice Requires="p14">
       <p:transition spd="slow" p14:dur="2000" advClick="0"/>
     </mc:Choice>
-    <mc:Fallback>
+    <mc:Fallback xmlns="">
       <p:transition spd="slow" advClick="0"/>
     </mc:Fallback>
   </mc:AlternateContent>
@@ -2576,8 +2637,8 @@
         </p:nvSpPr>
         <p:spPr>
           <a:xfrm>
-            <a:off x="854439" y="1982449"/>
-            <a:ext cx="6365677" cy="2213265"/>
+            <a:off x="854440" y="1982449"/>
+            <a:ext cx="4691922" cy="2213265"/>
           </a:xfrm>
           <a:prstGeom prst="roundRect">
             <a:avLst>
@@ -2616,29 +2677,40 @@
           <a:bodyPr rtlCol="0" anchor="ctr"/>
           <a:lstStyle/>
           <a:p>
+            <a:pPr algn="ctr"/>
             <a:r>
               <a:rPr lang="en-US" sz="2800" dirty="0">
                 <a:solidFill>
                   <a:schemeClr val="tx1"/>
                 </a:solidFill>
+                <a:latin typeface="Open Sans" panose="020B0606030504020204" pitchFamily="34" charset="0"/>
+                <a:ea typeface="Open Sans" panose="020B0606030504020204" pitchFamily="34" charset="0"/>
+                <a:cs typeface="Open Sans" panose="020B0606030504020204" pitchFamily="34" charset="0"/>
               </a:rPr>
               <a:t>For beneficiaries: </a:t>
             </a:r>
           </a:p>
           <a:p>
+            <a:pPr algn="ctr"/>
             <a:r>
               <a:rPr lang="en-US" sz="2800" dirty="0">
                 <a:solidFill>
                   <a:schemeClr val="tx1"/>
                 </a:solidFill>
+                <a:latin typeface="Open Sans" panose="020B0606030504020204" pitchFamily="34" charset="0"/>
+                <a:ea typeface="Open Sans" panose="020B0606030504020204" pitchFamily="34" charset="0"/>
+                <a:cs typeface="Open Sans" panose="020B0606030504020204" pitchFamily="34" charset="0"/>
               </a:rPr>
               <a:t>Helpline: </a:t>
             </a:r>
             <a:r>
-              <a:rPr lang="en-US" sz="2800" dirty="0" err="1">
+              <a:rPr lang="en-US" sz="2800" dirty="0" err="1" smtClean="0">
                 <a:solidFill>
                   <a:schemeClr val="tx1"/>
                 </a:solidFill>
+                <a:latin typeface="Open Sans" panose="020B0606030504020204" pitchFamily="34" charset="0"/>
+                <a:ea typeface="Open Sans" panose="020B0606030504020204" pitchFamily="34" charset="0"/>
+                <a:cs typeface="Open Sans" panose="020B0606030504020204" pitchFamily="34" charset="0"/>
               </a:rPr>
               <a:t>Takallam</a:t>
             </a:r>
@@ -2647,16 +2719,23 @@
                 <a:solidFill>
                   <a:schemeClr val="tx1"/>
                 </a:solidFill>
+                <a:latin typeface="Open Sans" panose="020B0606030504020204" pitchFamily="34" charset="0"/>
+                <a:ea typeface="Open Sans" panose="020B0606030504020204" pitchFamily="34" charset="0"/>
+                <a:cs typeface="Open Sans" panose="020B0606030504020204" pitchFamily="34" charset="0"/>
               </a:rPr>
               <a:t>:</a:t>
             </a:r>
           </a:p>
           <a:p>
+            <a:pPr algn="ctr"/>
             <a:r>
               <a:rPr lang="en-US" sz="2800" dirty="0" smtClean="0">
                 <a:solidFill>
                   <a:schemeClr val="tx1"/>
                 </a:solidFill>
+                <a:latin typeface="Open Sans" panose="020B0606030504020204" pitchFamily="34" charset="0"/>
+                <a:ea typeface="Open Sans" panose="020B0606030504020204" pitchFamily="34" charset="0"/>
+                <a:cs typeface="Open Sans" panose="020B0606030504020204" pitchFamily="34" charset="0"/>
               </a:rPr>
               <a:t> </a:t>
             </a:r>
@@ -2665,6 +2744,9 @@
                 <a:solidFill>
                   <a:schemeClr val="tx1"/>
                 </a:solidFill>
+                <a:latin typeface="Open Sans" panose="020B0606030504020204" pitchFamily="34" charset="0"/>
+                <a:ea typeface="Open Sans" panose="020B0606030504020204" pitchFamily="34" charset="0"/>
+                <a:cs typeface="Open Sans" panose="020B0606030504020204" pitchFamily="34" charset="0"/>
                 <a:hlinkClick r:id="rId7" action="ppaction://hlinkfile"/>
               </a:rPr>
               <a:t>+961 79 111 538</a:t>
@@ -2673,6 +2755,9 @@
               <a:solidFill>
                 <a:schemeClr val="tx1"/>
               </a:solidFill>
+              <a:latin typeface="Open Sans" panose="020B0606030504020204" pitchFamily="34" charset="0"/>
+              <a:ea typeface="Open Sans" panose="020B0606030504020204" pitchFamily="34" charset="0"/>
+              <a:cs typeface="Open Sans" panose="020B0606030504020204" pitchFamily="34" charset="0"/>
             </a:endParaRPr>
           </a:p>
         </p:txBody>
@@ -2690,11 +2775,11 @@
   <p:clrMapOvr>
     <a:masterClrMapping/>
   </p:clrMapOvr>
-  <mc:AlternateContent xmlns:mc="http://schemas.openxmlformats.org/markup-compatibility/2006">
-    <mc:Choice xmlns:p14="http://schemas.microsoft.com/office/powerpoint/2010/main" Requires="p14">
+  <mc:AlternateContent xmlns:mc="http://schemas.openxmlformats.org/markup-compatibility/2006" xmlns:p14="http://schemas.microsoft.com/office/powerpoint/2010/main">
+    <mc:Choice Requires="p14">
       <p:transition spd="slow" p14:dur="2000" advClick="0"/>
     </mc:Choice>
-    <mc:Fallback>
+    <mc:Fallback xmlns="">
       <p:transition spd="slow" advClick="0"/>
     </mc:Fallback>
   </mc:AlternateContent>
@@ -2848,6 +2933,9 @@
                 <a:solidFill>
                   <a:schemeClr val="tx1"/>
                 </a:solidFill>
+                <a:latin typeface="Open Sans" panose="020B0606030504020204" pitchFamily="34" charset="0"/>
+                <a:ea typeface="Open Sans" panose="020B0606030504020204" pitchFamily="34" charset="0"/>
+                <a:cs typeface="Open Sans" panose="020B0606030504020204" pitchFamily="34" charset="0"/>
               </a:rPr>
               <a:t>Before proceeding, it is very </a:t>
             </a:r>
@@ -2856,72 +2944,80 @@
                 <a:solidFill>
                   <a:schemeClr val="tx1"/>
                 </a:solidFill>
+                <a:latin typeface="Open Sans" panose="020B0606030504020204" pitchFamily="34" charset="0"/>
+                <a:ea typeface="Open Sans" panose="020B0606030504020204" pitchFamily="34" charset="0"/>
+                <a:cs typeface="Open Sans" panose="020B0606030504020204" pitchFamily="34" charset="0"/>
               </a:rPr>
-              <a:t>important </a:t>
+              <a:t>important to </a:t>
+            </a:r>
+            <a:r>
+              <a:rPr lang="en-US" sz="2800" dirty="0">
+                <a:solidFill>
+                  <a:schemeClr val="tx1"/>
+                </a:solidFill>
+                <a:latin typeface="Open Sans" panose="020B0606030504020204" pitchFamily="34" charset="0"/>
+                <a:ea typeface="Open Sans" panose="020B0606030504020204" pitchFamily="34" charset="0"/>
+                <a:cs typeface="Open Sans" panose="020B0606030504020204" pitchFamily="34" charset="0"/>
+              </a:rPr>
+              <a:t>understand the difference between reporting and referral.</a:t>
+            </a:r>
+          </a:p>
+          <a:p>
+            <a:endParaRPr lang="en-US" sz="2800" dirty="0">
+              <a:solidFill>
+                <a:schemeClr val="tx1"/>
+              </a:solidFill>
+              <a:latin typeface="Open Sans" panose="020B0606030504020204" pitchFamily="34" charset="0"/>
+              <a:ea typeface="Open Sans" panose="020B0606030504020204" pitchFamily="34" charset="0"/>
+              <a:cs typeface="Open Sans" panose="020B0606030504020204" pitchFamily="34" charset="0"/>
+            </a:endParaRPr>
+          </a:p>
+          <a:p>
+            <a:r>
+              <a:rPr lang="en-US" sz="2800" dirty="0">
+                <a:solidFill>
+                  <a:schemeClr val="tx1"/>
+                </a:solidFill>
+                <a:latin typeface="Open Sans" panose="020B0606030504020204" pitchFamily="34" charset="0"/>
+                <a:ea typeface="Open Sans" panose="020B0606030504020204" pitchFamily="34" charset="0"/>
+                <a:cs typeface="Open Sans" panose="020B0606030504020204" pitchFamily="34" charset="0"/>
+              </a:rPr>
+              <a:t>Reporting: Informing the organization when a misconduct is done by an aid worker</a:t>
             </a:r>
             <a:r>
               <a:rPr lang="en-US" sz="2800" dirty="0" smtClean="0">
                 <a:solidFill>
                   <a:schemeClr val="tx1"/>
                 </a:solidFill>
+                <a:latin typeface="Open Sans" panose="020B0606030504020204" pitchFamily="34" charset="0"/>
+                <a:ea typeface="Open Sans" panose="020B0606030504020204" pitchFamily="34" charset="0"/>
+                <a:cs typeface="Open Sans" panose="020B0606030504020204" pitchFamily="34" charset="0"/>
               </a:rPr>
-              <a:t>to </a:t>
-            </a:r>
+              <a:t>.</a:t>
+            </a:r>
+          </a:p>
+          <a:p>
+            <a:endParaRPr lang="en-US" sz="2800" dirty="0" smtClean="0">
+              <a:solidFill>
+                <a:schemeClr val="tx1"/>
+              </a:solidFill>
+              <a:latin typeface="Open Sans" panose="020B0606030504020204" pitchFamily="34" charset="0"/>
+              <a:ea typeface="Open Sans" panose="020B0606030504020204" pitchFamily="34" charset="0"/>
+              <a:cs typeface="Open Sans" panose="020B0606030504020204" pitchFamily="34" charset="0"/>
+            </a:endParaRPr>
+          </a:p>
+          <a:p>
             <a:r>
               <a:rPr lang="en-US" sz="2800" dirty="0">
                 <a:solidFill>
                   <a:schemeClr val="tx1"/>
                 </a:solidFill>
-              </a:rPr>
-              <a:t>understand the difference between reporting and referral.</a:t>
-            </a:r>
-          </a:p>
-          <a:p>
-            <a:endParaRPr lang="en-US" sz="2800" dirty="0">
-              <a:solidFill>
-                <a:schemeClr val="tx1"/>
-              </a:solidFill>
-            </a:endParaRPr>
-          </a:p>
-          <a:p>
-            <a:r>
-              <a:rPr lang="en-US" sz="2800" dirty="0">
-                <a:solidFill>
-                  <a:schemeClr val="tx1"/>
-                </a:solidFill>
-              </a:rPr>
-              <a:t>Reporting: Informing the organization when a misconduct is done by an aid worker</a:t>
-            </a:r>
-            <a:r>
-              <a:rPr lang="en-US" sz="2800" dirty="0" smtClean="0">
-                <a:solidFill>
-                  <a:schemeClr val="tx1"/>
-                </a:solidFill>
-              </a:rPr>
-              <a:t>.</a:t>
-            </a:r>
-          </a:p>
-          <a:p>
-            <a:endParaRPr lang="en-US" sz="2800" dirty="0" smtClean="0">
-              <a:solidFill>
-                <a:schemeClr val="tx1"/>
-              </a:solidFill>
-            </a:endParaRPr>
-          </a:p>
-          <a:p>
-            <a:r>
-              <a:rPr lang="en-US" sz="2800" dirty="0">
-                <a:solidFill>
-                  <a:schemeClr val="tx1"/>
-                </a:solidFill>
+                <a:latin typeface="Open Sans" panose="020B0606030504020204" pitchFamily="34" charset="0"/>
+                <a:ea typeface="Open Sans" panose="020B0606030504020204" pitchFamily="34" charset="0"/>
+                <a:cs typeface="Open Sans" panose="020B0606030504020204" pitchFamily="34" charset="0"/>
               </a:rPr>
               <a:t>Note: We report with or without the details of the survivor based on his/her preferences.</a:t>
             </a:r>
-            <a:endParaRPr lang="en-US" sz="2800" dirty="0">
-              <a:solidFill>
-                <a:schemeClr val="tx1"/>
-              </a:solidFill>
-            </a:endParaRPr>
           </a:p>
         </p:txBody>
       </p:sp>
@@ -2938,11 +3034,11 @@
   <p:clrMapOvr>
     <a:masterClrMapping/>
   </p:clrMapOvr>
-  <mc:AlternateContent xmlns:mc="http://schemas.openxmlformats.org/markup-compatibility/2006">
-    <mc:Choice xmlns:p14="http://schemas.microsoft.com/office/powerpoint/2010/main" Requires="p14">
+  <mc:AlternateContent xmlns:mc="http://schemas.openxmlformats.org/markup-compatibility/2006" xmlns:p14="http://schemas.microsoft.com/office/powerpoint/2010/main">
+    <mc:Choice Requires="p14">
       <p:transition spd="slow" p14:dur="2000" advClick="0"/>
     </mc:Choice>
-    <mc:Fallback>
+    <mc:Fallback xmlns="">
       <p:transition spd="slow" advClick="0"/>
     </mc:Fallback>
   </mc:AlternateContent>
@@ -3039,13 +3135,7 @@
       </p:pic>
       <p:sp>
         <p:nvSpPr>
-          <p:cNvPr id="3" name="ISPRING_QUIZ_SHAPE0">
-            <a:extLst>
-              <a:ext uri="{FF2B5EF4-FFF2-40B4-BE49-F238E27FC236}">
-                <a16:creationId xmlns:a16="http://schemas.microsoft.com/office/drawing/2014/main" id="{58BF4AB5-49AC-869A-1E6D-F4E204DA4C96}"/>
-              </a:ext>
-            </a:extLst>
-          </p:cNvPr>
+          <p:cNvPr id="5" name="ISPRING_QUIZ_SHAPE0"/>
           <p:cNvSpPr/>
           <p:nvPr/>
         </p:nvSpPr>
@@ -3072,11 +3162,24 @@
               </a:scrgbClr>
             </a:innerShdw>
           </a:effectLst>
+          <a:extLst>
+            <a:ext uri="{91240B29-F687-4F45-9708-019B960494DF}">
+              <a14:hiddenLine xmlns:a14="http://schemas.microsoft.com/office/drawing/2010/main" w="12700" cap="flat" cmpd="sng" algn="ctr">
+                <a:solidFill>
+                  <a:schemeClr val="accent1">
+                    <a:shade val="50000"/>
+                  </a:schemeClr>
+                </a:solidFill>
+                <a:prstDash val="solid"/>
+                <a:miter lim="800000"/>
+              </a14:hiddenLine>
+            </a:ext>
+          </a:extLst>
         </p:spPr>
         <p:style>
           <a:lnRef idx="2">
             <a:schemeClr val="accent1">
-              <a:shade val="15000"/>
+              <a:shade val="50000"/>
             </a:schemeClr>
           </a:lnRef>
           <a:fillRef idx="1">
@@ -3100,20 +3203,20 @@
       </p:sp>
       <p:pic>
         <p:nvPicPr>
-          <p:cNvPr id="6" name="ISPRING_QUIZ_SHAPE1">
-            <a:extLst>
-              <a:ext uri="{FF2B5EF4-FFF2-40B4-BE49-F238E27FC236}">
-                <a16:creationId xmlns:a16="http://schemas.microsoft.com/office/drawing/2014/main" id="{2351AEA1-4851-0709-3C9C-739051EB7D47}"/>
-              </a:ext>
-            </a:extLst>
-          </p:cNvPr>
+          <p:cNvPr id="8" name="ISPRING_QUIZ_SHAPE1"/>
           <p:cNvPicPr>
             <a:picLocks/>
           </p:cNvPicPr>
           <p:nvPr/>
         </p:nvPicPr>
         <p:blipFill>
-          <a:blip r:embed="rId7"/>
+          <a:blip r:embed="rId7">
+            <a:extLst>
+              <a:ext uri="{28A0092B-C50C-407E-A947-70E740481C1C}">
+                <a14:useLocalDpi xmlns:a14="http://schemas.microsoft.com/office/drawing/2010/main" val="0"/>
+              </a:ext>
+            </a:extLst>
+          </a:blip>
           <a:srcRect/>
           <a:stretch>
             <a:fillRect/>
@@ -3138,13 +3241,7 @@
       </p:pic>
       <p:sp>
         <p:nvSpPr>
-          <p:cNvPr id="7" name="ISPRING_QUIZ_SHAPE2">
-            <a:extLst>
-              <a:ext uri="{FF2B5EF4-FFF2-40B4-BE49-F238E27FC236}">
-                <a16:creationId xmlns:a16="http://schemas.microsoft.com/office/drawing/2014/main" id="{8FD6EC0B-2A00-57B9-161B-C56455A253CD}"/>
-              </a:ext>
-            </a:extLst>
-          </p:cNvPr>
+          <p:cNvPr id="10" name="ISPRING_QUIZ_SHAPE2"/>
           <p:cNvSpPr txBox="1"/>
           <p:nvPr/>
         </p:nvSpPr>
@@ -3173,7 +3270,7 @@
           <a:p>
             <a:pPr algn="ctr"/>
             <a:r>
-              <a:rPr lang="en-US" sz="3000">
+              <a:rPr lang="en-US" sz="3000" smtClean="0">
                 <a:solidFill>
                   <a:srgbClr val="343944"/>
                 </a:solidFill>
@@ -3182,25 +3279,32 @@
               </a:rPr>
               <a:t>   Quiz</a:t>
             </a:r>
+            <a:endParaRPr lang="en-US" sz="3000">
+              <a:solidFill>
+                <a:srgbClr val="343944"/>
+              </a:solidFill>
+              <a:effectLst/>
+              <a:latin typeface="Segoe UI" panose="020B0502040204020203" pitchFamily="34" charset="0"/>
+            </a:endParaRPr>
           </a:p>
         </p:txBody>
       </p:sp>
       <p:pic>
         <p:nvPicPr>
-          <p:cNvPr id="9" name="ISPRING_QUIZ_SHAPE3">
-            <a:extLst>
-              <a:ext uri="{FF2B5EF4-FFF2-40B4-BE49-F238E27FC236}">
-                <a16:creationId xmlns:a16="http://schemas.microsoft.com/office/drawing/2014/main" id="{D89EAD6F-48DB-3BE4-8F5A-E22765B76FE1}"/>
-              </a:ext>
-            </a:extLst>
-          </p:cNvPr>
+          <p:cNvPr id="12" name="ISPRING_QUIZ_SHAPE3"/>
           <p:cNvPicPr>
             <a:picLocks/>
           </p:cNvPicPr>
           <p:nvPr/>
         </p:nvPicPr>
         <p:blipFill>
-          <a:blip r:embed="rId8"/>
+          <a:blip r:embed="rId8">
+            <a:extLst>
+              <a:ext uri="{28A0092B-C50C-407E-A947-70E740481C1C}">
+                <a14:useLocalDpi xmlns:a14="http://schemas.microsoft.com/office/drawing/2010/main" val="0"/>
+              </a:ext>
+            </a:extLst>
+          </a:blip>
           <a:srcRect/>
           <a:stretch>
             <a:fillRect/>
@@ -3225,13 +3329,7 @@
       </p:pic>
       <p:sp>
         <p:nvSpPr>
-          <p:cNvPr id="11" name="ISPRING_QUIZ_SHAPE4">
-            <a:extLst>
-              <a:ext uri="{FF2B5EF4-FFF2-40B4-BE49-F238E27FC236}">
-                <a16:creationId xmlns:a16="http://schemas.microsoft.com/office/drawing/2014/main" id="{5140A51A-DBCD-BCDA-E3B0-ECFC916F15A1}"/>
-              </a:ext>
-            </a:extLst>
-          </p:cNvPr>
+          <p:cNvPr id="13" name="ISPRING_QUIZ_SHAPE4"/>
           <p:cNvSpPr txBox="1"/>
           <p:nvPr/>
         </p:nvSpPr>
@@ -3260,7 +3358,7 @@
           <a:p>
             <a:pPr algn="ctr"/>
             <a:r>
-              <a:rPr lang="en-US" sz="2200">
+              <a:rPr lang="en-US" sz="2200" smtClean="0">
                 <a:solidFill>
                   <a:srgbClr val="343944"/>
                 </a:solidFill>
@@ -3270,7 +3368,7 @@
               <a:t>Click the </a:t>
             </a:r>
             <a:r>
-              <a:rPr lang="en-US" sz="2200" b="1">
+              <a:rPr lang="en-US" sz="2200" b="1" smtClean="0">
                 <a:solidFill>
                   <a:srgbClr val="343944"/>
                 </a:solidFill>
@@ -3280,7 +3378,7 @@
               <a:t>Quiz</a:t>
             </a:r>
             <a:r>
-              <a:rPr lang="en-US" sz="2200">
+              <a:rPr lang="en-US" sz="2200" smtClean="0">
                 <a:solidFill>
                   <a:srgbClr val="343944"/>
                 </a:solidFill>
@@ -3289,6 +3387,13 @@
               </a:rPr>
               <a:t> button to edit this object</a:t>
             </a:r>
+            <a:endParaRPr lang="en-US" sz="2200">
+              <a:solidFill>
+                <a:srgbClr val="343944"/>
+              </a:solidFill>
+              <a:effectLst/>
+              <a:latin typeface="Segoe UI" panose="020B0502040204020203" pitchFamily="34" charset="0"/>
+            </a:endParaRPr>
           </a:p>
         </p:txBody>
       </p:sp>
@@ -3466,21 +3571,15 @@
             <a:r>
               <a:rPr lang="en-US" sz="4000" b="1" dirty="0">
                 <a:ln w="6600">
-                  <a:solidFill>
-                    <a:schemeClr val="accent2"/>
-                  </a:solidFill>
+                  <a:noFill/>
                   <a:prstDash val="solid"/>
                 </a:ln>
                 <a:solidFill>
                   <a:schemeClr val="tx1"/>
                 </a:solidFill>
-                <a:effectLst>
-                  <a:outerShdw blurRad="38100" dist="38100" dir="2700000" algn="tl">
-                    <a:srgbClr val="000000">
-                      <a:alpha val="43137"/>
-                    </a:srgbClr>
-                  </a:outerShdw>
-                </a:effectLst>
+                <a:latin typeface="Open Sans" panose="020B0606030504020204" pitchFamily="34" charset="0"/>
+                <a:ea typeface="Open Sans" panose="020B0606030504020204" pitchFamily="34" charset="0"/>
+                <a:cs typeface="Open Sans" panose="020B0606030504020204" pitchFamily="34" charset="0"/>
               </a:rPr>
               <a:t>Next Lesson</a:t>
             </a:r>
@@ -3538,13 +3637,14 @@
   <p:tag name="ISPRING_WEBLINKS_TARGET" val="_self"/>
   <p:tag name="ISPRING_WEBLINKS_TARGETMJT" val="_self"/>
   <p:tag name="ISPRING_SCORM_PASSING_SCORE" val="80.000000"/>
-  <p:tag name="ISPRING-SUITE_ISPRING_PLAYERS_CUSTOMIZATION_2" val="{&quot;universal&quot;:{&quot;skinSettings&quot;:{&quot;borderRadius&quot;:10,&quot;colors&quot;:{&quot;asideBackground&quot;:{&quot;color&quot;:&quot;#EA7540&quot;,&quot;opacity&quot;:1,&quot;type&quot;:&quot;SOLID&quot;},&quot;asideElementBackgroundActive&quot;:{&quot;color&quot;:&quot;#414141&quot;,&quot;opacity&quot;:1,&quot;type&quot;:&quot;SOLID&quot;},&quot;asideElementBackgroundHover&quot;:{&quot;color&quot;:&quot;#FDAA84&quot;,&quot;opacity&quot;:1,&quot;type&quot;:&quot;SOLID&quot;},&quot;asideElementText&quot;:{&quot;color&quot;:&quot;#261813&quot;,&quot;opacity&quot;:1,&quot;type&quot;:&quot;SOLID&quot;},&quot;asideElementTextActive&quot;:{&quot;color&quot;:&quot;#FFFFFF&quot;,&quot;opacity&quot;:1,&quot;type&quot;:&quot;SOLID&quot;},&quot;asideElementTextHover&quot;:{&quot;color&quot;:&quot;#261813&quot;,&quot;opacity&quot;:1,&quot;type&quot;:&quot;SOLID&quot;},&quot;asideLogoBackground&quot;:{&quot;color&quot;:&quot;#EFF1F2&quot;,&quot;opacity&quot;:1,&quot;type&quot;:&quot;SOLID&quot;},&quot;pageBackground&quot;:{&quot;color&quot;:&quot;#F4E9E5&quot;,&quot;opacity&quot;:1,&quot;type&quot;:&quot;SOLID&quot;},&quot;playerBackground&quot;:{&quot;color&quot;:&quot;#FFFFFF&quot;,&quot;opacity&quot;:1,&quot;type&quot;:&quot;SOLID&quot;},&quot;playerText&quot;:{&quot;color&quot;:&quot;#616870&quot;,&quot;opacity&quot;:1,&quot;type&quot;:&quot;SOLID&quot;},&quot;primaryButtonBackground&quot;:{&quot;color&quot;:&quot;#374B5B&quot;,&quot;opacity&quot;:1,&quot;type&quot;:&quot;SOLID&quot;},&quot;primaryButtonBackgroundHover&quot;:{&quot;color&quot;:&quot;#EA7540&quot;,&quot;opacity&quot;:1,&quot;type&quot;:&quot;SOLID&quot;},&quot;primaryButtonBorder&quot;:{&quot;color&quot;:&quot;#374B5B&quot;,&quot;opacity&quot;:1,&quot;type&quot;:&quot;SOLID&quot;},&quot;primaryButtonBorderHover&quot;:{&quot;color&quot;:&quot;#EA7540&quot;,&quot;opacity&quot;:1,&quot;type&quot;:&quot;SOLID&quot;},&quot;primaryButtonText&quot;:{&quot;color&quot;:&quot;#FFFFFF&quot;,&quot;opacity&quot;:1,&quot;type&quot;:&quot;SOLID&quot;},&quot;primaryButtonTextHover&quot;:{&quot;color&quot;:&quot;#FFFFFF&quot;,&quot;opacity&quot;:1,&quot;type&quot;:&quot;SOLID&quot;},&quot;secondaryButtonBackground&quot;:{&quot;color&quot;:&quot;#F1F2F4&quot;,&quot;opacity&quot;:1,&quot;type&quot;:&quot;SOLID&quot;},&quot;secondaryButtonBackgroundHover&quot;:{&quot;color&quot;:&quot;#E5E5E5&quot;,&quot;opacity&quot;:1,&quot;type&quot;:&quot;SOLID&quot;},&quot;secondaryButtonBorder&quot;:{&quot;color&quot;:&quot;#F1F2F4&quot;,&quot;opacity&quot;:1,&quot;type&quot;:&quot;SOLID&quot;},&quot;secondaryButtonBorderHover&quot;:{&quot;color&quot;:&quot;#E5E5E5&quot;,&quot;opacity&quot;:1,&quot;type&quot;:&quot;SOLID&quot;},&quot;secondaryButtonText&quot;:{&quot;color&quot;:&quot;#616870&quot;,&quot;opacity&quot;:1,&quot;type&quot;:&quot;SOLID&quot;},&quot;secondaryButtonTextHover&quot;:{&quot;color&quot;:&quot;#616870&quot;,&quot;opacity&quot;:1,&quot;type&quot;:&quot;SOLID&quot;}},&quot;controlPanel&quot;:{&quot;navigationMode&quot;:&quot;bySlides&quot;,&quot;progressBar&quot;:{&quot;enabled&quot;:true,&quot;mode&quot;:&quot;presentationTimeline&quot;,&quot;showLabels&quot;:true,&quot;visible&quot;:false},&quot;showCCButton&quot;:false,&quot;showNextButton&quot;:true,&quot;showOutline&quot;:false,&quot;showPlayPause&quot;:false,&quot;showPlaybackRateButton&quot;:false,&quot;showPrevButton&quot;:true,&quot;showRewind&quot;:false,&quot;showSlideNumbers&quot;:true,&quot;showSlideOnlyButton&quot;:true,&quot;showTimer&quot;:true,&quot;showVolumeControl&quot;:false,&quot;visible&quot;:true},&quot;fontFamily&quot;:&quot;Arial&quot;,&quot;miniskinCustomizationEnabled&quot;:false,&quot;outlinePanel&quot;:{&quot;highlightViewedEntries&quot;:false,&quot;multilevel&quot;:true,&quot;numberEntries&quot;:true,&quot;search&quot;:true,&quot;thumbnails&quot;:true},&quot;sidePanel&quot;:{&quot;showAtLeft&quot;:false,&quot;showLogo&quot;:false,&quot;showNotes&quot;:false,&quot;showOutline&quot;:false,&quot;showPresenterInfo&quot;:false,&quot;showPresenterVideo&quot;:false,&quot;visible&quot;:false},&quot;titlePanel&quot;:{&quot;buttons&quot;:[&quot;attachments&quot;,&quot;markerTools&quot;,&quot;presenterInfo&quot;],&quot;buttonsAtLeft&quot;:true,&quot;courseTitleVisible&quot;:true,&quot;showLogo&quot;:false,&quot;visible&quot;:false},&quot;version&quot;:&quot;1.1&quot;},&quot;skinMessages&quot;:{&quot;PB_ACCESSIBLE_ARIA_LABEL_BACK_TO_BEGIN&quot;:&quot;Go to the beginning of the slide&quot;,&quot;PB_ACCESSIBLE_ARIA_LABEL_BOTTOM_PANEL&quot;:&quot;Bottom Bar&quot;,&quot;PB_ACCESSIBLE_ARIA_LABEL_NAVIGATION_BUTTONS&quot;:&quot;Navigation buttons&quot;,&quot;PB_ACCESSIBLE_ARIA_LABEL_SETTINGS&quot;:&quot;Accessibility Settings&quot;,&quot;PB_ACCESSIBLE_ARIA_LABEL_SLIDE&quot;:&quot;Slide&quot;,&quot;PB_ACCESSIBLE_ARIA_LABEL_TOP_PANEL&quot;:&quot;Top Bar&quot;,&quot;PB_ACCESSIBLE_AUDIO_NARRATION_LABEL&quot;:&quot;Audio narration&quot;,&quot;PB_ACCESSIBLE_NAVIGATION_NEXT_BUTTON&quot;:&quot;Next&quot;,&quot;PB_ACCESSIBLE_NAVIGATION_PREV_BUTTON&quot;:&quot;Previous&quot;,&quot;PB_ACCESSIBLE_SKIN_ENABLE_ACCESSIBILITY_MODE&quot;:&quot;Turn on accessibility mode&quot;,&quot;PB_ACCESSIBLE_SKIN_ENABLE_NORMAL_MODE&quot;:&quot;Turn off accessibility mode&quot;,&quot;PB_ACCESSIBLE_SKIN_PRESENTER_PHOTO&quot;:&quot;Presenter photo&quot;,&quot;PB_ACCESSIBLE_SLIDE_N_OF_COUNT&quot;:&quot;Slide %SLIDE_NUMBER% of %TOTAL_SLIDES%&quot;,&quot;PB_ACCESSIBLE_VIDEO_NARRATION_LABEL&quot;:&quot;Video narration&quot;,&quot;PB_ACCESSIBLE_WATERMARK_SKIN_CREATED_WITH&quot;:&quot;Created with iSpring evaluation version&quot;,&quot;PB_ATTACHMENT_DOCUMENT_SUBTITLE&quot;:&quot;Document&quot;,&quot;PB_ATTACHMENT_FILE_SUBTITLE&quot;:&quot;File&quot;,&quot;PB_ATTACHMENT_IMAGE_SUBTITLE&quot;:&quot;Picture&quot;,&quot;PB_ATTACHMENT_LINK_SUBTITLE&quot;:&quot;Link&quot;,&quot;PB_ATTACHMENT_VIDEO_SUBTITLE&quot;:&quot;Video&quot;,&quot;PB_BACK_TO_APP_BUTTON_LABEL&quot;:&quot;Go back&quot;,&quot;PB_CC_MENU_OFF&quot;:&quot;Off&quot;,&quot;PB_CC_MENU_ON&quot;:&quot;On&quot;,&quot;PB_CC_MENU_TITLE&quot;:&quot;Notes&quot;,&quot;PB_CONTROL_PANEL_CLOSED_CAPTIONS&quot;:&quot;Notes&quot;,&quot;PB_CONTROL_PANEL_EXIT_FULL_SCREEN&quot;:&quot;Exit full screen&quot;,&quot;PB_CONTROL_PANEL_FULL_SCREEN&quot;:&quot;Full screen&quot;,&quot;PB_CONTROL_PANEL_NEXT&quot;:&quot;Next&quot;,&quot;PB_CONTROL_PANEL_OUTLINE&quot;:&quot;Outline&quot;,&quot;PB_CONTROL_PANEL_PREV&quot;:&quot;&quot;,&quot;PB_CONTROL_PANEL_REPLAY&quot;:&quot;Replay&quot;,&quot;PB_CONTROL_PANEL_SLIDE_COUNTER&quot;:&quot;%SLIDE_NUMBER% of %TOTAL_SLIDES%&quot;,&quot;PB_CONTROL_PANEL_VOLUME_CONTROL&quot;:&quot;Volume&quot;,&quot;PB_CURRENT_SLIDE_IS_NOT_COMPLETED&quot;:&quot;Complete the slide to go to the next one.&quot;,&quot;PB_DOMAIN_RESTRICTION&quot;:&quot;Sorry, the content author has prohibited sharing the presentation on this domain.&quot;,&quot;PB_DRAWING_TOOLS_END_DRAWING&quot;:&quot;Finish drawing&quot;,&quot;PB_DRAWING_TOOLS_ERASER&quot;:&quot;Eraser&quot;,&quot;PB_DRAWING_TOOLS_ERASE_ALL&quot;:&quot;Erase all&quot;,&quot;PB_DRAWING_TOOLS_HIGHLIGHTER&quot;:&quot;Highlighter&quot;,&quot;PB_DRAWING_TOOLS_PEN&quot;:&quot;Pen&quot;,&quot;PB_ENTER_PASSWORD&quot;:&quot;Enter the password to view this presentation.&quot;,&quot;PB_INCORRECT_PASSWORD&quot;:&quot;Incorrect password.&quot;,&quot;PB_INTERACTION_SLIDE_WINDOW_TEXT&quot;:&quot;To advance to the next slide, complete this interaction.&quot;,&quot;PB_MESSAGE_BOX_NO&quot;:&quot;No&quot;,&quot;PB_MESSAGE_BOX_OK&quot;:&quot;OK&quot;,&quot;PB_MESSAGE_BOX_YES&quot;:&quot;Yes&quot;,&quot;PB_NAVIGATION_IS_RESTRICTED&quot;:&quot;You can only view slides in order.&quot;,&quot;PB_NAVIGATION_IS_SEQUENTIAL&quot;:&quot;You can only view slides in order.&quot;,&quot;PB_PLAYBACK_RATE_MENU_CAPTION&quot;:&quot;Speed&quot;,&quot;PB_PRECEDING_QUIZ_FAILED_WINDOW_TEXT&quot;:&quot;You haven't passed the quiz on slide %SLIDE_INDEX% and can't advance to the next slide.&quot;,&quot;PB_PRECEDING_QUIZ_NOT_COMPLETED_WINDOW_TEXT&quot;:&quot;To advance to this slide, complete the quiz on slide %SLIDE_INDEX%.&quot;,&quot;PB_PRECEDING_QUIZ_NOT_PASSED_WINDOW_TEXT&quot;:&quot;To advance to this slide, you need to pass the quiz on slide %SLIDE_INDEX%.&quot;,&quot;PB_PRECEDING_SCENARIO_FAILED_WINDOW_TEXT&quot;:&quot;You haven't passed the role-play on slide %SLIDE_INDEX% and can't advance to the next slide.&quot;,&quot;PB_PRECEDING_SCENARIO_NOT_COMPLETED_WINDOW_TEXT&quot;:&quot;To advance to this slide, complete the role-play on slide %SLIDE_INDEX%.&quot;,&quot;PB_PRECEDING_SCENARIO_NOT_PASSED_WINDOW_TEXT&quot;:&quot;To advance to this slide, you need to pass the role-play on slide %SLIDE_INDEX%.&quot;,&quot;PB_PRESENTER_COLLAPSE_BIO&quot;:&quot;Show less&quot;,&quot;PB_PRESENTER_EMAIL&quot;:&quot;Email&quot;,&quot;PB_PRESENTER_EXPAND_BIO&quot;:&quot;Show more&quot;,&quot;PB_PRESENTER_NO_INFO&quot;:&quot;No presenter info.&quot;,&quot;PB_PRESENTER_WEBSITE&quot;:&quot;Website&quot;,&quot;PB_QUIZ_SLIDE_WINDOW_TEXT&quot;:&quot;To advance to the next slide, complete this quiz.&quot;,&quot;PB_RATE_MENU_CAPTION&quot;:&quot;Speed&quot;,&quot;PB_RATE_MENU_DEFAULT_RATE&quot;:&quot;Normal&quot;,&quot;PB_RESUME_PRESENTATION_WINDOW_TEXT&quot;:&quot;Do you want to resume where you left off?&quot;,&quot;PB_SCENARIO_SLIDE_WINDOW_TEXT&quot;:&quot;To advance to the next slide, complete this role-play.&quot;,&quot;PB_SEARCH_CANCEL&quot;:&quot;Cancel&quot;,&quot;PB_SEARCH_NO_RESULTS_LABEL&quot;:&quot;No matches found.&quot;,&quot;PB_SEARCH_PANEL_DEFAULT_TEXT&quot;:&quot;Search…&quot;,&quot;PB_SEARCH_RESULTS_LABEL&quot;:&quot;Search results&quot;,&quot;PB_SEARCH_RESULT_IN_NOTES&quot;:&quot;in notes&quot;,&quot;PB_SEARCH_RESULT_IN_TEXT_LABEL&quot;:&quot;in slide&quot;,&quot;PB_SUBTITLES_MENU_CAPTION&quot;:&quot;Subtitles&quot;,&quot;PB_SUBTITLES_OFF&quot;:&quot;Off&quot;,&quot;PB_TAB_NOTES_LABEL&quot;:&quot;Notes&quot;,&quot;PB_TAB_OUTLINE_LABEL&quot;:&quot;Slides&quot;,&quot;PB_TIME_RESTRICTION&quot;:&quot;Sorry, the content author has prohibited viewing the presentation at this time.&quot;,&quot;PB_TITLE_PANEL_ATTACHMENTS&quot;:&quot;Resources&quot;,&quot;PB_TITLE_PANEL_MARKER_TOOLS&quot;:&quot;Drawing&quot;,&quot;PB_TITLE_PANEL_NOTES&quot;:&quot;Notes&quot;,&quot;PB_TITLE_PANEL_OUTLINE&quot;:&quot;Outline&quot;,&quot;PB_TITLE_PANEL_PRESENTER_INFO&quot;:&quot;Presenter Info&quot;,&quot;PB_TREE_CONTROL_LOADING&quot;:&quot;Loading…&quot;,&quot;PB_VIDEO_WINDOW_NO_VIDEO_LABEL&quot;:&quot;No video&quot;},&quot;playbackAndNavigationSettings&quot;:{&quot;autoStart&quot;:true,&quot;saveAnimationStates&quot;:true,&quot;loopPresentation&quot;:false,&quot;autoPlayAnimations&quot;:false,&quot;autoPlayAnimationsTime&quot;:1,&quot;navigationType&quot;:&quot;LIMITED&quot;,&quot;resumeMode&quot;:&quot;PROMPT&quot;,&quot;enableKeyboardNavigation&quot;:true},&quot;keyboardSettings&quot;:&quot;&quot;,&quot;skinVersion&quot;:3,&quot;skinCompatibleVersion&quot;:0,&quot;publishSettings&quot;:{&quot;backgroundColor&quot;:&quot;#F4E9E5&quot;,&quot;playerDimensions&quot;:{&quot;height&quot;:92,&quot;width&quot;:16},&quot;playerModule&quot;:&quot;UniversalHtml&quot;,&quot;presentationContent&quot;:{&quot;metadata&quot;:{&quot;references&quot;:false,&quot;texts&quot;:[&quot;DT_HYPERLINK_TOOLTIP&quot;]},&quot;resources&quot;:{&quot;attachments&quot;:false,&quot;fonts&quot;:[{&quot;charsets&quot;:{&quot;dynamicFormatted&quot;:[&quot;DCT_INTERACTIVITY_TEXT&quot;,&quot;DCT_INTERACTIVITY_SEMIBOLD_TEXT&quot;],&quot;dynamicPlain&quot;:[&quot;DCT_HYPERLINK_TOOLTIP&quot;],&quot;static&quot;:[&quot;Next&quot;,&quot;Full screen&quot;,&quot;Exit full screen&quot;,&quot;%SLIDE_NUMBER% of %TOTAL_SLIDES%&quot;,&quot;Yes&quot;,&quot;No&quot;,&quot;OK&quot;,&quot;Do you want to resume where you left off?&quot;,&quot;Complete the slide to go to the next one.&quot;,&quot;You can only view slides in order.&quot;,&quot;To advance to the next slide, complete this quiz.&quot;,&quot;To advance to this slide, you need to pass the quiz on slide %SLIDE_INDEX%.&quot;,&quot;To advance to this slide, complete the quiz on slide %SLIDE_INDEX%.&quot;,&quot;You haven't passed the quiz on slide %SLIDE_INDEX% and can't advance to the next slide.&quot;,&quot;To advance to the next slide, complete this interaction.&quot;,&quot;To advance to the next slide, complete this role-play.&quot;,&quot;To advance to this slide, you need to pass the role-play on slide %SLIDE_INDEX%.&quot;,&quot;To advance to this slide, complete the role-play on slide %SLIDE_INDEX%.&quot;,&quot;You haven't passed the role-play on slide %SLIDE_INDEX% and can't advance to the next slide.&quot;,&quot;Enter the password to view this presentation.&quot;,&quot;Incorrect password.&quot;,&quot;Sorry, the content author has prohibited sharing the presentation on this domain.&quot;,&quot;Sorry, the content author has prohibited viewing the presentation at this time.&quot;,&quot;Go back&quot;]},&quot;embedName&quot;:&quot;PFn&quot;,&quot;fontFamily&quot;:&quot;Arial&quot;,&quot;isBold&quot;:false,&quot;isItalic&quot;:false,&quot;isSemibold&quot;:false,&quot;substituteFontFamily&quot;:&quot;Arial&quot;},{&quot;charsets&quot;:{&quot;dynamicFormatted&quot;:[&quot;DCT_INTERACTIVITY_TEXT&quot;,&quot;DCT_INTERACTIVITY_SEMIBOLD_TEXT&quot;],&quot;dynamicPlain&quot;:[&quot;DCT_HYPERLINK_TOOLTIP&quot;],&quot;static&quot;:[&quot;Next&quot;,&quot;Full screen&quot;,&quot;Exit full screen&quot;,&quot;%SLIDE_NUMBER% of %TOTAL_SLIDES%&quot;,&quot;Yes&quot;,&quot;No&quot;,&quot;OK&quot;,&quot;Do you want to resume where you left off?&quot;,&quot;Complete the slide to go to the next one.&quot;,&quot;You can only view slides in order.&quot;,&quot;To advance to the next slide, complete this quiz.&quot;,&quot;To advance to this slide, you need to pass the quiz on slide %SLIDE_INDEX%.&quot;,&quot;To advance to this slide, complete the quiz on slide %SLIDE_INDEX%.&quot;,&quot;You haven't passed the quiz on slide %SLIDE_INDEX% and can't advance to the next slide.&quot;,&quot;To advance to the next slide, complete this interaction.&quot;,&quot;To advance to the next slide, complete this role-play.&quot;,&quot;To advance to this slide, you need to pass the role-play on slide %SLIDE_INDEX%.&quot;,&quot;To advance to this slide, complete the role-play on slide %SLIDE_INDEX%.&quot;,&quot;You haven't passed the role-play on slide %SLIDE_INDEX% and can't advance to the next slide.&quot;,&quot;Enter the password to view this presentation.&quot;,&quot;Incorrect password.&quot;,&quot;Sorry, the content author has prohibited sharing the presentation on this domain.&quot;,&quot;Sorry, the content author has prohibited viewing the presentation at this time.&quot;,&quot;Go back&quot;]},&quot;embedName&quot;:&quot;PFnb&quot;,&quot;fontFamily&quot;:&quot;Arial&quot;,&quot;isBold&quot;:true,&quot;isItalic&quot;:false,&quot;isSemibold&quot;:false,&quot;substituteFontFamily&quot;:&quot;Arial&quot;},{&quot;charsets&quot;:{&quot;dynamicFormatted&quot;:[&quot;DCT_INTERACTIVITY_TEXT&quot;,&quot;DCT_INTERACTIVITY_SEMIBOLD_TEXT&quot;],&quot;dynamicPlain&quot;:[&quot;DCT_HYPERLINK_TOOLTIP&quot;],&quot;static&quot;:[&quot;Next&quot;,&quot;Full screen&quot;,&quot;Exit full screen&quot;,&quot;%SLIDE_NUMBER% of %TOTAL_SLIDES%&quot;,&quot;Yes&quot;,&quot;No&quot;,&quot;OK&quot;,&quot;Do you want to resume where you left off?&quot;,&quot;Complete the slide to go to the next one.&quot;,&quot;You can only view slides in order.&quot;,&quot;To advance to the next slide, complete this quiz.&quot;,&quot;To advance to this slide, you need to pass the quiz on slide %SLIDE_INDEX%.&quot;,&quot;To advance to this slide, complete the quiz on slide %SLIDE_INDEX%.&quot;,&quot;You haven't passed the quiz on slide %SLIDE_INDEX% and can't advance to the next slide.&quot;,&quot;To advance to the next slide, complete this interaction.&quot;,&quot;To advance to the next slide, complete this role-play.&quot;,&quot;To advance to this slide, you need to pass the role-play on slide %SLIDE_INDEX%.&quot;,&quot;To advance to this slide, complete the role-play on slide %SLIDE_INDEX%.&quot;,&quot;You haven't passed the role-play on slide %SLIDE_INDEX% and can't advance to the next slide.&quot;,&quot;Enter the password to view this presentation.&quot;,&quot;Incorrect password.&quot;,&quot;Sorry, the content author has prohibited sharing the presentation on this domain.&quot;,&quot;Sorry, the content author has prohibited viewing the presentation at this time.&quot;,&quot;Go back&quot;]},&quot;embedName&quot;:&quot;PFni&quot;,&quot;fontFamily&quot;:&quot;Arial&quot;,&quot;isBold&quot;:false,&quot;isItalic&quot;:true,&quot;isSemibold&quot;:false,&quot;substituteFontFamily&quot;:&quot;Arial&quot;},{&quot;charsets&quot;:{&quot;dynamicFormatted&quot;:[&quot;DCT_INTERACTIVITY_TEXT&quot;,&quot;DCT_INTERACTIVITY_SEMIBOLD_TEXT&quot;],&quot;dynamicPlain&quot;:[&quot;DCT_HYPERLINK_TOOLTIP&quot;],&quot;static&quot;:[&quot;Next&quot;,&quot;Full screen&quot;,&quot;Exit full screen&quot;,&quot;%SLIDE_NUMBER% of %TOTAL_SLIDES%&quot;,&quot;Yes&quot;,&quot;No&quot;,&quot;OK&quot;,&quot;Do you want to resume where you left off?&quot;,&quot;Complete the slide to go to the next one.&quot;,&quot;You can only view slides in order.&quot;,&quot;To advance to the next slide, complete this quiz.&quot;,&quot;To advance to this slide, you need to pass the quiz on slide %SLIDE_INDEX%.&quot;,&quot;To advance to this slide, complete the quiz on slide %SLIDE_INDEX%.&quot;,&quot;You haven't passed the quiz on slide %SLIDE_INDEX% and can't advance to the next slide.&quot;,&quot;To advance to the next slide, complete this interaction.&quot;,&quot;To advance to the next slide, complete this role-play.&quot;,&quot;To advance to this slide, you need to pass the role-play on slide %SLIDE_INDEX%.&quot;,&quot;To advance to this slide, complete the role-play on slide %SLIDE_INDEX%.&quot;,&quot;You haven't passed the role-play on slide %SLIDE_INDEX% and can't advance to the next slide.&quot;,&quot;Enter the password to view this presentation.&quot;,&quot;Incorrect password.&quot;,&quot;Sorry, the content author has prohibited sharing the presentation on this domain.&quot;,&quot;Sorry, the content author has prohibited viewing the presentation at this time.&quot;,&quot;Go back&quot;]},&quot;embedName&quot;:&quot;PFnbi&quot;,&quot;fontFamily&quot;:&quot;Arial&quot;,&quot;isBold&quot;:true,&quot;isItalic&quot;:true,&quot;isSemibold&quot;:false,&quot;substituteFontFamily&quot;:&quot;Arial&quot;},{&quot;charsets&quot;:{&quot;dynamicFormatted&quot;:[&quot;DCT_INTERACTIVITY_TEXT&quot;,&quot;DCT_INTERACTIVITY_SEMIBOLD_TEXT&quot;],&quot;dynamicPlain&quot;:[&quot;DCT_HYPERLINK_TOOLTIP&quot;],&quot;static&quot;:[&quot;Next&quot;,&quot;Full screen&quot;,&quot;Exit full screen&quot;,&quot;%SLIDE_NUMBER% of %TOTAL_SLIDES%&quot;,&quot;Yes&quot;,&quot;No&quot;,&quot;OK&quot;,&quot;Do you want to resume where you left off?&quot;,&quot;Complete the slide to go to the next one.&quot;,&quot;You can only view slides in order.&quot;,&quot;To advance to the next slide, complete this quiz.&quot;,&quot;To advance to this slide, you need to pass the quiz on slide %SLIDE_INDEX%.&quot;,&quot;To advance to this slide, complete the quiz on slide %SLIDE_INDEX%.&quot;,&quot;You haven't passed the quiz on slide %SLIDE_INDEX% and can't advance to the next slide.&quot;,&quot;To advance to the next slide, complete this interaction.&quot;,&quot;To advance to the next slide, complete this role-play.&quot;,&quot;To advance to this slide, you need to pass the role-play on slide %SLIDE_INDEX%.&quot;,&quot;To advance to this slide, complete the role-play on slide %SLIDE_INDEX%.&quot;,&quot;You haven't passed the role-play on slide %SLIDE_INDEX% and can't advance to the next slide.&quot;,&quot;Enter the password to view this presentation.&quot;,&quot;Incorrect password.&quot;,&quot;Sorry, the content author has prohibited sharing the presentation on this domain.&quot;,&quot;Sorry, the content author has prohibited viewing the presentation at this time.&quot;,&quot;Go back&quot;]},&quot;embedName&quot;:&quot;PFnsb&quot;,&quot;fontFamily&quot;:&quot;Arial&quot;,&quot;isBold&quot;:false,&quot;isItalic&quot;:false,&quot;isSemibold&quot;:true,&quot;substituteFontFamily&quot;:&quot;Arial&quot;},{&quot;charsets&quot;:{&quot;dynamicFormatted&quot;:[&quot;DCT_INTERACTIVITY_TEXT&quot;,&quot;DCT_INTERACTIVITY_SEMIBOLD_TEXT&quot;],&quot;dynamicPlain&quot;:[&quot;DCT_HYPERLINK_TOOLTIP&quot;],&quot;static&quot;:[&quot;Next&quot;,&quot;Full screen&quot;,&quot;Exit full screen&quot;,&quot;%SLIDE_NUMBER% of %TOTAL_SLIDES%&quot;,&quot;Yes&quot;,&quot;No&quot;,&quot;OK&quot;,&quot;Do you want to resume where you left off?&quot;,&quot;Complete the slide to go to the next one.&quot;,&quot;You can only view slides in order.&quot;,&quot;To advance to the next slide, complete this quiz.&quot;,&quot;To advance to this slide, you need to pass the quiz on slide %SLIDE_INDEX%.&quot;,&quot;To advance to this slide, complete the quiz on slide %SLIDE_INDEX%.&quot;,&quot;You haven't passed the quiz on slide %SLIDE_INDEX% and can't advance to the next slide.&quot;,&quot;To advance to the next slide, complete this interaction.&quot;,&quot;To advance to the next slide, complete this role-play.&quot;,&quot;To advance to this slide, you need to pass the role-play on slide %SLIDE_INDEX%.&quot;,&quot;To advance to this slide, complete the role-play on slide %SLIDE_INDEX%.&quot;,&quot;You haven't passed the role-play on slide %SLIDE_INDEX% and can't advance to the next slide.&quot;,&quot;Enter the password to view this presentation.&quot;,&quot;Incorrect password.&quot;,&quot;Sorry, the content author has prohibited sharing the presentation on this domain.&quot;,&quot;Sorry, the content author has prohibited viewing the presentation at this time.&quot;,&quot;Go back&quot;]},&quot;embedName&quot;:&quot;PFnsbi&quot;,&quot;fontFamily&quot;:&quot;Arial&quot;,&quot;isBold&quot;:false,&quot;isItalic&quot;:true,&quot;isSemibold&quot;:true,&quot;substituteFontFamily&quot;:&quot;Arial&quot;}],&quot;interactivity&quot;:{&quot;fullSupport&quot;:true}}}},&quot;ceipData&quot;:{&quot;enableMiniSkinCustomization&quot;:false,&quot;playerLayout&quot;:&quot;custom&quot;,&quot;playerLayoutFooter&quot;:&quot;fullscreen,timer,slideNumber,goToPrev,goToNext&quot;,&quot;playerLayoutHeader&quot;:&quot;&quot;,&quot;playerLayoutHeaderButtonsPosition&quot;:&quot;&quot;,&quot;playerLayoutOutline&quot;:&quot;&quot;,&quot;playerLayoutProgress&quot;:&quot;&quot;,&quot;playerLayoutProgressMode&quot;:&quot;&quot;,&quot;playerLayoutSidebar&quot;:&quot;&quot;,&quot;playerLayoutSidebarPosition&quot;:&quot;&quot;,&quot;playerMessages&quot;:&quot;builtin.en&quot;,&quot;playerNavigationAutoStart&quot;:true,&quot;playerNavigationEnableKeyboardNavigation&quot;:true,&quot;playerNavigationMode&quot;:&quot;bySlides&quot;,&quot;playerNavigationOnRestart&quot;:&quot;prompt&quot;,&quot;playerNavigationSaveAnimationStates&quot;:true,&quot;playerNavigationType&quot;:&quot;restricted&quot;,&quot;playerTheme&quot;:&quot;custom&quot;,&quot;playerThemeBorderRadius&quot;:10,&quot;playerThemeColorScheme&quot;:&quot;builtin.lightOrange&quot;,&quot;playerThemeFont&quot;:&quot;Arial&quot;}},&quot;none&quot;:{&quot;skinSettings&quot;:{&quot;borderRadius&quot;:10,&quot;colors&quot;:{&quot;asideBackground&quot;:{&quot;color&quot;:&quot;#FFFFFF&quot;,&quot;opacity&quot;:1,&quot;type&quot;:&quot;SOLID&quot;},&quot;pageBackground&quot;:{&quot;color&quot;:&quot;#DCDEE0&quot;,&quot;opacity&quot;:1,&quot;type&quot;:&quot;SOLID&quot;},&quot;playerText&quot;:{&quot;color&quot;:&quot;#34383D&quot;,&quot;opacity&quot;:1,&quot;type&quot;:&quot;SOLID&quot;},&quot;primaryButtonBackground&quot;:{&quot;color&quot;:&quot;#5F8BD9&quot;,&quot;opacity&quot;:1,&quot;type&quot;:&quot;SOLID&quot;},&quot;primaryButtonBackgroundHover&quot;:{&quot;color&quot;:&quot;#5077BB&quot;,&quot;opacity&quot;:1,&quot;type&quot;:&quot;SOLID&quot;},&quot;primaryButtonBorder&quot;:{&quot;color&quot;:&quot;#5F8BD9&quot;,&quot;opacity&quot;:1,&quot;type&quot;:&quot;SOLID&quot;},&quot;primaryButtonBorderHover&quot;:{&quot;color&quot;:&quot;#5077BB&quot;,&quot;opacity&quot;:1,&quot;type&quot;:&quot;SOLID&quot;},&quot;primaryButtonText&quot;:{&quot;color&quot;:&quot;#FFFFFF&quot;,&quot;opacity&quot;:1,&quot;type&quot;:&quot;SOLID&quot;},&quot;primaryButtonTextHover&quot;:{&quot;color&quot;:&quot;#FFFFFF&quot;,&quot;opacity&quot;:1,&quot;type&quot;:&quot;SOLID&quot;}},&quot;enablePlaybackRateControl&quot;:true,&quot;fontFamily&quot;:&quot;Arial&quot;,&quot;version&quot;:&quot;1.0&quot;},&quot;skinMessages&quot;:{&quot;PB_ACCESSIBLE_ARIA_LABEL_BACK_TO_BEGIN&quot;:&quot;Go to the beginning of the slide&quot;,&quot;PB_ACCESSIBLE_ARIA_LABEL_BOTTOM_PANEL&quot;:&quot;Bottom Bar&quot;,&quot;PB_ACCESSIBLE_ARIA_LABEL_NAVIGATION_BUTTONS&quot;:&quot;Navigation buttons&quot;,&quot;PB_ACCESSIBLE_ARIA_LABEL_SETTINGS&quot;:&quot;Accessibility Settings&quot;,&quot;PB_ACCESSIBLE_ARIA_LABEL_SLIDE&quot;:&quot;Slide&quot;,&quot;PB_ACCESSIBLE_ARIA_LABEL_TOP_PANEL&quot;:&quot;Top Bar&quot;,&quot;PB_ACCESSIBLE_AUDIO_NARRATION_LABEL&quot;:&quot;Audio narration&quot;,&quot;PB_ACCESSIBLE_NAVIGATION_NEXT_BUTTON&quot;:&quot;Next&quot;,&quot;PB_ACCESSIBLE_NAVIGATION_PREV_BUTTON&quot;:&quot;Previous&quot;,&quot;PB_ACCESSIBLE_PLAYER_SCENARIO_NOT_SUPPORTED&quot;:&quot;The role-play is not supported in the accessibility mode&quot;,&quot;PB_ACCESSIBLE_SKIN_ENABLE_ACCESSIBILITY_MODE&quot;:&quot;Turn on accessibility mode&quot;,&quot;PB_ACCESSIBLE_SKIN_ENABLE_NORMAL_MODE&quot;:&quot;Turn off accessibility mode&quot;,&quot;PB_ACCESSIBLE_VIDEO_NARRATION_LABEL&quot;:&quot;Video narration&quot;,&quot;PB_ACCESSIBLE_WATERMARK_SKIN_CREATED_WITH&quot;:&quot;Created with iSpring evaluation version&quot;,&quot;PB_BACK_TO_APP_BUTTON_LABEL&quot;:&quot;Go back&quot;,&quot;PB_CONTROL_PANEL_NEXT&quot;:&quot;Next&quot;,&quot;PB_CONTROL_PANEL_PREV&quot;:&quot;&quot;,&quot;PB_CURRENT_SLIDE_IS_NOT_COMPLETED&quot;:&quot;Complete the slide to go to the next one.&quot;,&quot;PB_DOMAIN_RESTRICTION&quot;:&quot;Sorry, the content author has prohibited sharing the presentation on this domain.&quot;,&quot;PB_ENTER_PASSWORD&quot;:&quot;Enter the password to view this presentation.&quot;,&quot;PB_INCORRECT_PASSWORD&quot;:&quot;Incorrect password.&quot;,&quot;PB_INTERACTION_SLIDE_WINDOW_TEXT&quot;:&quot;To advance to the next slide, complete this interaction.&quot;,&quot;PB_MESSAGE_BOX_NO&quot;:&quot;No&quot;,&quot;PB_MESSAGE_BOX_OK&quot;:&quot;OK&quot;,&quot;PB_MESSAGE_BOX_YES&quot;:&quot;Yes&quot;,&quot;PB_NAVIGATION_IS_RESTRICTED&quot;:&quot;You can only view slides in order.&quot;,&quot;PB_NAVIGATION_IS_SEQUENTIAL&quot;:&quot;You can only view slides in order.&quot;,&quot;PB_PLAYBACK_RATE_MENU_CAPTION&quot;:&quot;Speed&quot;,&quot;PB_PRECEDING_QUIZ_FAILED_WINDOW_TEXT&quot;:&quot;You haven't passed the quiz on slide %SLIDE_INDEX% and can't advance to the next slide.&quot;,&quot;PB_PRECEDING_QUIZ_NOT_COMPLETED_WINDOW_TEXT&quot;:&quot;To advance to this slide, complete the quiz on slide %SLIDE_INDEX%.&quot;,&quot;PB_PRECEDING_QUIZ_NOT_PASSED_WINDOW_TEXT&quot;:&quot;To advance to this slide, you need to pass the quiz on slide %SLIDE_INDEX%.&quot;,&quot;PB_PRECEDING_SCENARIO_FAILED_WINDOW_TEXT&quot;:&quot;You haven't passed the role-play on slide %SLIDE_INDEX% and can't advance to the next slide.&quot;,&quot;PB_PRECEDING_SCENARIO_NOT_COMPLETED_WINDOW_TEXT&quot;:&quot;To advance to this slide, complete the role-play on slide %SLIDE_INDEX%.&quot;,&quot;PB_PRECEDING_SCENARIO_NOT_PASSED_WINDOW_TEXT&quot;:&quot;To advance to this slide, you need to pass the role-play on slide %SLIDE_INDEX%.&quot;,&quot;PB_QUIZ_SLIDE_WINDOW_TEXT&quot;:&quot;To advance to the next slide, complete this quiz.&quot;,&quot;PB_RESTRICTION_MESSAGE_BOX_TITLE&quot;:&quot;Navigation is limited&quot;,&quot;PB_RESUME_PRESENTATION_WINDOW_TEXT&quot;:&quot;Do you want to resume where you left off?&quot;,&quot;PB_RESUME_PRESENTATION_WINDOW_TITLE&quot;:&quot;Resume Presentation&quot;,&quot;PB_SCENARIO_SLIDE_WINDOW_TEXT&quot;:&quot;To advance to the next slide, complete this role-play.&quot;,&quot;PB_SUBTITLES_MENU_CAPTION&quot;:&quot;Subtitles&quot;,&quot;PB_SUBTITLES_OFF&quot;:&quot;Off&quot;,&quot;PB_TIME_RESTRICTION&quot;:&quot;Sorry, the content author has prohibited viewing the presentation at this time.&quot;},&quot;playbackAndNavigationSettings&quot;:{&quot;autoStart&quot;:true,&quot;saveAnimationStates&quot;:true,&quot;loopPresentation&quot;:false,&quot;autoPlayAnimations&quot;:false,&quot;autoPlayAnimationsTime&quot;:1,&quot;navigationType&quot;:&quot;FREE&quot;,&quot;resumeMode&quot;:&quot;PROMPT&quot;,&quot;enableKeyboardNavigation&quot;:true},&quot;keyboardSettings&quot;:&quot;&quot;,&quot;skinVersion&quot;:2,&quot;skinCompatibleVersion&quot;:0,&quot;publishSettings&quot;:{&quot;backgroundColor&quot;:&quot;#DCDEE0&quot;,&quot;playerDimensions&quot;:{&quot;height&quot;:0,&quot;width&quot;:0},&quot;playerModule&quot;:&quot;NoneHtml&quot;,&quot;presentationContent&quot;:{&quot;resources&quot;:{&quot;attachments&quot;:false,&quot;fonts&quot;:[{&quot;charsets&quot;:{&quot;dynamicFormatted&quot;:[&quot;DCT_INTERACTIVITY_TEXT&quot;,&quot;DCT_INTERACTIVITY_SEMIBOLD_TEXT&quot;],&quot;dynamicPlain&quot;:[&quot;DCT_HYPERLINK_TOOLTIP&quot;],&quot;static&quot;:[&quot;Next&quot;,&quot;0123456789.,x&quot;,&quot;Speed&quot;,&quot;Yes&quot;,&quot;No&quot;,&quot;OK&quot;,&quot;Do you want to resume where you left off?&quot;,&quot;Complete the slide to go to the next one.&quot;,&quot;You can only view slides in order.&quot;,&quot;To advance to the next slide, complete this quiz.&quot;,&quot;To advance to this slide, you need to pass the quiz on slide %SLIDE_INDEX%.&quot;,&quot;To advance to this slide, complete the quiz on slide %SLIDE_INDEX%.&quot;,&quot;You haven't passed the quiz on slide %SLIDE_INDEX% and can't advance to the next slide.&quot;,&quot;To advance to the next slide, complete this interaction.&quot;,&quot;To advance to the next slide, complete this role-play.&quot;,&quot;To advance to this slide, you need to pass the role-play on slide %SLIDE_INDEX%.&quot;,&quot;To advance to this slide, complete the role-play on slide %SLIDE_INDEX%.&quot;,&quot;You haven't passed the role-play on slide %SLIDE_INDEX% and can't advance to the next slide.&quot;,&quot;Enter the password to view this presentation.&quot;,&quot;Incorrect password.&quot;,&quot;Sorry, the content author has prohibited sharing the presentation on this domain.&quot;,&quot;Sorry, the content author has prohibited viewing the presentation at this time.&quot;,&quot;Go back&quot;]},&quot;embedName&quot;:&quot;nPFn&quot;,&quot;fontFamily&quot;:&quot;Arial&quot;,&quot;isBold&quot;:false,&quot;isItalic&quot;:false,&quot;isSemibold&quot;:false,&quot;substituteFontFamily&quot;:&quot;Arial&quot;},{&quot;charsets&quot;:{&quot;dynamicFormatted&quot;:[&quot;DCT_INTERACTIVITY_TEXT&quot;,&quot;DCT_INTERACTIVITY_SEMIBOLD_TEXT&quot;],&quot;dynamicPlain&quot;:[&quot;DCT_HYPERLINK_TOOLTIP&quot;],&quot;static&quot;:[&quot;Next&quot;,&quot;0123456789.,x&quot;,&quot;Speed&quot;,&quot;Yes&quot;,&quot;No&quot;,&quot;OK&quot;,&quot;Do you want to resume where you left off?&quot;,&quot;Complete the slide to go to the next one.&quot;,&quot;You can only view slides in order.&quot;,&quot;To advance to the next slide, complete this quiz.&quot;,&quot;To advance to this slide, you need to pass the quiz on slide %SLIDE_INDEX%.&quot;,&quot;To advance to this slide, complete the quiz on slide %SLIDE_INDEX%.&quot;,&quot;You haven't passed the quiz on slide %SLIDE_INDEX% and can't advance to the next slide.&quot;,&quot;To advance to the next slide, complete this interaction.&quot;,&quot;To advance to the next slide, complete this role-play.&quot;,&quot;To advance to this slide, you need to pass the role-play on slide %SLIDE_INDEX%.&quot;,&quot;To advance to this slide, complete the role-play on slide %SLIDE_INDEX%.&quot;,&quot;You haven't passed the role-play on slide %SLIDE_INDEX% and can't advance to the next slide.&quot;,&quot;Enter the password to view this presentation.&quot;,&quot;Incorrect password.&quot;,&quot;Sorry, the content author has prohibited sharing the presentation on this domain.&quot;,&quot;Sorry, the content author has prohibited viewing the presentation at this time.&quot;,&quot;Go back&quot;]},&quot;embedName&quot;:&quot;nPFnb&quot;,&quot;fontFamily&quot;:&quot;Arial&quot;,&quot;isBold&quot;:true,&quot;isItalic&quot;:false,&quot;isSemibold&quot;:false,&quot;substituteFontFamily&quot;:&quot;Arial&quot;},{&quot;charsets&quot;:{&quot;dynamicFormatted&quot;:[&quot;DCT_INTERACTIVITY_TEXT&quot;,&quot;DCT_INTERACTIVITY_SEMIBOLD_TEXT&quot;],&quot;dynamicPlain&quot;:[&quot;DCT_HYPERLINK_TOOLTIP&quot;],&quot;static&quot;:[&quot;Next&quot;,&quot;0123456789.,x&quot;,&quot;Speed&quot;,&quot;Yes&quot;,&quot;No&quot;,&quot;OK&quot;,&quot;Do you want to resume where you left off?&quot;,&quot;Complete the slide to go to the next one.&quot;,&quot;You can only view slides in order.&quot;,&quot;To advance to the next slide, complete this quiz.&quot;,&quot;To advance to this slide, you need to pass the quiz on slide %SLIDE_INDEX%.&quot;,&quot;To advance to this slide, complete the quiz on slide %SLIDE_INDEX%.&quot;,&quot;You haven't passed the quiz on slide %SLIDE_INDEX% and can't advance to the next slide.&quot;,&quot;To advance to the next slide, complete this interaction.&quot;,&quot;To advance to the next slide, complete this role-play.&quot;,&quot;To advance to this slide, you need to pass the role-play on slide %SLIDE_INDEX%.&quot;,&quot;To advance to this slide, complete the role-play on slide %SLIDE_INDEX%.&quot;,&quot;You haven't passed the role-play on slide %SLIDE_INDEX% and can't advance to the next slide.&quot;,&quot;Enter the password to view this presentation.&quot;,&quot;Incorrect password.&quot;,&quot;Sorry, the content author has prohibited sharing the presentation on this domain.&quot;,&quot;Sorry, the content author has prohibited viewing the presentation at this time.&quot;,&quot;Go back&quot;]},&quot;embedName&quot;:&quot;nPFni&quot;,&quot;fontFamily&quot;:&quot;Arial&quot;,&quot;isBold&quot;:false,&quot;isItalic&quot;:true,&quot;isSemibold&quot;:false,&quot;substituteFontFamily&quot;:&quot;Arial&quot;},{&quot;charsets&quot;:{&quot;dynamicFormatted&quot;:[&quot;DCT_INTERACTIVITY_TEXT&quot;,&quot;DCT_INTERACTIVITY_SEMIBOLD_TEXT&quot;],&quot;dynamicPlain&quot;:[&quot;DCT_HYPERLINK_TOOLTIP&quot;],&quot;static&quot;:[&quot;Next&quot;,&quot;0123456789.,x&quot;,&quot;Speed&quot;,&quot;Yes&quot;,&quot;No&quot;,&quot;OK&quot;,&quot;Do you want to resume where you left off?&quot;,&quot;Complete the slide to go to the next one.&quot;,&quot;You can only view slides in order.&quot;,&quot;To advance to the next slide, complete this quiz.&quot;,&quot;To advance to this slide, you need to pass the quiz on slide %SLIDE_INDEX%.&quot;,&quot;To advance to this slide, complete the quiz on slide %SLIDE_INDEX%.&quot;,&quot;You haven't passed the quiz on slide %SLIDE_INDEX% and can't advance to the next slide.&quot;,&quot;To advance to the next slide, complete this interaction.&quot;,&quot;To advance to the next slide, complete this role-play.&quot;,&quot;To advance to this slide, you need to pass the role-play on slide %SLIDE_INDEX%.&quot;,&quot;To advance to this slide, complete the role-play on slide %SLIDE_INDEX%.&quot;,&quot;You haven't passed the role-play on slide %SLIDE_INDEX% and can't advance to the next slide.&quot;,&quot;Enter the password to view this presentation.&quot;,&quot;Incorrect password.&quot;,&quot;Sorry, the content author has prohibited sharing the presentation on this domain.&quot;,&quot;Sorry, the content author has prohibited viewing the presentation at this time.&quot;,&quot;Go back&quot;]},&quot;embedName&quot;:&quot;nPFnbi&quot;,&quot;fontFamily&quot;:&quot;Arial&quot;,&quot;isBold&quot;:true,&quot;isItalic&quot;:true,&quot;isSemibold&quot;:false,&quot;substituteFontFamily&quot;:&quot;Arial&quot;},{&quot;charsets&quot;:{&quot;dynamicFormatted&quot;:[&quot;DCT_INTERACTIVITY_TEXT&quot;,&quot;DCT_INTERACTIVITY_SEMIBOLD_TEXT&quot;],&quot;dynamicPlain&quot;:[&quot;DCT_HYPERLINK_TOOLTIP&quot;],&quot;static&quot;:[&quot;Next&quot;,&quot;0123456789.,x&quot;,&quot;Speed&quot;,&quot;Yes&quot;,&quot;No&quot;,&quot;OK&quot;,&quot;Do you want to resume where you left off?&quot;,&quot;Complete the slide to go to the next one.&quot;,&quot;You can only view slides in order.&quot;,&quot;To advance to the next slide, complete this quiz.&quot;,&quot;To advance to this slide, you need to pass the quiz on slide %SLIDE_INDEX%.&quot;,&quot;To advance to this slide, complete the quiz on slide %SLIDE_INDEX%.&quot;,&quot;You haven't passed the quiz on slide %SLIDE_INDEX% and can't advance to the next slide.&quot;,&quot;To advance to the next slide, complete this interaction.&quot;,&quot;To advance to the next slide, complete this role-play.&quot;,&quot;To advance to this slide, you need to pass the role-play on slide %SLIDE_INDEX%.&quot;,&quot;To advance to this slide, complete the role-play on slide %SLIDE_INDEX%.&quot;,&quot;You haven't passed the role-play on slide %SLIDE_INDEX% and can't advance to the next slide.&quot;,&quot;Enter the password to view this presentation.&quot;,&quot;Incorrect password.&quot;,&quot;Sorry, the content author has prohibited sharing the presentation on this domain.&quot;,&quot;Sorry, the content author has prohibited viewing the presentation at this time.&quot;,&quot;Go back&quot;]},&quot;embedName&quot;:&quot;nPFnsb&quot;,&quot;fontFamily&quot;:&quot;Arial&quot;,&quot;isBold&quot;:false,&quot;isItalic&quot;:false,&quot;isSemibold&quot;:true,&quot;substituteFontFamily&quot;:&quot;Arial&quot;},{&quot;charsets&quot;:{&quot;dynamicFormatted&quot;:[&quot;DCT_INTERACTIVITY_TEXT&quot;,&quot;DCT_INTERACTIVITY_SEMIBOLD_TEXT&quot;],&quot;dynamicPlain&quot;:[&quot;DCT_HYPERLINK_TOOLTIP&quot;],&quot;static&quot;:[&quot;Next&quot;,&quot;0123456789.,x&quot;,&quot;Speed&quot;,&quot;Yes&quot;,&quot;No&quot;,&quot;OK&quot;,&quot;Do you want to resume where you left off?&quot;,&quot;Complete the slide to go to the next one.&quot;,&quot;You can only view slides in order.&quot;,&quot;To advance to the next slide, complete this quiz.&quot;,&quot;To advance to this slide, you need to pass the quiz on slide %SLIDE_INDEX%.&quot;,&quot;To advance to this slide, complete the quiz on slide %SLIDE_INDEX%.&quot;,&quot;You haven't passed the quiz on slide %SLIDE_INDEX% and can't advance to the next slide.&quot;,&quot;To advance to the next slide, complete this interaction.&quot;,&quot;To advance to the next slide, complete this role-play.&quot;,&quot;To advance to this slide, you need to pass the role-play on slide %SLIDE_INDEX%.&quot;,&quot;To advance to this slide, complete the role-play on slide %SLIDE_INDEX%.&quot;,&quot;You haven't passed the role-play on slide %SLIDE_INDEX% and can't advance to the next slide.&quot;,&quot;Enter the password to view this presentation.&quot;,&quot;Incorrect password.&quot;,&quot;Sorry, the content author has prohibited sharing the presentation on this domain.&quot;,&quot;Sorry, the content author has prohibited viewing the presentation at this time.&quot;,&quot;Go back&quot;]},&quot;embedName&quot;:&quot;nPFnsbi&quot;,&quot;fontFamily&quot;:&quot;Arial&quot;,&quot;isBold&quot;:false,&quot;isItalic&quot;:true,&quot;isSemibold&quot;:true,&quot;substituteFontFamily&quot;:&quot;Arial&quot;}],&quot;interactivity&quot;:{&quot;fullSupport&quot;:true}}}},&quot;ceipData&quot;:{&quot;playerMessages&quot;:&quot;builtin.en&quot;,&quot;playerNavigationAcceleration&quot;:true,&quot;playerNavigationAutoStart&quot;:true,&quot;playerNavigationEnableKeyboardNavigation&quot;:true,&quot;playerNavigationOnRestart&quot;:&quot;prompt&quot;,&quot;playerNavigationSaveAnimationStates&quot;:true,&quot;playerNavigationType&quot;:&quot;free&quot;,&quot;playerTheme&quot;:&quot;builtin.lightBlue&quot;,&quot;playerThemeBorderRadius&quot;:10,&quot;playerThemeColorScheme&quot;:&quot;builtin.lightBlue&quot;,&quot;playerThemeFont&quot;:&quot;Arial&quot;}}}"/>
   <p:tag name="ISPRING_ULTRA_SCORM_COURCE_TITLE" val="report_mechanism"/>
   <p:tag name="ISPRING_PRESENTATION_TITLE" val="report_mechanism"/>
-  <p:tag name="ISPRING_RESOURCE_FOLDER" val="C:\Users\hp\Desktop\Projects\Nabad\Nabad\safeguarding\en\lessons\report_mechanism"/>
-  <p:tag name="ISPRING_PRESENTATION_PATH" val="C:\Users\hp\Desktop\Projects\Nabad\Nabad\safeguarding\en\lessons\report_mechanism.pptx"/>
   <p:tag name="ISPRING_OUTPUT_FOLDER" val="[[&quot;\uFFFD\uFFFDzV{57C549E0-46E2-4BE2-A8C6-FFFABDEA4AE1}&quot;,&quot;C:\\Users\\hp\\Desktop\\Projects\\Nabad\\Nabad\\safeguarding\\en\\lessons&quot;],[&quot;N\uFFFD\u0018\u0012{FE710B7D-E998-49F5-8687-981FF794AE92}&quot;,&quot;C:\\Users\\pc\\Desktop\\Nabad\\safeguarding\\en\\lessons&quot;]]"/>
-  <p:tag name="ISPRING_SCREEN_RECS_UPDATED" val="C:\Users\hp\Desktop\Projects\Nabad\Nabad\safeguarding\en\lessons\report_mechanism"/>
+  <p:tag name="ISPRING_RESOURCE_FOLDER" val="C:\Users\hp\Desktop\Projects\remove large files\Nabad\safeguarding\en\lessons\report_mechanism_1\"/>
+  <p:tag name="ISPRING_RESOURCE_FOLDER_STATIC" val="C:\Users\hp\Desktop\Projects\remove large files\Nabad\safeguarding\en\lessons\report_mechanism_1\"/>
+  <p:tag name="ISPRING_PRESENTATION_PATH" val="C:\Users\hp\Desktop\Projects\remove large files\Nabad\safeguarding\en\lessons\report_mechanism.pptx"/>
+  <p:tag name="ISPRING_SCREEN_RECS_UPDATED" val="C:\Users\hp\Desktop\Projects\remove large files\Nabad\safeguarding\en\lessons\report_mechanism_1\"/>
+  <p:tag name="ISPRING-SUITE_ISPRING_PLAYERS_CUSTOMIZATION_2" val="{&quot;universal&quot;:{&quot;skinSettings&quot;:{&quot;borderRadius&quot;:10,&quot;colors&quot;:{&quot;asideBackground&quot;:{&quot;color&quot;:&quot;#EA7540&quot;,&quot;opacity&quot;:1,&quot;type&quot;:&quot;SOLID&quot;},&quot;asideElementBackgroundActive&quot;:{&quot;color&quot;:&quot;#414141&quot;,&quot;opacity&quot;:1,&quot;type&quot;:&quot;SOLID&quot;},&quot;asideElementBackgroundHover&quot;:{&quot;color&quot;:&quot;#FDAA84&quot;,&quot;opacity&quot;:1,&quot;type&quot;:&quot;SOLID&quot;},&quot;asideElementText&quot;:{&quot;color&quot;:&quot;#261813&quot;,&quot;opacity&quot;:1,&quot;type&quot;:&quot;SOLID&quot;},&quot;asideElementTextActive&quot;:{&quot;color&quot;:&quot;#FFFFFF&quot;,&quot;opacity&quot;:1,&quot;type&quot;:&quot;SOLID&quot;},&quot;asideElementTextHover&quot;:{&quot;color&quot;:&quot;#261813&quot;,&quot;opacity&quot;:1,&quot;type&quot;:&quot;SOLID&quot;},&quot;asideLogoBackground&quot;:{&quot;color&quot;:&quot;#EFF1F2&quot;,&quot;opacity&quot;:1,&quot;type&quot;:&quot;SOLID&quot;},&quot;pageBackground&quot;:{&quot;color&quot;:&quot;#F4E9E5&quot;,&quot;opacity&quot;:1,&quot;type&quot;:&quot;SOLID&quot;},&quot;playerBackground&quot;:{&quot;color&quot;:&quot;#FFFFFF&quot;,&quot;opacity&quot;:1,&quot;type&quot;:&quot;SOLID&quot;},&quot;playerText&quot;:{&quot;color&quot;:&quot;#616870&quot;,&quot;opacity&quot;:1,&quot;type&quot;:&quot;SOLID&quot;},&quot;primaryButtonBackground&quot;:{&quot;color&quot;:&quot;#374B5B&quot;,&quot;opacity&quot;:1,&quot;type&quot;:&quot;SOLID&quot;},&quot;primaryButtonBackgroundHover&quot;:{&quot;color&quot;:&quot;#EA7540&quot;,&quot;opacity&quot;:1,&quot;type&quot;:&quot;SOLID&quot;},&quot;primaryButtonBorder&quot;:{&quot;color&quot;:&quot;#374B5B&quot;,&quot;opacity&quot;:1,&quot;type&quot;:&quot;SOLID&quot;},&quot;primaryButtonBorderHover&quot;:{&quot;color&quot;:&quot;#EA7540&quot;,&quot;opacity&quot;:1,&quot;type&quot;:&quot;SOLID&quot;},&quot;primaryButtonText&quot;:{&quot;color&quot;:&quot;#FFFFFF&quot;,&quot;opacity&quot;:1,&quot;type&quot;:&quot;SOLID&quot;},&quot;primaryButtonTextHover&quot;:{&quot;color&quot;:&quot;#FFFFFF&quot;,&quot;opacity&quot;:1,&quot;type&quot;:&quot;SOLID&quot;},&quot;secondaryButtonBackground&quot;:{&quot;color&quot;:&quot;#F1F2F4&quot;,&quot;opacity&quot;:1,&quot;type&quot;:&quot;SOLID&quot;},&quot;secondaryButtonBackgroundHover&quot;:{&quot;color&quot;:&quot;#E5E5E5&quot;,&quot;opacity&quot;:1,&quot;type&quot;:&quot;SOLID&quot;},&quot;secondaryButtonBorder&quot;:{&quot;color&quot;:&quot;#F1F2F4&quot;,&quot;opacity&quot;:1,&quot;type&quot;:&quot;SOLID&quot;},&quot;secondaryButtonBorderHover&quot;:{&quot;color&quot;:&quot;#E5E5E5&quot;,&quot;opacity&quot;:1,&quot;type&quot;:&quot;SOLID&quot;},&quot;secondaryButtonText&quot;:{&quot;color&quot;:&quot;#616870&quot;,&quot;opacity&quot;:1,&quot;type&quot;:&quot;SOLID&quot;},&quot;secondaryButtonTextHover&quot;:{&quot;color&quot;:&quot;#616870&quot;,&quot;opacity&quot;:1,&quot;type&quot;:&quot;SOLID&quot;}},&quot;controlPanel&quot;:{&quot;navigationMode&quot;:&quot;bySlides&quot;,&quot;progressBar&quot;:{&quot;enabled&quot;:true,&quot;mode&quot;:&quot;presentationTimeline&quot;,&quot;showLabels&quot;:true,&quot;visible&quot;:false},&quot;showCCButton&quot;:false,&quot;showNextButton&quot;:true,&quot;showOutline&quot;:false,&quot;showPlayPause&quot;:false,&quot;showPlaybackRateButton&quot;:false,&quot;showPrevButton&quot;:true,&quot;showRewind&quot;:false,&quot;showSlideNumbers&quot;:false,&quot;showSlideOnlyButton&quot;:true,&quot;showSubtitlesButton&quot;:false,&quot;showTimer&quot;:false,&quot;showVolumeControl&quot;:false,&quot;visible&quot;:true},&quot;fontFamily&quot;:&quot;Arial&quot;,&quot;miniskinCustomizationEnabled&quot;:false,&quot;outlinePanel&quot;:{&quot;highlightViewedEntries&quot;:false,&quot;multilevel&quot;:true,&quot;numberEntries&quot;:true,&quot;search&quot;:true,&quot;thumbnails&quot;:true},&quot;sidePanel&quot;:{&quot;showAtLeft&quot;:false,&quot;showLogo&quot;:false,&quot;showNotes&quot;:false,&quot;showOutline&quot;:false,&quot;showPresenterInfo&quot;:false,&quot;showPresenterVideo&quot;:false,&quot;visible&quot;:false},&quot;titlePanel&quot;:{&quot;buttons&quot;:[&quot;attachments&quot;,&quot;markerTools&quot;,&quot;presenterInfo&quot;],&quot;buttonsAtLeft&quot;:true,&quot;courseTitleVisible&quot;:true,&quot;showLogo&quot;:false,&quot;visible&quot;:false},&quot;version&quot;:&quot;1.2&quot;},&quot;skinMessages&quot;:{&quot;PB_ACCESSIBLE_ARIA_LABEL_BACK_TO_BEGIN&quot;:&quot;Go to the beginning of the slide&quot;,&quot;PB_ACCESSIBLE_ARIA_LABEL_BOTTOM_PANEL&quot;:&quot;Bottom Bar&quot;,&quot;PB_ACCESSIBLE_ARIA_LABEL_NAVIGATION_BUTTONS&quot;:&quot;Navigation buttons&quot;,&quot;PB_ACCESSIBLE_ARIA_LABEL_SETTINGS&quot;:&quot;Accessibility Settings&quot;,&quot;PB_ACCESSIBLE_ARIA_LABEL_SLIDE&quot;:&quot;Slide&quot;,&quot;PB_ACCESSIBLE_ARIA_LABEL_TOP_PANEL&quot;:&quot;Top Bar&quot;,&quot;PB_ACCESSIBLE_AUDIO_NARRATION_LABEL&quot;:&quot;Audio narration&quot;,&quot;PB_ACCESSIBLE_AUDIO_SUBTITLES_LABEL&quot;:&quot;Closed Captions&quot;,&quot;PB_ACCESSIBLE_NAVIGATION_NEXT_BUTTON&quot;:&quot;Next&quot;,&quot;PB_ACCESSIBLE_NAVIGATION_PREV_BUTTON&quot;:&quot;Previous&quot;,&quot;PB_ACCESSIBLE_SKIN_ENABLE_ACCESSIBILITY_MODE&quot;:&quot;Turn on accessibility mode&quot;,&quot;PB_ACCESSIBLE_SKIN_ENABLE_NORMAL_MODE&quot;:&quot;Turn off accessibility mode&quot;,&quot;PB_ACCESSIBLE_SKIN_PRESENTER_PHOTO&quot;:&quot;Presenter photo&quot;,&quot;PB_ACCESSIBLE_SLIDE_N_OF_COUNT&quot;:&quot;Slide %SLIDE_NUMBER% of %TOTAL_SLIDES%&quot;,&quot;PB_ACCESSIBLE_VIDEO_NARRATION_LABEL&quot;:&quot;Video narration&quot;,&quot;PB_ACCESSIBLE_WATERMARK_SKIN_CREATED_WITH&quot;:&quot;Created with iSpring evaluation version&quot;,&quot;PB_ATTACHMENT_DOCUMENT_SUBTITLE&quot;:&quot;Document&quot;,&quot;PB_ATTACHMENT_FILE_SUBTITLE&quot;:&quot;File&quot;,&quot;PB_ATTACHMENT_IMAGE_SUBTITLE&quot;:&quot;Picture&quot;,&quot;PB_ATTACHMENT_LINK_SUBTITLE&quot;:&quot;Link&quot;,&quot;PB_ATTACHMENT_VIDEO_SUBTITLE&quot;:&quot;Video&quot;,&quot;PB_BACK_TO_APP_BUTTON_LABEL&quot;:&quot;Go back&quot;,&quot;PB_CONTROL_PANEL_CLOSED_CAPTIONS&quot;:&quot;Notes&quot;,&quot;PB_CONTROL_PANEL_EXIT_FULL_SCREEN&quot;:&quot;Exit full screen&quot;,&quot;PB_CONTROL_PANEL_FULL_SCREEN&quot;:&quot;Full screen&quot;,&quot;PB_CONTROL_PANEL_NEXT&quot;:&quot;Next&quot;,&quot;PB_CONTROL_PANEL_OUTLINE&quot;:&quot;Outline&quot;,&quot;PB_CONTROL_PANEL_PREV&quot;:&quot;&quot;,&quot;PB_CONTROL_PANEL_REPLAY&quot;:&quot;Replay&quot;,&quot;PB_CONTROL_PANEL_SLIDE_COUNTER&quot;:&quot;%SLIDE_NUMBER% of %TOTAL_SLIDES%&quot;,&quot;PB_CONTROL_PANEL_SUBTITLES&quot;:&quot;Closed Captions&quot;,&quot;PB_CONTROL_PANEL_VOLUME_CONTROL&quot;:&quot;Volume&quot;,&quot;PB_CURRENT_SLIDE_IS_NOT_COMPLETED&quot;:&quot;Complete the slide to go to the next one.&quot;,&quot;PB_DOMAIN_RESTRICTION&quot;:&quot;Sorry, the content author has prohibited sharing the presentation on this domain.&quot;,&quot;PB_DRAWING_TOOLS_END_DRAWING&quot;:&quot;Finish drawing&quot;,&quot;PB_DRAWING_TOOLS_ERASER&quot;:&quot;Eraser&quot;,&quot;PB_DRAWING_TOOLS_ERASE_ALL&quot;:&quot;Erase all&quot;,&quot;PB_DRAWING_TOOLS_HIGHLIGHTER&quot;:&quot;Highlighter&quot;,&quot;PB_DRAWING_TOOLS_PEN&quot;:&quot;Pen&quot;,&quot;PB_ENTER_PASSWORD&quot;:&quot;Enter the password to view this presentation.&quot;,&quot;PB_INCORRECT_PASSWORD&quot;:&quot;Incorrect password.&quot;,&quot;PB_INTERACTION_SLIDE_WINDOW_TEXT&quot;:&quot;To advance to the next slide, complete this interaction.&quot;,&quot;PB_MESSAGE_BOX_NO&quot;:&quot;No&quot;,&quot;PB_MESSAGE_BOX_OK&quot;:&quot;OK&quot;,&quot;PB_MESSAGE_BOX_YES&quot;:&quot;Yes&quot;,&quot;PB_NAVIGATION_IS_RESTRICTED&quot;:&quot;You can only view slides in order.&quot;,&quot;PB_NAVIGATION_IS_SEQUENTIAL&quot;:&quot;You can only view slides in order.&quot;,&quot;PB_PLAYBACK_RATE_MENU_CAPTION&quot;:&quot;Speed&quot;,&quot;PB_PRECEDING_QUIZ_FAILED_WINDOW_TEXT&quot;:&quot;You haven't passed the quiz on slide %SLIDE_INDEX% and can't advance to the next slide.&quot;,&quot;PB_PRECEDING_QUIZ_NOT_COMPLETED_WINDOW_TEXT&quot;:&quot;To advance to this slide, complete the quiz on slide %SLIDE_INDEX%.&quot;,&quot;PB_PRECEDING_QUIZ_NOT_PASSED_WINDOW_TEXT&quot;:&quot;To advance to this slide, you need to pass the quiz on slide %SLIDE_INDEX%.&quot;,&quot;PB_PRECEDING_SCENARIO_FAILED_WINDOW_TEXT&quot;:&quot;You haven't passed the role-play on slide %SLIDE_INDEX% and can't advance to the next slide.&quot;,&quot;PB_PRECEDING_SCENARIO_NOT_COMPLETED_WINDOW_TEXT&quot;:&quot;To advance to this slide, complete the role-play on slide %SLIDE_INDEX%.&quot;,&quot;PB_PRECEDING_SCENARIO_NOT_PASSED_WINDOW_TEXT&quot;:&quot;To advance to this slide, you need to pass the role-play on slide %SLIDE_INDEX%.&quot;,&quot;PB_PRESENTER_COLLAPSE_BIO&quot;:&quot;Show less&quot;,&quot;PB_PRESENTER_EMAIL&quot;:&quot;Email&quot;,&quot;PB_PRESENTER_EXPAND_BIO&quot;:&quot;Show more&quot;,&quot;PB_PRESENTER_NO_INFO&quot;:&quot;No presenter info.&quot;,&quot;PB_PRESENTER_WEBSITE&quot;:&quot;Website&quot;,&quot;PB_QUIZ_SLIDE_WINDOW_TEXT&quot;:&quot;To advance to the next slide, complete this quiz.&quot;,&quot;PB_RATE_MENU_CAPTION&quot;:&quot;Speed&quot;,&quot;PB_RATE_MENU_DEFAULT_RATE&quot;:&quot;Normal&quot;,&quot;PB_RESUME_PRESENTATION_WINDOW_TEXT&quot;:&quot;Do you want to resume where you left off?&quot;,&quot;PB_SCENARIO_SLIDE_WINDOW_TEXT&quot;:&quot;To advance to the next slide, complete this role-play.&quot;,&quot;PB_SEARCH_CANCEL&quot;:&quot;Cancel&quot;,&quot;PB_SEARCH_NO_RESULTS_LABEL&quot;:&quot;No matches found.&quot;,&quot;PB_SEARCH_PANEL_DEFAULT_TEXT&quot;:&quot;Search…&quot;,&quot;PB_SEARCH_RESULTS_LABEL&quot;:&quot;Search results&quot;,&quot;PB_SEARCH_RESULT_IN_NOTES&quot;:&quot;in notes&quot;,&quot;PB_SEARCH_RESULT_IN_TEXT_LABEL&quot;:&quot;in slide&quot;,&quot;PB_SUBTITLES_MENU_CAPTION&quot;:&quot;Subtitles&quot;,&quot;PB_SUBTITLES_OFF&quot;:&quot;Off&quot;,&quot;PB_TAB_NOTES_LABEL&quot;:&quot;Notes&quot;,&quot;PB_TAB_OUTLINE_LABEL&quot;:&quot;Slides&quot;,&quot;PB_TIME_RESTRICTION&quot;:&quot;Sorry, the content author has prohibited viewing the presentation at this time.&quot;,&quot;PB_TITLE_PANEL_ATTACHMENTS&quot;:&quot;Resources&quot;,&quot;PB_TITLE_PANEL_MARKER_TOOLS&quot;:&quot;Drawing&quot;,&quot;PB_TITLE_PANEL_NOTES&quot;:&quot;Notes&quot;,&quot;PB_TITLE_PANEL_OUTLINE&quot;:&quot;Outline&quot;,&quot;PB_TITLE_PANEL_PRESENTER_INFO&quot;:&quot;Presenter Info&quot;,&quot;PB_TREE_CONTROL_LOADING&quot;:&quot;Loading…&quot;,&quot;PB_VIDEO_WINDOW_NO_VIDEO_LABEL&quot;:&quot;No video&quot;},&quot;playbackAndNavigationSettings&quot;:{&quot;autoStart&quot;:true,&quot;saveAnimationStates&quot;:true,&quot;loopPresentation&quot;:false,&quot;autoPlayAnimations&quot;:false,&quot;autoPlayAnimationsTime&quot;:1,&quot;navigationType&quot;:&quot;LIMITED&quot;,&quot;resumeMode&quot;:&quot;PROMPT&quot;,&quot;enableKeyboardNavigation&quot;:true},&quot;keyboardSettings&quot;:&quot;&quot;,&quot;skinVersion&quot;:3,&quot;skinCompatibleVersion&quot;:0,&quot;publishSettings&quot;:{&quot;backgroundColor&quot;:&quot;#F4E9E5&quot;,&quot;playerDimensions&quot;:{&quot;height&quot;:92,&quot;width&quot;:16},&quot;playerModule&quot;:&quot;UniversalHtml&quot;,&quot;presentationContent&quot;:{&quot;metadata&quot;:{&quot;references&quot;:false,&quot;texts&quot;:[&quot;DT_HYPERLINK_TOOLTIP&quot;]},&quot;resources&quot;:{&quot;attachments&quot;:false,&quot;fonts&quot;:[{&quot;charsets&quot;:{&quot;dynamicFormatted&quot;:[&quot;DCT_INTERACTIVITY_TEXT&quot;,&quot;DCT_INTERACTIVITY_SEMIBOLD_TEXT&quot;],&quot;dynamicPlain&quot;:[&quot;DCT_HYPERLINK_TOOLTIP&quot;],&quot;static&quot;:[&quot;Next&quot;,&quot;Full screen&quot;,&quot;Exit full screen&quot;,&quot;Yes&quot;,&quot;No&quot;,&quot;OK&quot;,&quot;Do you want to resume where you left off?&quot;,&quot;Complete the slide to go to the next one.&quot;,&quot;You can only view slides in order.&quot;,&quot;To advance to the next slide, complete this quiz.&quot;,&quot;To advance to this slide, you need to pass the quiz on slide %SLIDE_INDEX%.&quot;,&quot;To advance to this slide, complete the quiz on slide %SLIDE_INDEX%.&quot;,&quot;You haven't passed the quiz on slide %SLIDE_INDEX% and can't advance to the next slide.&quot;,&quot;To advance to the next slide, complete this interaction.&quot;,&quot;To advance to the next slide, complete this role-play.&quot;,&quot;To advance to this slide, you need to pass the role-play on slide %SLIDE_INDEX%.&quot;,&quot;To advance to this slide, complete the role-play on slide %SLIDE_INDEX%.&quot;,&quot;You haven't passed the role-play on slide %SLIDE_INDEX% and can't advance to the next slide.&quot;,&quot;Enter the password to view this presentation.&quot;,&quot;Incorrect password.&quot;,&quot;Sorry, the content author has prohibited sharing the presentation on this domain.&quot;,&quot;Sorry, the content author has prohibited viewing the presentation at this time.&quot;,&quot;Go back&quot;]},&quot;embedName&quot;:&quot;PFn&quot;,&quot;fontFamily&quot;:&quot;Arial&quot;,&quot;isBold&quot;:false,&quot;isItalic&quot;:false,&quot;isSemibold&quot;:false,&quot;substituteFontFamily&quot;:&quot;Arial&quot;},{&quot;charsets&quot;:{&quot;dynamicFormatted&quot;:[&quot;DCT_INTERACTIVITY_TEXT&quot;,&quot;DCT_INTERACTIVITY_SEMIBOLD_TEXT&quot;],&quot;dynamicPlain&quot;:[&quot;DCT_HYPERLINK_TOOLTIP&quot;],&quot;static&quot;:[&quot;Next&quot;,&quot;Full screen&quot;,&quot;Exit full screen&quot;,&quot;Yes&quot;,&quot;No&quot;,&quot;OK&quot;,&quot;Do you want to resume where you left off?&quot;,&quot;Complete the slide to go to the next one.&quot;,&quot;You can only view slides in order.&quot;,&quot;To advance to the next slide, complete this quiz.&quot;,&quot;To advance to this slide, you need to pass the quiz on slide %SLIDE_INDEX%.&quot;,&quot;To advance to this slide, complete the quiz on slide %SLIDE_INDEX%.&quot;,&quot;You haven't passed the quiz on slide %SLIDE_INDEX% and can't advance to the next slide.&quot;,&quot;To advance to the next slide, complete this interaction.&quot;,&quot;To advance to the next slide, complete this role-play.&quot;,&quot;To advance to this slide, you need to pass the role-play on slide %SLIDE_INDEX%.&quot;,&quot;To advance to this slide, complete the role-play on slide %SLIDE_INDEX%.&quot;,&quot;You haven't passed the role-play on slide %SLIDE_INDEX% and can't advance to the next slide.&quot;,&quot;Enter the password to view this presentation.&quot;,&quot;Incorrect password.&quot;,&quot;Sorry, the content author has prohibited sharing the presentation on this domain.&quot;,&quot;Sorry, the content author has prohibited viewing the presentation at this time.&quot;,&quot;Go back&quot;]},&quot;embedName&quot;:&quot;PFnb&quot;,&quot;fontFamily&quot;:&quot;Arial&quot;,&quot;isBold&quot;:true,&quot;isItalic&quot;:false,&quot;isSemibold&quot;:false,&quot;substituteFontFamily&quot;:&quot;Arial&quot;},{&quot;charsets&quot;:{&quot;dynamicFormatted&quot;:[&quot;DCT_INTERACTIVITY_TEXT&quot;,&quot;DCT_INTERACTIVITY_SEMIBOLD_TEXT&quot;],&quot;dynamicPlain&quot;:[&quot;DCT_HYPERLINK_TOOLTIP&quot;],&quot;static&quot;:[&quot;Next&quot;,&quot;Full screen&quot;,&quot;Exit full screen&quot;,&quot;Yes&quot;,&quot;No&quot;,&quot;OK&quot;,&quot;Do you want to resume where you left off?&quot;,&quot;Complete the slide to go to the next one.&quot;,&quot;You can only view slides in order.&quot;,&quot;To advance to the next slide, complete this quiz.&quot;,&quot;To advance to this slide, you need to pass the quiz on slide %SLIDE_INDEX%.&quot;,&quot;To advance to this slide, complete the quiz on slide %SLIDE_INDEX%.&quot;,&quot;You haven't passed the quiz on slide %SLIDE_INDEX% and can't advance to the next slide.&quot;,&quot;To advance to the next slide, complete this interaction.&quot;,&quot;To advance to the next slide, complete this role-play.&quot;,&quot;To advance to this slide, you need to pass the role-play on slide %SLIDE_INDEX%.&quot;,&quot;To advance to this slide, complete the role-play on slide %SLIDE_INDEX%.&quot;,&quot;You haven't passed the role-play on slide %SLIDE_INDEX% and can't advance to the next slide.&quot;,&quot;Enter the password to view this presentation.&quot;,&quot;Incorrect password.&quot;,&quot;Sorry, the content author has prohibited sharing the presentation on this domain.&quot;,&quot;Sorry, the content author has prohibited viewing the presentation at this time.&quot;,&quot;Go back&quot;]},&quot;embedName&quot;:&quot;PFni&quot;,&quot;fontFamily&quot;:&quot;Arial&quot;,&quot;isBold&quot;:false,&quot;isItalic&quot;:true,&quot;isSemibold&quot;:false,&quot;substituteFontFamily&quot;:&quot;Arial&quot;},{&quot;charsets&quot;:{&quot;dynamicFormatted&quot;:[&quot;DCT_INTERACTIVITY_TEXT&quot;,&quot;DCT_INTERACTIVITY_SEMIBOLD_TEXT&quot;],&quot;dynamicPlain&quot;:[&quot;DCT_HYPERLINK_TOOLTIP&quot;],&quot;static&quot;:[&quot;Next&quot;,&quot;Full screen&quot;,&quot;Exit full screen&quot;,&quot;Yes&quot;,&quot;No&quot;,&quot;OK&quot;,&quot;Do you want to resume where you left off?&quot;,&quot;Complete the slide to go to the next one.&quot;,&quot;You can only view slides in order.&quot;,&quot;To advance to the next slide, complete this quiz.&quot;,&quot;To advance to this slide, you need to pass the quiz on slide %SLIDE_INDEX%.&quot;,&quot;To advance to this slide, complete the quiz on slide %SLIDE_INDEX%.&quot;,&quot;You haven't passed the quiz on slide %SLIDE_INDEX% and can't advance to the next slide.&quot;,&quot;To advance to the next slide, complete this interaction.&quot;,&quot;To advance to the next slide, complete this role-play.&quot;,&quot;To advance to this slide, you need to pass the role-play on slide %SLIDE_INDEX%.&quot;,&quot;To advance to this slide, complete the role-play on slide %SLIDE_INDEX%.&quot;,&quot;You haven't passed the role-play on slide %SLIDE_INDEX% and can't advance to the next slide.&quot;,&quot;Enter the password to view this presentation.&quot;,&quot;Incorrect password.&quot;,&quot;Sorry, the content author has prohibited sharing the presentation on this domain.&quot;,&quot;Sorry, the content author has prohibited viewing the presentation at this time.&quot;,&quot;Go back&quot;]},&quot;embedName&quot;:&quot;PFnbi&quot;,&quot;fontFamily&quot;:&quot;Arial&quot;,&quot;isBold&quot;:true,&quot;isItalic&quot;:true,&quot;isSemibold&quot;:false,&quot;substituteFontFamily&quot;:&quot;Arial&quot;},{&quot;charsets&quot;:{&quot;dynamicFormatted&quot;:[&quot;DCT_INTERACTIVITY_TEXT&quot;,&quot;DCT_INTERACTIVITY_SEMIBOLD_TEXT&quot;],&quot;dynamicPlain&quot;:[&quot;DCT_HYPERLINK_TOOLTIP&quot;],&quot;static&quot;:[&quot;Next&quot;,&quot;Full screen&quot;,&quot;Exit full screen&quot;,&quot;Yes&quot;,&quot;No&quot;,&quot;OK&quot;,&quot;Do you want to resume where you left off?&quot;,&quot;Complete the slide to go to the next one.&quot;,&quot;You can only view slides in order.&quot;,&quot;To advance to the next slide, complete this quiz.&quot;,&quot;To advance to this slide, you need to pass the quiz on slide %SLIDE_INDEX%.&quot;,&quot;To advance to this slide, complete the quiz on slide %SLIDE_INDEX%.&quot;,&quot;You haven't passed the quiz on slide %SLIDE_INDEX% and can't advance to the next slide.&quot;,&quot;To advance to the next slide, complete this interaction.&quot;,&quot;To advance to the next slide, complete this role-play.&quot;,&quot;To advance to this slide, you need to pass the role-play on slide %SLIDE_INDEX%.&quot;,&quot;To advance to this slide, complete the role-play on slide %SLIDE_INDEX%.&quot;,&quot;You haven't passed the role-play on slide %SLIDE_INDEX% and can't advance to the next slide.&quot;,&quot;Enter the password to view this presentation.&quot;,&quot;Incorrect password.&quot;,&quot;Sorry, the content author has prohibited sharing the presentation on this domain.&quot;,&quot;Sorry, the content author has prohibited viewing the presentation at this time.&quot;,&quot;Go back&quot;]},&quot;embedName&quot;:&quot;PFnsb&quot;,&quot;fontFamily&quot;:&quot;Arial&quot;,&quot;isBold&quot;:false,&quot;isItalic&quot;:false,&quot;isSemibold&quot;:true,&quot;substituteFontFamily&quot;:&quot;Arial&quot;},{&quot;charsets&quot;:{&quot;dynamicFormatted&quot;:[&quot;DCT_INTERACTIVITY_TEXT&quot;,&quot;DCT_INTERACTIVITY_SEMIBOLD_TEXT&quot;],&quot;dynamicPlain&quot;:[&quot;DCT_HYPERLINK_TOOLTIP&quot;],&quot;static&quot;:[&quot;Next&quot;,&quot;Full screen&quot;,&quot;Exit full screen&quot;,&quot;Yes&quot;,&quot;No&quot;,&quot;OK&quot;,&quot;Do you want to resume where you left off?&quot;,&quot;Complete the slide to go to the next one.&quot;,&quot;You can only view slides in order.&quot;,&quot;To advance to the next slide, complete this quiz.&quot;,&quot;To advance to this slide, you need to pass the quiz on slide %SLIDE_INDEX%.&quot;,&quot;To advance to this slide, complete the quiz on slide %SLIDE_INDEX%.&quot;,&quot;You haven't passed the quiz on slide %SLIDE_INDEX% and can't advance to the next slide.&quot;,&quot;To advance to the next slide, complete this interaction.&quot;,&quot;To advance to the next slide, complete this role-play.&quot;,&quot;To advance to this slide, you need to pass the role-play on slide %SLIDE_INDEX%.&quot;,&quot;To advance to this slide, complete the role-play on slide %SLIDE_INDEX%.&quot;,&quot;You haven't passed the role-play on slide %SLIDE_INDEX% and can't advance to the next slide.&quot;,&quot;Enter the password to view this presentation.&quot;,&quot;Incorrect password.&quot;,&quot;Sorry, the content author has prohibited sharing the presentation on this domain.&quot;,&quot;Sorry, the content author has prohibited viewing the presentation at this time.&quot;,&quot;Go back&quot;]},&quot;embedName&quot;:&quot;PFnsbi&quot;,&quot;fontFamily&quot;:&quot;Arial&quot;,&quot;isBold&quot;:false,&quot;isItalic&quot;:true,&quot;isSemibold&quot;:true,&quot;substituteFontFamily&quot;:&quot;Arial&quot;}],&quot;interactivity&quot;:{&quot;fullSupport&quot;:true}}}},&quot;ceipData&quot;:{&quot;enableMiniSkinCustomization&quot;:false,&quot;playerLayout&quot;:&quot;custom&quot;,&quot;playerLayoutFooter&quot;:&quot;fullscreen,goToPrev,goToNext&quot;,&quot;playerLayoutHeader&quot;:&quot;&quot;,&quot;playerLayoutHeaderButtonsPosition&quot;:&quot;&quot;,&quot;playerLayoutOutline&quot;:&quot;&quot;,&quot;playerLayoutProgress&quot;:&quot;&quot;,&quot;playerLayoutProgressMode&quot;:&quot;&quot;,&quot;playerLayoutSidebar&quot;:&quot;&quot;,&quot;playerLayoutSidebarPosition&quot;:&quot;&quot;,&quot;playerMessages&quot;:&quot;builtin.en&quot;,&quot;playerNavigationAutoStart&quot;:true,&quot;playerNavigationEnableKeyboardNavigation&quot;:true,&quot;playerNavigationMode&quot;:&quot;bySlides&quot;,&quot;playerNavigationOnRestart&quot;:&quot;prompt&quot;,&quot;playerNavigationSaveAnimationStates&quot;:true,&quot;playerNavigationType&quot;:&quot;restricted&quot;,&quot;playerTheme&quot;:&quot;custom&quot;,&quot;playerThemeBorderRadius&quot;:10,&quot;playerThemeColorScheme&quot;:&quot;builtin.lightOrange&quot;,&quot;playerThemeFont&quot;:&quot;Arial&quot;}},&quot;none&quot;:{&quot;skinSettings&quot;:{&quot;borderRadius&quot;:10,&quot;colors&quot;:{&quot;asideBackground&quot;:{&quot;color&quot;:&quot;#FFFFFF&quot;,&quot;opacity&quot;:1,&quot;type&quot;:&quot;SOLID&quot;},&quot;pageBackground&quot;:{&quot;color&quot;:&quot;#DCDEE0&quot;,&quot;opacity&quot;:1,&quot;type&quot;:&quot;SOLID&quot;},&quot;playerText&quot;:{&quot;color&quot;:&quot;#34383D&quot;,&quot;opacity&quot;:1,&quot;type&quot;:&quot;SOLID&quot;},&quot;primaryButtonBackground&quot;:{&quot;color&quot;:&quot;#5F8BD9&quot;,&quot;opacity&quot;:1,&quot;type&quot;:&quot;SOLID&quot;},&quot;primaryButtonBackgroundHover&quot;:{&quot;color&quot;:&quot;#5077BB&quot;,&quot;opacity&quot;:1,&quot;type&quot;:&quot;SOLID&quot;},&quot;primaryButtonBorder&quot;:{&quot;color&quot;:&quot;#5F8BD9&quot;,&quot;opacity&quot;:1,&quot;type&quot;:&quot;SOLID&quot;},&quot;primaryButtonBorderHover&quot;:{&quot;color&quot;:&quot;#5077BB&quot;,&quot;opacity&quot;:1,&quot;type&quot;:&quot;SOLID&quot;},&quot;primaryButtonText&quot;:{&quot;color&quot;:&quot;#FFFFFF&quot;,&quot;opacity&quot;:1,&quot;type&quot;:&quot;SOLID&quot;},&quot;primaryButtonTextHover&quot;:{&quot;color&quot;:&quot;#FFFFFF&quot;,&quot;opacity&quot;:1,&quot;type&quot;:&quot;SOLID&quot;}},&quot;enablePlaybackRateControl&quot;:true,&quot;fontFamily&quot;:&quot;Arial&quot;,&quot;version&quot;:&quot;1.0&quot;},&quot;skinMessages&quot;:{&quot;PB_ACCESSIBLE_ARIA_LABEL_BACK_TO_BEGIN&quot;:&quot;Go to the beginning of the slide&quot;,&quot;PB_ACCESSIBLE_ARIA_LABEL_BOTTOM_PANEL&quot;:&quot;Bottom Bar&quot;,&quot;PB_ACCESSIBLE_ARIA_LABEL_NAVIGATION_BUTTONS&quot;:&quot;Navigation buttons&quot;,&quot;PB_ACCESSIBLE_ARIA_LABEL_SETTINGS&quot;:&quot;Accessibility Settings&quot;,&quot;PB_ACCESSIBLE_ARIA_LABEL_SLIDE&quot;:&quot;Slide&quot;,&quot;PB_ACCESSIBLE_ARIA_LABEL_TOP_PANEL&quot;:&quot;Top Bar&quot;,&quot;PB_ACCESSIBLE_AUDIO_NARRATION_LABEL&quot;:&quot;Audio narration&quot;,&quot;PB_ACCESSIBLE_NAVIGATION_NEXT_BUTTON&quot;:&quot;Next&quot;,&quot;PB_ACCESSIBLE_NAVIGATION_PREV_BUTTON&quot;:&quot;Previous&quot;,&quot;PB_ACCESSIBLE_PLAYER_SCENARIO_NOT_SUPPORTED&quot;:&quot;The role-play is not supported in the accessibility mode&quot;,&quot;PB_ACCESSIBLE_SKIN_ENABLE_ACCESSIBILITY_MODE&quot;:&quot;Turn on accessibility mode&quot;,&quot;PB_ACCESSIBLE_SKIN_ENABLE_NORMAL_MODE&quot;:&quot;Turn off accessibility mode&quot;,&quot;PB_ACCESSIBLE_VIDEO_NARRATION_LABEL&quot;:&quot;Video narration&quot;,&quot;PB_ACCESSIBLE_WATERMARK_SKIN_CREATED_WITH&quot;:&quot;Created with iSpring evaluation version&quot;,&quot;PB_BACK_TO_APP_BUTTON_LABEL&quot;:&quot;Go back&quot;,&quot;PB_CONTROL_PANEL_NEXT&quot;:&quot;Next&quot;,&quot;PB_CONTROL_PANEL_PREV&quot;:&quot;&quot;,&quot;PB_CURRENT_SLIDE_IS_NOT_COMPLETED&quot;:&quot;Complete the slide to go to the next one.&quot;,&quot;PB_DOMAIN_RESTRICTION&quot;:&quot;Sorry, the content author has prohibited sharing the presentation on this domain.&quot;,&quot;PB_ENTER_PASSWORD&quot;:&quot;Enter the password to view this presentation.&quot;,&quot;PB_INCORRECT_PASSWORD&quot;:&quot;Incorrect password.&quot;,&quot;PB_INTERACTION_SLIDE_WINDOW_TEXT&quot;:&quot;To advance to the next slide, complete this interaction.&quot;,&quot;PB_MESSAGE_BOX_NO&quot;:&quot;No&quot;,&quot;PB_MESSAGE_BOX_OK&quot;:&quot;OK&quot;,&quot;PB_MESSAGE_BOX_YES&quot;:&quot;Yes&quot;,&quot;PB_NAVIGATION_IS_RESTRICTED&quot;:&quot;You can only view slides in order.&quot;,&quot;PB_NAVIGATION_IS_SEQUENTIAL&quot;:&quot;You can only view slides in order.&quot;,&quot;PB_PLAYBACK_RATE_MENU_CAPTION&quot;:&quot;Speed&quot;,&quot;PB_PRECEDING_QUIZ_FAILED_WINDOW_TEXT&quot;:&quot;You haven't passed the quiz on slide %SLIDE_INDEX% and can't advance to the next slide.&quot;,&quot;PB_PRECEDING_QUIZ_NOT_COMPLETED_WINDOW_TEXT&quot;:&quot;To advance to this slide, complete the quiz on slide %SLIDE_INDEX%.&quot;,&quot;PB_PRECEDING_QUIZ_NOT_PASSED_WINDOW_TEXT&quot;:&quot;To advance to this slide, you need to pass the quiz on slide %SLIDE_INDEX%.&quot;,&quot;PB_PRECEDING_SCENARIO_FAILED_WINDOW_TEXT&quot;:&quot;You haven't passed the role-play on slide %SLIDE_INDEX% and can't advance to the next slide.&quot;,&quot;PB_PRECEDING_SCENARIO_NOT_COMPLETED_WINDOW_TEXT&quot;:&quot;To advance to this slide, complete the role-play on slide %SLIDE_INDEX%.&quot;,&quot;PB_PRECEDING_SCENARIO_NOT_PASSED_WINDOW_TEXT&quot;:&quot;To advance to this slide, you need to pass the role-play on slide %SLIDE_INDEX%.&quot;,&quot;PB_QUIZ_SLIDE_WINDOW_TEXT&quot;:&quot;To advance to the next slide, complete this quiz.&quot;,&quot;PB_RESTRICTION_MESSAGE_BOX_TITLE&quot;:&quot;Navigation is limited&quot;,&quot;PB_RESUME_PRESENTATION_WINDOW_TEXT&quot;:&quot;Do you want to resume where you left off?&quot;,&quot;PB_RESUME_PRESENTATION_WINDOW_TITLE&quot;:&quot;Resume Presentation&quot;,&quot;PB_SCENARIO_SLIDE_WINDOW_TEXT&quot;:&quot;To advance to the next slide, complete this role-play.&quot;,&quot;PB_SUBTITLES_MENU_CAPTION&quot;:&quot;Subtitles&quot;,&quot;PB_SUBTITLES_OFF&quot;:&quot;Off&quot;,&quot;PB_TIME_RESTRICTION&quot;:&quot;Sorry, the content author has prohibited viewing the presentation at this time.&quot;},&quot;playbackAndNavigationSettings&quot;:{&quot;autoStart&quot;:true,&quot;saveAnimationStates&quot;:true,&quot;loopPresentation&quot;:false,&quot;autoPlayAnimations&quot;:false,&quot;autoPlayAnimationsTime&quot;:1,&quot;navigationType&quot;:&quot;FREE&quot;,&quot;resumeMode&quot;:&quot;PROMPT&quot;,&quot;enableKeyboardNavigation&quot;:true},&quot;keyboardSettings&quot;:&quot;&quot;,&quot;skinVersion&quot;:2,&quot;skinCompatibleVersion&quot;:0,&quot;publishSettings&quot;:{&quot;backgroundColor&quot;:&quot;#DCDEE0&quot;,&quot;playerDimensions&quot;:{&quot;height&quot;:0,&quot;width&quot;:0},&quot;playerModule&quot;:&quot;NoneHtml&quot;,&quot;presentationContent&quot;:{&quot;resources&quot;:{&quot;attachments&quot;:false,&quot;fonts&quot;:[{&quot;charsets&quot;:{&quot;dynamicFormatted&quot;:[&quot;DCT_INTERACTIVITY_TEXT&quot;,&quot;DCT_INTERACTIVITY_SEMIBOLD_TEXT&quot;],&quot;dynamicPlain&quot;:[&quot;DCT_HYPERLINK_TOOLTIP&quot;],&quot;static&quot;:[&quot;Next&quot;,&quot;0123456789.,x&quot;,&quot;Speed&quot;,&quot;Yes&quot;,&quot;No&quot;,&quot;OK&quot;,&quot;Do you want to resume where you left off?&quot;,&quot;Complete the slide to go to the next one.&quot;,&quot;You can only view slides in order.&quot;,&quot;To advance to the next slide, complete this quiz.&quot;,&quot;To advance to this slide, you need to pass the quiz on slide %SLIDE_INDEX%.&quot;,&quot;To advance to this slide, complete the quiz on slide %SLIDE_INDEX%.&quot;,&quot;You haven't passed the quiz on slide %SLIDE_INDEX% and can't advance to the next slide.&quot;,&quot;To advance to the next slide, complete this interaction.&quot;,&quot;To advance to the next slide, complete this role-play.&quot;,&quot;To advance to this slide, you need to pass the role-play on slide %SLIDE_INDEX%.&quot;,&quot;To advance to this slide, complete the role-play on slide %SLIDE_INDEX%.&quot;,&quot;You haven't passed the role-play on slide %SLIDE_INDEX% and can't advance to the next slide.&quot;,&quot;Enter the password to view this presentation.&quot;,&quot;Incorrect password.&quot;,&quot;Sorry, the content author has prohibited sharing the presentation on this domain.&quot;,&quot;Sorry, the content author has prohibited viewing the presentation at this time.&quot;,&quot;Go back&quot;]},&quot;embedName&quot;:&quot;nPFn&quot;,&quot;fontFamily&quot;:&quot;Arial&quot;,&quot;isBold&quot;:false,&quot;isItalic&quot;:false,&quot;isSemibold&quot;:false,&quot;substituteFontFamily&quot;:&quot;Arial&quot;},{&quot;charsets&quot;:{&quot;dynamicFormatted&quot;:[&quot;DCT_INTERACTIVITY_TEXT&quot;,&quot;DCT_INTERACTIVITY_SEMIBOLD_TEXT&quot;],&quot;dynamicPlain&quot;:[&quot;DCT_HYPERLINK_TOOLTIP&quot;],&quot;static&quot;:[&quot;Next&quot;,&quot;0123456789.,x&quot;,&quot;Speed&quot;,&quot;Yes&quot;,&quot;No&quot;,&quot;OK&quot;,&quot;Do you want to resume where you left off?&quot;,&quot;Complete the slide to go to the next one.&quot;,&quot;You can only view slides in order.&quot;,&quot;To advance to the next slide, complete this quiz.&quot;,&quot;To advance to this slide, you need to pass the quiz on slide %SLIDE_INDEX%.&quot;,&quot;To advance to this slide, complete the quiz on slide %SLIDE_INDEX%.&quot;,&quot;You haven't passed the quiz on slide %SLIDE_INDEX% and can't advance to the next slide.&quot;,&quot;To advance to the next slide, complete this interaction.&quot;,&quot;To advance to the next slide, complete this role-play.&quot;,&quot;To advance to this slide, you need to pass the role-play on slide %SLIDE_INDEX%.&quot;,&quot;To advance to this slide, complete the role-play on slide %SLIDE_INDEX%.&quot;,&quot;You haven't passed the role-play on slide %SLIDE_INDEX% and can't advance to the next slide.&quot;,&quot;Enter the password to view this presentation.&quot;,&quot;Incorrect password.&quot;,&quot;Sorry, the content author has prohibited sharing the presentation on this domain.&quot;,&quot;Sorry, the content author has prohibited viewing the presentation at this time.&quot;,&quot;Go back&quot;]},&quot;embedName&quot;:&quot;nPFnb&quot;,&quot;fontFamily&quot;:&quot;Arial&quot;,&quot;isBold&quot;:true,&quot;isItalic&quot;:false,&quot;isSemibold&quot;:false,&quot;substituteFontFamily&quot;:&quot;Arial&quot;},{&quot;charsets&quot;:{&quot;dynamicFormatted&quot;:[&quot;DCT_INTERACTIVITY_TEXT&quot;,&quot;DCT_INTERACTIVITY_SEMIBOLD_TEXT&quot;],&quot;dynamicPlain&quot;:[&quot;DCT_HYPERLINK_TOOLTIP&quot;],&quot;static&quot;:[&quot;Next&quot;,&quot;0123456789.,x&quot;,&quot;Speed&quot;,&quot;Yes&quot;,&quot;No&quot;,&quot;OK&quot;,&quot;Do you want to resume where you left off?&quot;,&quot;Complete the slide to go to the next one.&quot;,&quot;You can only view slides in order.&quot;,&quot;To advance to the next slide, complete this quiz.&quot;,&quot;To advance to this slide, you need to pass the quiz on slide %SLIDE_INDEX%.&quot;,&quot;To advance to this slide, complete the quiz on slide %SLIDE_INDEX%.&quot;,&quot;You haven't passed the quiz on slide %SLIDE_INDEX% and can't advance to the next slide.&quot;,&quot;To advance to the next slide, complete this interaction.&quot;,&quot;To advance to the next slide, complete this role-play.&quot;,&quot;To advance to this slide, you need to pass the role-play on slide %SLIDE_INDEX%.&quot;,&quot;To advance to this slide, complete the role-play on slide %SLIDE_INDEX%.&quot;,&quot;You haven't passed the role-play on slide %SLIDE_INDEX% and can't advance to the next slide.&quot;,&quot;Enter the password to view this presentation.&quot;,&quot;Incorrect password.&quot;,&quot;Sorry, the content author has prohibited sharing the presentation on this domain.&quot;,&quot;Sorry, the content author has prohibited viewing the presentation at this time.&quot;,&quot;Go back&quot;]},&quot;embedName&quot;:&quot;nPFni&quot;,&quot;fontFamily&quot;:&quot;Arial&quot;,&quot;isBold&quot;:false,&quot;isItalic&quot;:true,&quot;isSemibold&quot;:false,&quot;substituteFontFamily&quot;:&quot;Arial&quot;},{&quot;charsets&quot;:{&quot;dynamicFormatted&quot;:[&quot;DCT_INTERACTIVITY_TEXT&quot;,&quot;DCT_INTERACTIVITY_SEMIBOLD_TEXT&quot;],&quot;dynamicPlain&quot;:[&quot;DCT_HYPERLINK_TOOLTIP&quot;],&quot;static&quot;:[&quot;Next&quot;,&quot;0123456789.,x&quot;,&quot;Speed&quot;,&quot;Yes&quot;,&quot;No&quot;,&quot;OK&quot;,&quot;Do you want to resume where you left off?&quot;,&quot;Complete the slide to go to the next one.&quot;,&quot;You can only view slides in order.&quot;,&quot;To advance to the next slide, complete this quiz.&quot;,&quot;To advance to this slide, you need to pass the quiz on slide %SLIDE_INDEX%.&quot;,&quot;To advance to this slide, complete the quiz on slide %SLIDE_INDEX%.&quot;,&quot;You haven't passed the quiz on slide %SLIDE_INDEX% and can't advance to the next slide.&quot;,&quot;To advance to the next slide, complete this interaction.&quot;,&quot;To advance to the next slide, complete this role-play.&quot;,&quot;To advance to this slide, you need to pass the role-play on slide %SLIDE_INDEX%.&quot;,&quot;To advance to this slide, complete the role-play on slide %SLIDE_INDEX%.&quot;,&quot;You haven't passed the role-play on slide %SLIDE_INDEX% and can't advance to the next slide.&quot;,&quot;Enter the password to view this presentation.&quot;,&quot;Incorrect password.&quot;,&quot;Sorry, the content author has prohibited sharing the presentation on this domain.&quot;,&quot;Sorry, the content author has prohibited viewing the presentation at this time.&quot;,&quot;Go back&quot;]},&quot;embedName&quot;:&quot;nPFnbi&quot;,&quot;fontFamily&quot;:&quot;Arial&quot;,&quot;isBold&quot;:true,&quot;isItalic&quot;:true,&quot;isSemibold&quot;:false,&quot;substituteFontFamily&quot;:&quot;Arial&quot;},{&quot;charsets&quot;:{&quot;dynamicFormatted&quot;:[&quot;DCT_INTERACTIVITY_TEXT&quot;,&quot;DCT_INTERACTIVITY_SEMIBOLD_TEXT&quot;],&quot;dynamicPlain&quot;:[&quot;DCT_HYPERLINK_TOOLTIP&quot;],&quot;static&quot;:[&quot;Next&quot;,&quot;0123456789.,x&quot;,&quot;Speed&quot;,&quot;Yes&quot;,&quot;No&quot;,&quot;OK&quot;,&quot;Do you want to resume where you left off?&quot;,&quot;Complete the slide to go to the next one.&quot;,&quot;You can only view slides in order.&quot;,&quot;To advance to the next slide, complete this quiz.&quot;,&quot;To advance to this slide, you need to pass the quiz on slide %SLIDE_INDEX%.&quot;,&quot;To advance to this slide, complete the quiz on slide %SLIDE_INDEX%.&quot;,&quot;You haven't passed the quiz on slide %SLIDE_INDEX% and can't advance to the next slide.&quot;,&quot;To advance to the next slide, complete this interaction.&quot;,&quot;To advance to the next slide, complete this role-play.&quot;,&quot;To advance to this slide, you need to pass the role-play on slide %SLIDE_INDEX%.&quot;,&quot;To advance to this slide, complete the role-play on slide %SLIDE_INDEX%.&quot;,&quot;You haven't passed the role-play on slide %SLIDE_INDEX% and can't advance to the next slide.&quot;,&quot;Enter the password to view this presentation.&quot;,&quot;Incorrect password.&quot;,&quot;Sorry, the content author has prohibited sharing the presentation on this domain.&quot;,&quot;Sorry, the content author has prohibited viewing the presentation at this time.&quot;,&quot;Go back&quot;]},&quot;embedName&quot;:&quot;nPFnsb&quot;,&quot;fontFamily&quot;:&quot;Arial&quot;,&quot;isBold&quot;:false,&quot;isItalic&quot;:false,&quot;isSemibold&quot;:true,&quot;substituteFontFamily&quot;:&quot;Arial&quot;},{&quot;charsets&quot;:{&quot;dynamicFormatted&quot;:[&quot;DCT_INTERACTIVITY_TEXT&quot;,&quot;DCT_INTERACTIVITY_SEMIBOLD_TEXT&quot;],&quot;dynamicPlain&quot;:[&quot;DCT_HYPERLINK_TOOLTIP&quot;],&quot;static&quot;:[&quot;Next&quot;,&quot;0123456789.,x&quot;,&quot;Speed&quot;,&quot;Yes&quot;,&quot;No&quot;,&quot;OK&quot;,&quot;Do you want to resume where you left off?&quot;,&quot;Complete the slide to go to the next one.&quot;,&quot;You can only view slides in order.&quot;,&quot;To advance to the next slide, complete this quiz.&quot;,&quot;To advance to this slide, you need to pass the quiz on slide %SLIDE_INDEX%.&quot;,&quot;To advance to this slide, complete the quiz on slide %SLIDE_INDEX%.&quot;,&quot;You haven't passed the quiz on slide %SLIDE_INDEX% and can't advance to the next slide.&quot;,&quot;To advance to the next slide, complete this interaction.&quot;,&quot;To advance to the next slide, complete this role-play.&quot;,&quot;To advance to this slide, you need to pass the role-play on slide %SLIDE_INDEX%.&quot;,&quot;To advance to this slide, complete the role-play on slide %SLIDE_INDEX%.&quot;,&quot;You haven't passed the role-play on slide %SLIDE_INDEX% and can't advance to the next slide.&quot;,&quot;Enter the password to view this presentation.&quot;,&quot;Incorrect password.&quot;,&quot;Sorry, the content author has prohibited sharing the presentation on this domain.&quot;,&quot;Sorry, the content author has prohibited viewing the presentation at this time.&quot;,&quot;Go back&quot;]},&quot;embedName&quot;:&quot;nPFnsbi&quot;,&quot;fontFamily&quot;:&quot;Arial&quot;,&quot;isBold&quot;:false,&quot;isItalic&quot;:true,&quot;isSemibold&quot;:true,&quot;substituteFontFamily&quot;:&quot;Arial&quot;}],&quot;interactivity&quot;:{&quot;fullSupport&quot;:true}}}},&quot;ceipData&quot;:{&quot;playerMessages&quot;:&quot;builtin.en&quot;,&quot;playerNavigationAcceleration&quot;:true,&quot;playerNavigationAutoStart&quot;:true,&quot;playerNavigationEnableKeyboardNavigation&quot;:true,&quot;playerNavigationOnRestart&quot;:&quot;prompt&quot;,&quot;playerNavigationSaveAnimationStates&quot;:true,&quot;playerNavigationType&quot;:&quot;free&quot;,&quot;playerTheme&quot;:&quot;builtin.lightBlue&quot;,&quot;playerThemeBorderRadius&quot;:10,&quot;playerThemeColorScheme&quot;:&quot;builtin.lightBlue&quot;,&quot;playerThemeFont&quot;:&quot;Arial&quot;}}}"/>
   <p:tag name="ISPRING_SCORM_ENDPOINT" val="&lt;endpoint&gt;&lt;enable&gt;0&lt;/enable&gt;&lt;lrs&gt;https://&lt;/lrs&gt;&lt;auth&gt;0&lt;/auth&gt;&lt;login&gt;&lt;/login&gt;&lt;password&gt;&lt;/password&gt;&lt;key&gt;&lt;/key&gt;&lt;name&gt;&lt;/name&gt;&lt;email&gt;&lt;/email&gt;&lt;/endpoint&gt;&#10;"/>
 </p:tagLst>
 </file>
@@ -3559,10 +3659,10 @@
   <p:tag name="ISPRING_SLIDE_QUIZ_PROPERTIES" val="&lt;QuizProperties&gt;&lt;passAction&gt;&lt;action&gt;3&lt;/action&gt;&lt;/passAction&gt;&lt;failAction&gt;&lt;action&gt;3&lt;/action&gt;&lt;/failAction&gt;&lt;viewSlidesPolicy&gt;0&lt;/viewSlidesPolicy&gt;&lt;allowInterrupt&gt;1&lt;/allowInterrupt&gt;&lt;restartFailedQuiz&gt;0&lt;/restartFailedQuiz&gt;&lt;/QuizProperties&gt;&#10;"/>
   <p:tag name="ISPRING_QUIZ_SHAPES_ADDED" val="1"/>
   <p:tag name="ISPRING_RESOURCE_QUIZ" val="quiz3.quiz"/>
-  <p:tag name="ISPRING_QUIZ_RELATIVE_PATH" val="report_mechanism\quiz\quiz3.quiz"/>
   <p:tag name="GENSWF_SLIDE_UID" val="{6147B98F-14E5-4C63-995B-CE80790F0287}:354"/>
   <p:tag name="ISPRING_SLIDE_BRANCHING_PROPERTIES" val="&lt;BranchingProperties&gt;&lt;nextAction&gt;&lt;action&gt;0&lt;/action&gt;&lt;/nextAction&gt;&lt;prevAction&gt;&lt;action&gt;0&lt;/action&gt;&lt;/prevAction&gt;&lt;lock&gt;0&lt;/lock&gt;&lt;/BranchingProperties&gt;&#10;"/>
-  <p:tag name="ISPRING_QUIZ_FULL_PATH" val="C:\Users\hp\Desktop\Projects\Nabad\Nabad\safeguarding\en\lessons\report_mechanism\quiz\quiz3.quiz"/>
+  <p:tag name="ISPRING_QUIZ_FULL_PATH" val="C:\Users\hp\Desktop\Projects\remove large files\Nabad\safeguarding\en\lessons\report_mechanism_1\quiz\quiz3.quiz"/>
+  <p:tag name="ISPRING_QUIZ_RELATIVE_PATH" val="report_mechanism_1\quiz\quiz3.quiz"/>
 </p:tagLst>
 </file>
 
